--- a/apresentacao.pptx
+++ b/apresentacao.pptx
@@ -112,6 +112,11 @@
       </a:defRPr>
     </a:lvl9pPr>
   </p:defaultTextStyle>
+  <p:extLst>
+    <p:ext uri="{EFAFB233-063F-42B5-8137-9DF3F51BA10A}">
+      <p15:sldGuideLst xmlns:p15="http://schemas.microsoft.com/office/powerpoint/2012/main"/>
+    </p:ext>
+  </p:extLst>
 </p:presentation>
 </file>
 
@@ -4029,12 +4034,42 @@
           <a:p>
             <a:r>
               <a:rPr lang="pt-BR" dirty="0"/>
-              <a:t>DOJO CINQ 2018</a:t>
-            </a:r>
-            <a:endParaRPr lang="en-US" dirty="0"/>
-          </a:p>
-        </p:txBody>
-      </p:sp>
+              <a:t>DOJO CINQ 2018’</a:t>
+            </a:r>
+            <a:endParaRPr lang="en-US" dirty="0"/>
+          </a:p>
+        </p:txBody>
+      </p:sp>
+      <p:pic>
+        <p:nvPicPr>
+          <p:cNvPr id="5" name="Picture 4">
+            <a:extLst>
+              <a:ext uri="{FF2B5EF4-FFF2-40B4-BE49-F238E27FC236}">
+                <a16:creationId xmlns:a16="http://schemas.microsoft.com/office/drawing/2014/main" id="{B63F8143-AF30-4423-AC77-208929B6C0C7}"/>
+              </a:ext>
+            </a:extLst>
+          </p:cNvPr>
+          <p:cNvPicPr>
+            <a:picLocks noChangeAspect="1"/>
+          </p:cNvPicPr>
+          <p:nvPr/>
+        </p:nvPicPr>
+        <p:blipFill>
+          <a:blip r:embed="rId2"/>
+          <a:stretch>
+            <a:fillRect/>
+          </a:stretch>
+        </p:blipFill>
+        <p:spPr>
+          <a:xfrm>
+            <a:off x="9520543" y="5534287"/>
+            <a:ext cx="1657350" cy="990600"/>
+          </a:xfrm>
+          <a:prstGeom prst="rect">
+            <a:avLst/>
+          </a:prstGeom>
+        </p:spPr>
+      </p:pic>
     </p:spTree>
     <p:extLst>
       <p:ext uri="{BB962C8B-B14F-4D97-AF65-F5344CB8AC3E}">
@@ -4133,6 +4168,36 @@
           </a:p>
         </p:txBody>
       </p:sp>
+      <p:pic>
+        <p:nvPicPr>
+          <p:cNvPr id="4" name="Picture 3">
+            <a:extLst>
+              <a:ext uri="{FF2B5EF4-FFF2-40B4-BE49-F238E27FC236}">
+                <a16:creationId xmlns:a16="http://schemas.microsoft.com/office/drawing/2014/main" id="{097ACE28-8031-47EE-AFBB-05BE7B4B1227}"/>
+              </a:ext>
+            </a:extLst>
+          </p:cNvPr>
+          <p:cNvPicPr>
+            <a:picLocks noChangeAspect="1"/>
+          </p:cNvPicPr>
+          <p:nvPr/>
+        </p:nvPicPr>
+        <p:blipFill>
+          <a:blip r:embed="rId2"/>
+          <a:stretch>
+            <a:fillRect/>
+          </a:stretch>
+        </p:blipFill>
+        <p:spPr>
+          <a:xfrm>
+            <a:off x="9520543" y="5534287"/>
+            <a:ext cx="1657350" cy="990600"/>
+          </a:xfrm>
+          <a:prstGeom prst="rect">
+            <a:avLst/>
+          </a:prstGeom>
+        </p:spPr>
+      </p:pic>
     </p:spTree>
     <p:extLst>
       <p:ext uri="{BB962C8B-B14F-4D97-AF65-F5344CB8AC3E}">
@@ -4225,6 +4290,36 @@
           </a:p>
         </p:txBody>
       </p:sp>
+      <p:pic>
+        <p:nvPicPr>
+          <p:cNvPr id="4" name="Picture 3">
+            <a:extLst>
+              <a:ext uri="{FF2B5EF4-FFF2-40B4-BE49-F238E27FC236}">
+                <a16:creationId xmlns:a16="http://schemas.microsoft.com/office/drawing/2014/main" id="{0D77C025-2A9F-4EE6-9D54-6084B3A26423}"/>
+              </a:ext>
+            </a:extLst>
+          </p:cNvPr>
+          <p:cNvPicPr>
+            <a:picLocks noChangeAspect="1"/>
+          </p:cNvPicPr>
+          <p:nvPr/>
+        </p:nvPicPr>
+        <p:blipFill>
+          <a:blip r:embed="rId2"/>
+          <a:stretch>
+            <a:fillRect/>
+          </a:stretch>
+        </p:blipFill>
+        <p:spPr>
+          <a:xfrm>
+            <a:off x="9520543" y="5534287"/>
+            <a:ext cx="1657350" cy="990600"/>
+          </a:xfrm>
+          <a:prstGeom prst="rect">
+            <a:avLst/>
+          </a:prstGeom>
+        </p:spPr>
+      </p:pic>
     </p:spTree>
     <p:extLst>
       <p:ext uri="{BB962C8B-B14F-4D97-AF65-F5344CB8AC3E}">
@@ -4377,6 +4472,36 @@
           </a:p>
         </p:txBody>
       </p:sp>
+      <p:pic>
+        <p:nvPicPr>
+          <p:cNvPr id="5" name="Picture 4">
+            <a:extLst>
+              <a:ext uri="{FF2B5EF4-FFF2-40B4-BE49-F238E27FC236}">
+                <a16:creationId xmlns:a16="http://schemas.microsoft.com/office/drawing/2014/main" id="{499D64CD-C424-4304-812A-E90747635912}"/>
+              </a:ext>
+            </a:extLst>
+          </p:cNvPr>
+          <p:cNvPicPr>
+            <a:picLocks noChangeAspect="1"/>
+          </p:cNvPicPr>
+          <p:nvPr/>
+        </p:nvPicPr>
+        <p:blipFill>
+          <a:blip r:embed="rId2"/>
+          <a:stretch>
+            <a:fillRect/>
+          </a:stretch>
+        </p:blipFill>
+        <p:spPr>
+          <a:xfrm>
+            <a:off x="9520543" y="5534287"/>
+            <a:ext cx="1657350" cy="990600"/>
+          </a:xfrm>
+          <a:prstGeom prst="rect">
+            <a:avLst/>
+          </a:prstGeom>
+        </p:spPr>
+      </p:pic>
     </p:spTree>
     <p:extLst>
       <p:ext uri="{BB962C8B-B14F-4D97-AF65-F5344CB8AC3E}">
@@ -4549,6 +4674,36 @@
           </a:p>
         </p:txBody>
       </p:sp>
+      <p:pic>
+        <p:nvPicPr>
+          <p:cNvPr id="5" name="Picture 4">
+            <a:extLst>
+              <a:ext uri="{FF2B5EF4-FFF2-40B4-BE49-F238E27FC236}">
+                <a16:creationId xmlns:a16="http://schemas.microsoft.com/office/drawing/2014/main" id="{58CEAF47-3D6E-41F6-9289-C7B20850758D}"/>
+              </a:ext>
+            </a:extLst>
+          </p:cNvPr>
+          <p:cNvPicPr>
+            <a:picLocks noChangeAspect="1"/>
+          </p:cNvPicPr>
+          <p:nvPr/>
+        </p:nvPicPr>
+        <p:blipFill>
+          <a:blip r:embed="rId2"/>
+          <a:stretch>
+            <a:fillRect/>
+          </a:stretch>
+        </p:blipFill>
+        <p:spPr>
+          <a:xfrm>
+            <a:off x="9520543" y="5534287"/>
+            <a:ext cx="1657350" cy="990600"/>
+          </a:xfrm>
+          <a:prstGeom prst="rect">
+            <a:avLst/>
+          </a:prstGeom>
+        </p:spPr>
+      </p:pic>
     </p:spTree>
     <p:extLst>
       <p:ext uri="{BB962C8B-B14F-4D97-AF65-F5344CB8AC3E}">
@@ -4706,6 +4861,36 @@
           </a:p>
         </p:txBody>
       </p:sp>
+      <p:pic>
+        <p:nvPicPr>
+          <p:cNvPr id="5" name="Picture 4">
+            <a:extLst>
+              <a:ext uri="{FF2B5EF4-FFF2-40B4-BE49-F238E27FC236}">
+                <a16:creationId xmlns:a16="http://schemas.microsoft.com/office/drawing/2014/main" id="{01E27905-3ACA-484B-B9B5-0727B547457A}"/>
+              </a:ext>
+            </a:extLst>
+          </p:cNvPr>
+          <p:cNvPicPr>
+            <a:picLocks noChangeAspect="1"/>
+          </p:cNvPicPr>
+          <p:nvPr/>
+        </p:nvPicPr>
+        <p:blipFill>
+          <a:blip r:embed="rId2"/>
+          <a:stretch>
+            <a:fillRect/>
+          </a:stretch>
+        </p:blipFill>
+        <p:spPr>
+          <a:xfrm>
+            <a:off x="9520543" y="5534287"/>
+            <a:ext cx="1657350" cy="990600"/>
+          </a:xfrm>
+          <a:prstGeom prst="rect">
+            <a:avLst/>
+          </a:prstGeom>
+        </p:spPr>
+      </p:pic>
     </p:spTree>
     <p:extLst>
       <p:ext uri="{BB962C8B-B14F-4D97-AF65-F5344CB8AC3E}">
@@ -4863,6 +5048,36 @@
           </a:p>
         </p:txBody>
       </p:sp>
+      <p:pic>
+        <p:nvPicPr>
+          <p:cNvPr id="5" name="Picture 4">
+            <a:extLst>
+              <a:ext uri="{FF2B5EF4-FFF2-40B4-BE49-F238E27FC236}">
+                <a16:creationId xmlns:a16="http://schemas.microsoft.com/office/drawing/2014/main" id="{8C940A44-5A61-4CEA-91E4-6D627FAB5769}"/>
+              </a:ext>
+            </a:extLst>
+          </p:cNvPr>
+          <p:cNvPicPr>
+            <a:picLocks noChangeAspect="1"/>
+          </p:cNvPicPr>
+          <p:nvPr/>
+        </p:nvPicPr>
+        <p:blipFill>
+          <a:blip r:embed="rId2"/>
+          <a:stretch>
+            <a:fillRect/>
+          </a:stretch>
+        </p:blipFill>
+        <p:spPr>
+          <a:xfrm>
+            <a:off x="9520543" y="5534287"/>
+            <a:ext cx="1657350" cy="990600"/>
+          </a:xfrm>
+          <a:prstGeom prst="rect">
+            <a:avLst/>
+          </a:prstGeom>
+        </p:spPr>
+      </p:pic>
     </p:spTree>
     <p:extLst>
       <p:ext uri="{BB962C8B-B14F-4D97-AF65-F5344CB8AC3E}">
@@ -5027,6 +5242,36 @@
           </a:p>
         </p:txBody>
       </p:sp>
+      <p:pic>
+        <p:nvPicPr>
+          <p:cNvPr id="5" name="Picture 4">
+            <a:extLst>
+              <a:ext uri="{FF2B5EF4-FFF2-40B4-BE49-F238E27FC236}">
+                <a16:creationId xmlns:a16="http://schemas.microsoft.com/office/drawing/2014/main" id="{9BE215DA-642A-4078-B5FC-743CEC012B97}"/>
+              </a:ext>
+            </a:extLst>
+          </p:cNvPr>
+          <p:cNvPicPr>
+            <a:picLocks noChangeAspect="1"/>
+          </p:cNvPicPr>
+          <p:nvPr/>
+        </p:nvPicPr>
+        <p:blipFill>
+          <a:blip r:embed="rId2"/>
+          <a:stretch>
+            <a:fillRect/>
+          </a:stretch>
+        </p:blipFill>
+        <p:spPr>
+          <a:xfrm>
+            <a:off x="9520543" y="5534287"/>
+            <a:ext cx="1657350" cy="990600"/>
+          </a:xfrm>
+          <a:prstGeom prst="rect">
+            <a:avLst/>
+          </a:prstGeom>
+        </p:spPr>
+      </p:pic>
     </p:spTree>
     <p:extLst>
       <p:ext uri="{BB962C8B-B14F-4D97-AF65-F5344CB8AC3E}">
@@ -5126,6 +5371,36 @@
           </a:p>
         </p:txBody>
       </p:sp>
+      <p:pic>
+        <p:nvPicPr>
+          <p:cNvPr id="4" name="Picture 3">
+            <a:extLst>
+              <a:ext uri="{FF2B5EF4-FFF2-40B4-BE49-F238E27FC236}">
+                <a16:creationId xmlns:a16="http://schemas.microsoft.com/office/drawing/2014/main" id="{23D21B7D-C04A-4226-BDD8-D9CB117380D1}"/>
+              </a:ext>
+            </a:extLst>
+          </p:cNvPr>
+          <p:cNvPicPr>
+            <a:picLocks noChangeAspect="1"/>
+          </p:cNvPicPr>
+          <p:nvPr/>
+        </p:nvPicPr>
+        <p:blipFill>
+          <a:blip r:embed="rId2"/>
+          <a:stretch>
+            <a:fillRect/>
+          </a:stretch>
+        </p:blipFill>
+        <p:spPr>
+          <a:xfrm>
+            <a:off x="9520543" y="5534287"/>
+            <a:ext cx="1657350" cy="990600"/>
+          </a:xfrm>
+          <a:prstGeom prst="rect">
+            <a:avLst/>
+          </a:prstGeom>
+        </p:spPr>
+      </p:pic>
     </p:spTree>
     <p:extLst>
       <p:ext uri="{BB962C8B-B14F-4D97-AF65-F5344CB8AC3E}">

--- a/apresentacao.pptx
+++ b/apresentacao.pptx
@@ -2,18 +2,19 @@
 <file path=ppt/presentation.xml><?xml version="1.0" encoding="utf-8"?>
 <p:presentation xmlns:a="http://schemas.openxmlformats.org/drawingml/2006/main" xmlns:r="http://schemas.openxmlformats.org/officeDocument/2006/relationships" xmlns:p="http://schemas.openxmlformats.org/presentationml/2006/main" autoCompressPictures="0">
   <p:sldMasterIdLst>
-    <p:sldMasterId id="2147483840" r:id="rId1"/>
+    <p:sldMasterId id="2147483852" r:id="rId1"/>
   </p:sldMasterIdLst>
   <p:sldIdLst>
     <p:sldId id="257" r:id="rId2"/>
     <p:sldId id="258" r:id="rId3"/>
     <p:sldId id="259" r:id="rId4"/>
-    <p:sldId id="260" r:id="rId5"/>
-    <p:sldId id="263" r:id="rId6"/>
-    <p:sldId id="264" r:id="rId7"/>
-    <p:sldId id="265" r:id="rId8"/>
-    <p:sldId id="266" r:id="rId9"/>
-    <p:sldId id="262" r:id="rId10"/>
+    <p:sldId id="267" r:id="rId5"/>
+    <p:sldId id="260" r:id="rId6"/>
+    <p:sldId id="263" r:id="rId7"/>
+    <p:sldId id="264" r:id="rId8"/>
+    <p:sldId id="265" r:id="rId9"/>
+    <p:sldId id="266" r:id="rId10"/>
+    <p:sldId id="262" r:id="rId11"/>
   </p:sldIdLst>
   <p:sldSz cx="12192000" cy="6858000"/>
   <p:notesSz cx="6858000" cy="9144000"/>
@@ -127,6 +128,11 @@
 <file path=ppt/slideLayouts/slideLayout1.xml><?xml version="1.0" encoding="utf-8"?>
 <p:sldLayout xmlns:a="http://schemas.openxmlformats.org/drawingml/2006/main" xmlns:r="http://schemas.openxmlformats.org/officeDocument/2006/relationships" xmlns:p="http://schemas.openxmlformats.org/presentationml/2006/main" showMasterSp="0" type="title" preserve="1">
   <p:cSld name="Title Slide">
+    <p:bg>
+      <p:bgRef idx="1001">
+        <a:schemeClr val="bg2"/>
+      </p:bgRef>
+    </p:bg>
     <p:spTree>
       <p:nvGrpSpPr>
         <p:cNvPr id="1" name=""/>
@@ -143,453 +149,480 @@
       </p:grpSpPr>
       <p:sp>
         <p:nvSpPr>
-          <p:cNvPr id="7" name="Rectangle 6"/>
+          <p:cNvPr id="12" name="Freeform 6" title="Page Number Shape"/>
           <p:cNvSpPr/>
           <p:nvPr/>
         </p:nvSpPr>
+        <p:spPr bwMode="auto">
+          <a:xfrm>
+            <a:off x="11784011" y="1189204"/>
+            <a:ext cx="407988" cy="819150"/>
+          </a:xfrm>
+          <a:custGeom>
+            <a:avLst/>
+            <a:gdLst/>
+            <a:ahLst/>
+            <a:cxnLst/>
+            <a:rect l="0" t="0" r="r" b="b"/>
+            <a:pathLst>
+              <a:path w="1799" h="3612">
+                <a:moveTo>
+                  <a:pt x="1799" y="0"/>
+                </a:moveTo>
+                <a:lnTo>
+                  <a:pt x="1799" y="3612"/>
+                </a:lnTo>
+                <a:lnTo>
+                  <a:pt x="1686" y="3609"/>
+                </a:lnTo>
+                <a:lnTo>
+                  <a:pt x="1574" y="3598"/>
+                </a:lnTo>
+                <a:lnTo>
+                  <a:pt x="1464" y="3581"/>
+                </a:lnTo>
+                <a:lnTo>
+                  <a:pt x="1357" y="3557"/>
+                </a:lnTo>
+                <a:lnTo>
+                  <a:pt x="1251" y="3527"/>
+                </a:lnTo>
+                <a:lnTo>
+                  <a:pt x="1150" y="3490"/>
+                </a:lnTo>
+                <a:lnTo>
+                  <a:pt x="1050" y="3448"/>
+                </a:lnTo>
+                <a:lnTo>
+                  <a:pt x="953" y="3401"/>
+                </a:lnTo>
+                <a:lnTo>
+                  <a:pt x="860" y="3347"/>
+                </a:lnTo>
+                <a:lnTo>
+                  <a:pt x="771" y="3289"/>
+                </a:lnTo>
+                <a:lnTo>
+                  <a:pt x="686" y="3224"/>
+                </a:lnTo>
+                <a:lnTo>
+                  <a:pt x="604" y="3156"/>
+                </a:lnTo>
+                <a:lnTo>
+                  <a:pt x="527" y="3083"/>
+                </a:lnTo>
+                <a:lnTo>
+                  <a:pt x="454" y="3005"/>
+                </a:lnTo>
+                <a:lnTo>
+                  <a:pt x="386" y="2923"/>
+                </a:lnTo>
+                <a:lnTo>
+                  <a:pt x="323" y="2838"/>
+                </a:lnTo>
+                <a:lnTo>
+                  <a:pt x="265" y="2748"/>
+                </a:lnTo>
+                <a:lnTo>
+                  <a:pt x="211" y="2655"/>
+                </a:lnTo>
+                <a:lnTo>
+                  <a:pt x="163" y="2559"/>
+                </a:lnTo>
+                <a:lnTo>
+                  <a:pt x="121" y="2459"/>
+                </a:lnTo>
+                <a:lnTo>
+                  <a:pt x="85" y="2356"/>
+                </a:lnTo>
+                <a:lnTo>
+                  <a:pt x="55" y="2251"/>
+                </a:lnTo>
+                <a:lnTo>
+                  <a:pt x="32" y="2143"/>
+                </a:lnTo>
+                <a:lnTo>
+                  <a:pt x="14" y="2033"/>
+                </a:lnTo>
+                <a:lnTo>
+                  <a:pt x="4" y="1920"/>
+                </a:lnTo>
+                <a:lnTo>
+                  <a:pt x="0" y="1806"/>
+                </a:lnTo>
+                <a:lnTo>
+                  <a:pt x="4" y="1692"/>
+                </a:lnTo>
+                <a:lnTo>
+                  <a:pt x="14" y="1580"/>
+                </a:lnTo>
+                <a:lnTo>
+                  <a:pt x="32" y="1469"/>
+                </a:lnTo>
+                <a:lnTo>
+                  <a:pt x="55" y="1362"/>
+                </a:lnTo>
+                <a:lnTo>
+                  <a:pt x="85" y="1256"/>
+                </a:lnTo>
+                <a:lnTo>
+                  <a:pt x="121" y="1154"/>
+                </a:lnTo>
+                <a:lnTo>
+                  <a:pt x="163" y="1054"/>
+                </a:lnTo>
+                <a:lnTo>
+                  <a:pt x="211" y="958"/>
+                </a:lnTo>
+                <a:lnTo>
+                  <a:pt x="265" y="864"/>
+                </a:lnTo>
+                <a:lnTo>
+                  <a:pt x="323" y="774"/>
+                </a:lnTo>
+                <a:lnTo>
+                  <a:pt x="386" y="689"/>
+                </a:lnTo>
+                <a:lnTo>
+                  <a:pt x="454" y="607"/>
+                </a:lnTo>
+                <a:lnTo>
+                  <a:pt x="527" y="529"/>
+                </a:lnTo>
+                <a:lnTo>
+                  <a:pt x="604" y="456"/>
+                </a:lnTo>
+                <a:lnTo>
+                  <a:pt x="686" y="388"/>
+                </a:lnTo>
+                <a:lnTo>
+                  <a:pt x="771" y="325"/>
+                </a:lnTo>
+                <a:lnTo>
+                  <a:pt x="860" y="266"/>
+                </a:lnTo>
+                <a:lnTo>
+                  <a:pt x="953" y="212"/>
+                </a:lnTo>
+                <a:lnTo>
+                  <a:pt x="1050" y="164"/>
+                </a:lnTo>
+                <a:lnTo>
+                  <a:pt x="1150" y="122"/>
+                </a:lnTo>
+                <a:lnTo>
+                  <a:pt x="1251" y="85"/>
+                </a:lnTo>
+                <a:lnTo>
+                  <a:pt x="1357" y="55"/>
+                </a:lnTo>
+                <a:lnTo>
+                  <a:pt x="1464" y="32"/>
+                </a:lnTo>
+                <a:lnTo>
+                  <a:pt x="1574" y="14"/>
+                </a:lnTo>
+                <a:lnTo>
+                  <a:pt x="1686" y="5"/>
+                </a:lnTo>
+                <a:lnTo>
+                  <a:pt x="1799" y="0"/>
+                </a:lnTo>
+                <a:close/>
+              </a:path>
+            </a:pathLst>
+          </a:custGeom>
+          <a:solidFill>
+            <a:schemeClr val="tx2"/>
+          </a:solidFill>
+          <a:ln w="0">
+            <a:noFill/>
+            <a:prstDash val="solid"/>
+            <a:round/>
+            <a:headEnd/>
+            <a:tailEnd/>
+          </a:ln>
+        </p:spPr>
+      </p:sp>
+      <p:sp>
+        <p:nvSpPr>
+          <p:cNvPr id="2" name="Title 1"/>
+          <p:cNvSpPr>
+            <a:spLocks noGrp="1"/>
+          </p:cNvSpPr>
+          <p:nvPr>
+            <p:ph type="ctrTitle"/>
+          </p:nvPr>
+        </p:nvSpPr>
         <p:spPr>
           <a:xfrm>
-            <a:off x="920834" y="1346946"/>
-            <a:ext cx="10222992" cy="80683"/>
-          </a:xfrm>
-          <a:prstGeom prst="rect">
+            <a:off x="1088913" y="1143293"/>
+            <a:ext cx="7034362" cy="4268965"/>
+          </a:xfrm>
+        </p:spPr>
+        <p:txBody>
+          <a:bodyPr anchor="t">
+            <a:normAutofit/>
+          </a:bodyPr>
+          <a:lstStyle>
+            <a:lvl1pPr algn="l">
+              <a:lnSpc>
+                <a:spcPct val="85000"/>
+              </a:lnSpc>
+              <a:defRPr sz="7700" cap="all" baseline="0">
+                <a:solidFill>
+                  <a:schemeClr val="tx2"/>
+                </a:solidFill>
+              </a:defRPr>
+            </a:lvl1pPr>
+          </a:lstStyle>
+          <a:p>
+            <a:r>
+              <a:rPr lang="en-US" smtClean="0"/>
+              <a:t>Click to edit Master title style</a:t>
+            </a:r>
+            <a:endParaRPr lang="en-US" dirty="0"/>
+          </a:p>
+        </p:txBody>
+      </p:sp>
+      <p:sp>
+        <p:nvSpPr>
+          <p:cNvPr id="3" name="Subtitle 2"/>
+          <p:cNvSpPr>
+            <a:spLocks noGrp="1"/>
+          </p:cNvSpPr>
+          <p:nvPr>
+            <p:ph type="subTitle" idx="1"/>
+          </p:nvPr>
+        </p:nvSpPr>
+        <p:spPr>
+          <a:xfrm>
+            <a:off x="1088914" y="5537925"/>
+            <a:ext cx="7034362" cy="706355"/>
+          </a:xfrm>
+        </p:spPr>
+        <p:txBody>
+          <a:bodyPr>
+            <a:normAutofit/>
+          </a:bodyPr>
+          <a:lstStyle>
+            <a:lvl1pPr marL="0" indent="0" algn="l">
+              <a:lnSpc>
+                <a:spcPct val="114000"/>
+              </a:lnSpc>
+              <a:spcBef>
+                <a:spcPts val="0"/>
+              </a:spcBef>
+              <a:buNone/>
+              <a:defRPr sz="2000" b="0" i="1" baseline="0">
+                <a:solidFill>
+                  <a:schemeClr val="tx2"/>
+                </a:solidFill>
+              </a:defRPr>
+            </a:lvl1pPr>
+            <a:lvl2pPr marL="457200" indent="0" algn="ctr">
+              <a:buNone/>
+              <a:defRPr sz="2000"/>
+            </a:lvl2pPr>
+            <a:lvl3pPr marL="914400" indent="0" algn="ctr">
+              <a:buNone/>
+              <a:defRPr sz="1800"/>
+            </a:lvl3pPr>
+            <a:lvl4pPr marL="1371600" indent="0" algn="ctr">
+              <a:buNone/>
+              <a:defRPr sz="1600"/>
+            </a:lvl4pPr>
+            <a:lvl5pPr marL="1828800" indent="0" algn="ctr">
+              <a:buNone/>
+              <a:defRPr sz="1600"/>
+            </a:lvl5pPr>
+            <a:lvl6pPr marL="2286000" indent="0" algn="ctr">
+              <a:buNone/>
+              <a:defRPr sz="1600"/>
+            </a:lvl6pPr>
+            <a:lvl7pPr marL="2743200" indent="0" algn="ctr">
+              <a:buNone/>
+              <a:defRPr sz="1600"/>
+            </a:lvl7pPr>
+            <a:lvl8pPr marL="3200400" indent="0" algn="ctr">
+              <a:buNone/>
+              <a:defRPr sz="1600"/>
+            </a:lvl8pPr>
+            <a:lvl9pPr marL="3657600" indent="0" algn="ctr">
+              <a:buNone/>
+              <a:defRPr sz="1600"/>
+            </a:lvl9pPr>
+          </a:lstStyle>
+          <a:p>
+            <a:r>
+              <a:rPr lang="en-US" smtClean="0"/>
+              <a:t>Click to edit Master subtitle style</a:t>
+            </a:r>
+            <a:endParaRPr lang="en-US" dirty="0"/>
+          </a:p>
+        </p:txBody>
+      </p:sp>
+      <p:sp>
+        <p:nvSpPr>
+          <p:cNvPr id="4" name="Date Placeholder 3"/>
+          <p:cNvSpPr>
+            <a:spLocks noGrp="1"/>
+          </p:cNvSpPr>
+          <p:nvPr>
+            <p:ph type="dt" sz="half" idx="10"/>
+          </p:nvPr>
+        </p:nvSpPr>
+        <p:spPr>
+          <a:xfrm>
+            <a:off x="1088913" y="6314440"/>
+            <a:ext cx="1596622" cy="365125"/>
+          </a:xfrm>
+        </p:spPr>
+        <p:txBody>
+          <a:bodyPr/>
+          <a:lstStyle>
+            <a:lvl1pPr algn="l">
+              <a:defRPr sz="1200">
+                <a:solidFill>
+                  <a:schemeClr val="tx2"/>
+                </a:solidFill>
+              </a:defRPr>
+            </a:lvl1pPr>
+          </a:lstStyle>
+          <a:p>
+            <a:fld id="{8B4AF60A-713C-41BA-9788-4C493DDC0A9C}" type="datetimeFigureOut">
+              <a:rPr lang="en-US" smtClean="0"/>
+              <a:t>3/18/2019</a:t>
+            </a:fld>
+            <a:endParaRPr lang="en-US" dirty="0"/>
+          </a:p>
+        </p:txBody>
+      </p:sp>
+      <p:sp>
+        <p:nvSpPr>
+          <p:cNvPr id="5" name="Footer Placeholder 4"/>
+          <p:cNvSpPr>
+            <a:spLocks noGrp="1"/>
+          </p:cNvSpPr>
+          <p:nvPr>
+            <p:ph type="ftr" sz="quarter" idx="11"/>
+          </p:nvPr>
+        </p:nvSpPr>
+        <p:spPr>
+          <a:xfrm>
+            <a:off x="3000591" y="6314440"/>
+            <a:ext cx="5122683" cy="365125"/>
+          </a:xfrm>
+        </p:spPr>
+        <p:txBody>
+          <a:bodyPr/>
+          <a:lstStyle>
+            <a:lvl1pPr algn="l">
+              <a:defRPr b="0">
+                <a:solidFill>
+                  <a:schemeClr val="tx2"/>
+                </a:solidFill>
+              </a:defRPr>
+            </a:lvl1pPr>
+          </a:lstStyle>
+          <a:p>
+            <a:endParaRPr lang="en-US" dirty="0"/>
+          </a:p>
+        </p:txBody>
+      </p:sp>
+      <p:sp>
+        <p:nvSpPr>
+          <p:cNvPr id="6" name="Slide Number Placeholder 5"/>
+          <p:cNvSpPr>
+            <a:spLocks noGrp="1"/>
+          </p:cNvSpPr>
+          <p:nvPr>
+            <p:ph type="sldNum" sz="quarter" idx="12"/>
+          </p:nvPr>
+        </p:nvSpPr>
+        <p:spPr>
+          <a:xfrm>
+            <a:off x="11784011" y="1416216"/>
+            <a:ext cx="407988" cy="365125"/>
+          </a:xfrm>
+        </p:spPr>
+        <p:txBody>
+          <a:bodyPr/>
+          <a:lstStyle>
+            <a:lvl1pPr algn="r">
+              <a:defRPr>
+                <a:solidFill>
+                  <a:schemeClr val="bg2"/>
+                </a:solidFill>
+              </a:defRPr>
+            </a:lvl1pPr>
+          </a:lstStyle>
+          <a:p>
+            <a:fld id="{4FAB73BC-B049-4115-A692-8D63A059BFB8}" type="slidenum">
+              <a:rPr lang="en-US" smtClean="0"/>
+              <a:pPr/>
+              <a:t>‹#›</a:t>
+            </a:fld>
+            <a:endParaRPr lang="en-US" dirty="0"/>
+          </a:p>
+        </p:txBody>
+      </p:sp>
+      <p:cxnSp>
+        <p:nvCxnSpPr>
+          <p:cNvPr id="9" name="Straight Connector 8" title="Verticle Rule Line"/>
+          <p:cNvCxnSpPr/>
+          <p:nvPr/>
+        </p:nvCxnSpPr>
+        <p:spPr>
+          <a:xfrm>
+            <a:off x="773855" y="1257300"/>
+            <a:ext cx="0" cy="5600700"/>
+          </a:xfrm>
+          <a:prstGeom prst="line">
             <a:avLst/>
           </a:prstGeom>
-          <a:blipFill dpi="0" rotWithShape="1">
-            <a:blip r:embed="rId2">
-              <a:alphaModFix amt="83000"/>
-              <a:lum bright="70000" contrast="-70000"/>
-              <a:extLst>
-                <a:ext uri="{BEBA8EAE-BF5A-486C-A8C5-ECC9F3942E4B}">
-                  <a14:imgProps xmlns:a14="http://schemas.microsoft.com/office/drawing/2010/main">
-                    <a14:imgLayer r:embed="rId3">
-                      <a14:imgEffect>
-                        <a14:sharpenSoften amount="61000"/>
-                      </a14:imgEffect>
-                    </a14:imgLayer>
-                  </a14:imgProps>
-                </a:ext>
-                <a:ext uri="{28A0092B-C50C-407E-A947-70E740481C1C}">
-                  <a14:useLocalDpi xmlns:a14="http://schemas.microsoft.com/office/drawing/2010/main" val="0"/>
-                </a:ext>
-              </a:extLst>
-            </a:blip>
-            <a:srcRect/>
-            <a:tile tx="0" ty="-762000" sx="92000" sy="89000" flip="xy" algn="ctr"/>
-          </a:blipFill>
-          <a:ln>
-            <a:noFill/>
+          <a:ln w="25400">
+            <a:solidFill>
+              <a:schemeClr val="tx2"/>
+            </a:solidFill>
           </a:ln>
         </p:spPr>
         <p:style>
-          <a:lnRef idx="2">
-            <a:schemeClr val="accent1">
-              <a:shade val="50000"/>
-            </a:schemeClr>
+          <a:lnRef idx="1">
+            <a:schemeClr val="accent1"/>
           </a:lnRef>
-          <a:fillRef idx="1">
+          <a:fillRef idx="0">
             <a:schemeClr val="accent1"/>
           </a:fillRef>
           <a:effectRef idx="0">
             <a:schemeClr val="accent1"/>
           </a:effectRef>
           <a:fontRef idx="minor">
-            <a:schemeClr val="lt1"/>
+            <a:schemeClr val="tx1"/>
           </a:fontRef>
         </p:style>
-      </p:sp>
-      <p:sp>
-        <p:nvSpPr>
-          <p:cNvPr id="8" name="Rectangle 7"/>
-          <p:cNvSpPr/>
-          <p:nvPr/>
-        </p:nvSpPr>
-        <p:spPr>
-          <a:xfrm>
-            <a:off x="920834" y="4299696"/>
-            <a:ext cx="10222992" cy="80683"/>
-          </a:xfrm>
-          <a:prstGeom prst="rect">
-            <a:avLst/>
-          </a:prstGeom>
-          <a:blipFill dpi="0" rotWithShape="1">
-            <a:blip r:embed="rId2">
-              <a:alphaModFix amt="83000"/>
-              <a:lum bright="70000" contrast="-70000"/>
-              <a:extLst>
-                <a:ext uri="{BEBA8EAE-BF5A-486C-A8C5-ECC9F3942E4B}">
-                  <a14:imgProps xmlns:a14="http://schemas.microsoft.com/office/drawing/2010/main">
-                    <a14:imgLayer r:embed="rId3">
-                      <a14:imgEffect>
-                        <a14:sharpenSoften amount="61000"/>
-                      </a14:imgEffect>
-                    </a14:imgLayer>
-                  </a14:imgProps>
-                </a:ext>
-                <a:ext uri="{28A0092B-C50C-407E-A947-70E740481C1C}">
-                  <a14:useLocalDpi xmlns:a14="http://schemas.microsoft.com/office/drawing/2010/main" val="0"/>
-                </a:ext>
-              </a:extLst>
-            </a:blip>
-            <a:srcRect/>
-            <a:tile tx="0" ty="-717550" sx="92000" sy="89000" flip="xy" algn="ctr"/>
-          </a:blipFill>
-          <a:ln>
-            <a:noFill/>
-          </a:ln>
-        </p:spPr>
-        <p:style>
-          <a:lnRef idx="2">
-            <a:schemeClr val="accent1">
-              <a:shade val="50000"/>
-            </a:schemeClr>
-          </a:lnRef>
-          <a:fillRef idx="1">
-            <a:schemeClr val="accent1"/>
-          </a:fillRef>
-          <a:effectRef idx="0">
-            <a:schemeClr val="accent1"/>
-          </a:effectRef>
-          <a:fontRef idx="minor">
-            <a:schemeClr val="lt1"/>
-          </a:fontRef>
-        </p:style>
-      </p:sp>
-      <p:sp>
-        <p:nvSpPr>
-          <p:cNvPr id="9" name="Rectangle 8"/>
-          <p:cNvSpPr/>
-          <p:nvPr/>
-        </p:nvSpPr>
-        <p:spPr>
-          <a:xfrm>
-            <a:off x="920834" y="1484779"/>
-            <a:ext cx="10222992" cy="2743200"/>
-          </a:xfrm>
-          <a:prstGeom prst="rect">
-            <a:avLst/>
-          </a:prstGeom>
-          <a:blipFill dpi="0" rotWithShape="1">
-            <a:blip r:embed="rId2">
-              <a:alphaModFix amt="83000"/>
-              <a:lum bright="70000" contrast="-70000"/>
-              <a:extLst>
-                <a:ext uri="{BEBA8EAE-BF5A-486C-A8C5-ECC9F3942E4B}">
-                  <a14:imgProps xmlns:a14="http://schemas.microsoft.com/office/drawing/2010/main">
-                    <a14:imgLayer r:embed="rId3">
-                      <a14:imgEffect>
-                        <a14:sharpenSoften amount="61000"/>
-                      </a14:imgEffect>
-                    </a14:imgLayer>
-                  </a14:imgProps>
-                </a:ext>
-                <a:ext uri="{28A0092B-C50C-407E-A947-70E740481C1C}">
-                  <a14:useLocalDpi xmlns:a14="http://schemas.microsoft.com/office/drawing/2010/main" val="0"/>
-                </a:ext>
-              </a:extLst>
-            </a:blip>
-            <a:srcRect/>
-            <a:tile tx="0" ty="-704850" sx="92000" sy="89000" flip="xy" algn="ctr"/>
-          </a:blipFill>
-          <a:ln>
-            <a:noFill/>
-          </a:ln>
-        </p:spPr>
-        <p:style>
-          <a:lnRef idx="2">
-            <a:schemeClr val="accent1">
-              <a:shade val="50000"/>
-            </a:schemeClr>
-          </a:lnRef>
-          <a:fillRef idx="1">
-            <a:schemeClr val="accent1"/>
-          </a:fillRef>
-          <a:effectRef idx="0">
-            <a:schemeClr val="accent1"/>
-          </a:effectRef>
-          <a:fontRef idx="minor">
-            <a:schemeClr val="lt1"/>
-          </a:fontRef>
-        </p:style>
-      </p:sp>
-      <p:grpSp>
-        <p:nvGrpSpPr>
-          <p:cNvPr id="10" name="Group 9"/>
-          <p:cNvGrpSpPr/>
-          <p:nvPr/>
-        </p:nvGrpSpPr>
-        <p:grpSpPr>
-          <a:xfrm>
-            <a:off x="9649215" y="4068923"/>
-            <a:ext cx="1080904" cy="1080902"/>
-            <a:chOff x="9685338" y="4460675"/>
-            <a:chExt cx="1080904" cy="1080902"/>
-          </a:xfrm>
-        </p:grpSpPr>
-        <p:sp>
-          <p:nvSpPr>
-            <p:cNvPr id="11" name="Oval 10"/>
-            <p:cNvSpPr/>
-            <p:nvPr/>
-          </p:nvSpPr>
-          <p:spPr>
-            <a:xfrm>
-              <a:off x="9685338" y="4460675"/>
-              <a:ext cx="1080904" cy="1080902"/>
-            </a:xfrm>
-            <a:prstGeom prst="ellipse">
-              <a:avLst/>
-            </a:prstGeom>
-            <a:blipFill dpi="0" rotWithShape="1">
-              <a:blip r:embed="rId4">
-                <a:duotone>
-                  <a:schemeClr val="accent1">
-                    <a:shade val="45000"/>
-                    <a:satMod val="135000"/>
-                  </a:schemeClr>
-                  <a:prstClr val="white"/>
-                </a:duotone>
-                <a:extLst>
-                  <a:ext uri="{BEBA8EAE-BF5A-486C-A8C5-ECC9F3942E4B}">
-                    <a14:imgProps xmlns:a14="http://schemas.microsoft.com/office/drawing/2010/main">
-                      <a14:imgLayer r:embed="rId5">
-                        <a14:imgEffect>
-                          <a14:saturation sat="95000"/>
-                        </a14:imgEffect>
-                      </a14:imgLayer>
-                    </a14:imgProps>
-                  </a:ext>
-                </a:extLst>
-              </a:blip>
-              <a:srcRect/>
-              <a:tile tx="0" ty="0" sx="85000" sy="85000" flip="none" algn="tl"/>
-            </a:blipFill>
-            <a:ln w="25400" cap="flat" cmpd="sng" algn="ctr">
-              <a:noFill/>
-              <a:prstDash val="solid"/>
-            </a:ln>
-            <a:effectLst/>
-          </p:spPr>
-        </p:sp>
-        <p:sp>
-          <p:nvSpPr>
-            <p:cNvPr id="12" name="Oval 11"/>
-            <p:cNvSpPr/>
-            <p:nvPr/>
-          </p:nvSpPr>
-          <p:spPr>
-            <a:xfrm>
-              <a:off x="9793429" y="4568765"/>
-              <a:ext cx="864723" cy="864722"/>
-            </a:xfrm>
-            <a:prstGeom prst="ellipse">
-              <a:avLst/>
-            </a:prstGeom>
-            <a:noFill/>
-            <a:ln w="25400" cap="flat" cmpd="sng" algn="ctr">
-              <a:solidFill>
-                <a:sysClr val="window" lastClr="FFFFFF"/>
-              </a:solidFill>
-              <a:prstDash val="solid"/>
-            </a:ln>
-            <a:effectLst/>
-          </p:spPr>
-        </p:sp>
-      </p:grpSp>
-      <p:sp>
-        <p:nvSpPr>
-          <p:cNvPr id="2" name="Title 1"/>
-          <p:cNvSpPr>
-            <a:spLocks noGrp="1"/>
-          </p:cNvSpPr>
-          <p:nvPr>
-            <p:ph type="ctrTitle"/>
-          </p:nvPr>
-        </p:nvSpPr>
-        <p:spPr>
-          <a:xfrm>
-            <a:off x="1051560" y="1432223"/>
-            <a:ext cx="9966960" cy="3035808"/>
-          </a:xfrm>
-        </p:spPr>
-        <p:txBody>
-          <a:bodyPr anchor="ctr">
-            <a:noAutofit/>
-          </a:bodyPr>
-          <a:lstStyle>
-            <a:lvl1pPr algn="l">
-              <a:lnSpc>
-                <a:spcPct val="85000"/>
-              </a:lnSpc>
-              <a:defRPr sz="7200" b="1" cap="none" baseline="0">
-                <a:blipFill dpi="0" rotWithShape="1">
-                  <a:blip r:embed="rId4"/>
-                  <a:srcRect/>
-                  <a:tile tx="6350" ty="-127000" sx="65000" sy="64000" flip="none" algn="tl"/>
-                </a:blipFill>
-              </a:defRPr>
-            </a:lvl1pPr>
-          </a:lstStyle>
-          <a:p>
-            <a:r>
-              <a:rPr lang="en-US"/>
-              <a:t>Click to edit Master title style</a:t>
-            </a:r>
-            <a:endParaRPr lang="en-US" dirty="0"/>
-          </a:p>
-        </p:txBody>
-      </p:sp>
-      <p:sp>
-        <p:nvSpPr>
-          <p:cNvPr id="3" name="Subtitle 2"/>
-          <p:cNvSpPr>
-            <a:spLocks noGrp="1"/>
-          </p:cNvSpPr>
-          <p:nvPr>
-            <p:ph type="subTitle" idx="1"/>
-          </p:nvPr>
-        </p:nvSpPr>
-        <p:spPr>
-          <a:xfrm>
-            <a:off x="1069848" y="4389120"/>
-            <a:ext cx="7891272" cy="1069848"/>
-          </a:xfrm>
-        </p:spPr>
-        <p:txBody>
-          <a:bodyPr>
-            <a:normAutofit/>
-          </a:bodyPr>
-          <a:lstStyle>
-            <a:lvl1pPr marL="0" indent="0" algn="l">
-              <a:buNone/>
-              <a:defRPr sz="2200">
-                <a:solidFill>
-                  <a:schemeClr val="tx1"/>
-                </a:solidFill>
-              </a:defRPr>
-            </a:lvl1pPr>
-            <a:lvl2pPr marL="457200" indent="0" algn="ctr">
-              <a:buNone/>
-              <a:defRPr sz="2200"/>
-            </a:lvl2pPr>
-            <a:lvl3pPr marL="914400" indent="0" algn="ctr">
-              <a:buNone/>
-              <a:defRPr sz="2200"/>
-            </a:lvl3pPr>
-            <a:lvl4pPr marL="1371600" indent="0" algn="ctr">
-              <a:buNone/>
-              <a:defRPr sz="2000"/>
-            </a:lvl4pPr>
-            <a:lvl5pPr marL="1828800" indent="0" algn="ctr">
-              <a:buNone/>
-              <a:defRPr sz="2000"/>
-            </a:lvl5pPr>
-            <a:lvl6pPr marL="2286000" indent="0" algn="ctr">
-              <a:buNone/>
-              <a:defRPr sz="2000"/>
-            </a:lvl6pPr>
-            <a:lvl7pPr marL="2743200" indent="0" algn="ctr">
-              <a:buNone/>
-              <a:defRPr sz="2000"/>
-            </a:lvl7pPr>
-            <a:lvl8pPr marL="3200400" indent="0" algn="ctr">
-              <a:buNone/>
-              <a:defRPr sz="2000"/>
-            </a:lvl8pPr>
-            <a:lvl9pPr marL="3657600" indent="0" algn="ctr">
-              <a:buNone/>
-              <a:defRPr sz="2000"/>
-            </a:lvl9pPr>
-          </a:lstStyle>
-          <a:p>
-            <a:r>
-              <a:rPr lang="en-US"/>
-              <a:t>Click to edit Master subtitle style</a:t>
-            </a:r>
-            <a:endParaRPr lang="en-US" dirty="0"/>
-          </a:p>
-        </p:txBody>
-      </p:sp>
-      <p:sp>
-        <p:nvSpPr>
-          <p:cNvPr id="4" name="Date Placeholder 3"/>
-          <p:cNvSpPr>
-            <a:spLocks noGrp="1"/>
-          </p:cNvSpPr>
-          <p:nvPr>
-            <p:ph type="dt" sz="half" idx="10"/>
-          </p:nvPr>
-        </p:nvSpPr>
-        <p:spPr/>
-        <p:txBody>
-          <a:bodyPr/>
-          <a:lstStyle/>
-          <a:p>
-            <a:fld id="{8B4AF60A-713C-41BA-9788-4C493DDC0A9C}" type="datetimeFigureOut">
-              <a:rPr lang="en-US" dirty="0"/>
-              <a:t>5/10/2018</a:t>
-            </a:fld>
-            <a:endParaRPr lang="en-US" dirty="0"/>
-          </a:p>
-        </p:txBody>
-      </p:sp>
-      <p:sp>
-        <p:nvSpPr>
-          <p:cNvPr id="5" name="Footer Placeholder 4"/>
-          <p:cNvSpPr>
-            <a:spLocks noGrp="1"/>
-          </p:cNvSpPr>
-          <p:nvPr>
-            <p:ph type="ftr" sz="quarter" idx="11"/>
-          </p:nvPr>
-        </p:nvSpPr>
-        <p:spPr/>
-        <p:txBody>
-          <a:bodyPr/>
-          <a:lstStyle/>
-          <a:p>
-            <a:endParaRPr lang="en-US" dirty="0"/>
-          </a:p>
-        </p:txBody>
-      </p:sp>
-      <p:sp>
-        <p:nvSpPr>
-          <p:cNvPr id="6" name="Slide Number Placeholder 5"/>
-          <p:cNvSpPr>
-            <a:spLocks noGrp="1"/>
-          </p:cNvSpPr>
-          <p:nvPr>
-            <p:ph type="sldNum" sz="quarter" idx="12"/>
-          </p:nvPr>
-        </p:nvSpPr>
-        <p:spPr>
-          <a:xfrm>
-            <a:off x="9592733" y="4289334"/>
-            <a:ext cx="1193868" cy="640080"/>
-          </a:xfrm>
-        </p:spPr>
-        <p:txBody>
-          <a:bodyPr/>
-          <a:lstStyle>
-            <a:lvl1pPr>
-              <a:defRPr sz="2800" b="1"/>
-            </a:lvl1pPr>
-          </a:lstStyle>
-          <a:p>
-            <a:fld id="{4FAB73BC-B049-4115-A692-8D63A059BFB8}" type="slidenum">
-              <a:rPr lang="en-US" dirty="0"/>
-              <a:pPr/>
-              <a:t>‹#›</a:t>
-            </a:fld>
-            <a:endParaRPr lang="en-US" dirty="0"/>
-          </a:p>
-        </p:txBody>
-      </p:sp>
+      </p:cxnSp>
     </p:spTree>
+    <p:extLst>
+      <p:ext uri="{BB962C8B-B14F-4D97-AF65-F5344CB8AC3E}">
+        <p14:creationId xmlns:p14="http://schemas.microsoft.com/office/powerpoint/2010/main" val="2978417197"/>
+      </p:ext>
+    </p:extLst>
   </p:cSld>
   <p:clrMapOvr>
-    <a:masterClrMapping/>
+    <a:overrideClrMapping bg1="dk1" tx1="lt1" bg2="dk2" tx2="lt2" accent1="accent1" accent2="accent2" accent3="accent3" accent4="accent4" accent5="accent5" accent6="accent6" hlink="hlink" folHlink="folHlink"/>
   </p:clrMapOvr>
+  <p:extLst mod="1">
+    <p:ext uri="{DCECCB84-F9BA-43D5-87BE-67443E8EF086}">
+      <p15:sldGuideLst xmlns:p15="http://schemas.microsoft.com/office/powerpoint/2012/main">
+        <p15:guide id="1" orient="horz" pos="792">
+          <p15:clr>
+            <a:srgbClr val="FBAE40"/>
+          </p15:clr>
+        </p15:guide>
+      </p15:sldGuideLst>
+    </p:ext>
+  </p:extLst>
 </p:sldLayout>
 </file>
 
@@ -626,7 +659,7 @@
           <a:lstStyle/>
           <a:p>
             <a:r>
-              <a:rPr lang="en-US"/>
+              <a:rPr lang="en-US" smtClean="0"/>
               <a:t>Click to edit Master title style</a:t>
             </a:r>
             <a:endParaRPr lang="en-US" dirty="0"/>
@@ -643,56 +676,84 @@
             <p:ph type="body" orient="vert" idx="1"/>
           </p:nvPr>
         </p:nvSpPr>
+        <p:spPr>
+          <a:xfrm>
+            <a:off x="5181600" y="640080"/>
+            <a:ext cx="6248398" cy="5584142"/>
+          </a:xfrm>
+        </p:spPr>
+        <p:txBody>
+          <a:bodyPr vert="eaVert"/>
+          <a:lstStyle/>
+          <a:p>
+            <a:pPr lvl="0"/>
+            <a:r>
+              <a:rPr lang="en-US" smtClean="0"/>
+              <a:t>Click to edit Master text styles</a:t>
+            </a:r>
+          </a:p>
+          <a:p>
+            <a:pPr lvl="1"/>
+            <a:r>
+              <a:rPr lang="en-US" smtClean="0"/>
+              <a:t>Second level</a:t>
+            </a:r>
+          </a:p>
+          <a:p>
+            <a:pPr lvl="2"/>
+            <a:r>
+              <a:rPr lang="en-US" smtClean="0"/>
+              <a:t>Third level</a:t>
+            </a:r>
+          </a:p>
+          <a:p>
+            <a:pPr lvl="3"/>
+            <a:r>
+              <a:rPr lang="en-US" smtClean="0"/>
+              <a:t>Fourth level</a:t>
+            </a:r>
+          </a:p>
+          <a:p>
+            <a:pPr lvl="4"/>
+            <a:r>
+              <a:rPr lang="en-US" smtClean="0"/>
+              <a:t>Fifth level</a:t>
+            </a:r>
+            <a:endParaRPr lang="en-US" dirty="0"/>
+          </a:p>
+        </p:txBody>
+      </p:sp>
+      <p:sp>
+        <p:nvSpPr>
+          <p:cNvPr id="4" name="Date Placeholder 3"/>
+          <p:cNvSpPr>
+            <a:spLocks noGrp="1"/>
+          </p:cNvSpPr>
+          <p:nvPr>
+            <p:ph type="dt" sz="half" idx="10"/>
+          </p:nvPr>
+        </p:nvSpPr>
         <p:spPr/>
         <p:txBody>
-          <a:bodyPr vert="eaVert"/>
-          <a:lstStyle/>
-          <a:p>
-            <a:pPr lvl="0"/>
-            <a:r>
-              <a:rPr lang="en-US"/>
-              <a:t>Edit Master text styles</a:t>
-            </a:r>
-          </a:p>
-          <a:p>
-            <a:pPr lvl="1"/>
-            <a:r>
-              <a:rPr lang="en-US"/>
-              <a:t>Second level</a:t>
-            </a:r>
-          </a:p>
-          <a:p>
-            <a:pPr lvl="2"/>
-            <a:r>
-              <a:rPr lang="en-US"/>
-              <a:t>Third level</a:t>
-            </a:r>
-          </a:p>
-          <a:p>
-            <a:pPr lvl="3"/>
-            <a:r>
-              <a:rPr lang="en-US"/>
-              <a:t>Fourth level</a:t>
-            </a:r>
-          </a:p>
-          <a:p>
-            <a:pPr lvl="4"/>
-            <a:r>
-              <a:rPr lang="en-US"/>
-              <a:t>Fifth level</a:t>
-            </a:r>
-            <a:endParaRPr lang="en-US" dirty="0"/>
-          </a:p>
-        </p:txBody>
-      </p:sp>
-      <p:sp>
-        <p:nvSpPr>
-          <p:cNvPr id="4" name="Date Placeholder 3"/>
-          <p:cNvSpPr>
-            <a:spLocks noGrp="1"/>
-          </p:cNvSpPr>
-          <p:nvPr>
-            <p:ph type="dt" sz="half" idx="10"/>
+          <a:bodyPr/>
+          <a:lstStyle/>
+          <a:p>
+            <a:fld id="{7E5E0FA7-C445-42F7-AF66-A4F5A6FC8A9C}" type="datetimeFigureOut">
+              <a:rPr lang="en-US" smtClean="0"/>
+              <a:t>3/18/2019</a:t>
+            </a:fld>
+            <a:endParaRPr lang="en-US" dirty="0"/>
+          </a:p>
+        </p:txBody>
+      </p:sp>
+      <p:sp>
+        <p:nvSpPr>
+          <p:cNvPr id="5" name="Footer Placeholder 4"/>
+          <p:cNvSpPr>
+            <a:spLocks noGrp="1"/>
+          </p:cNvSpPr>
+          <p:nvPr>
+            <p:ph type="ftr" sz="quarter" idx="11"/>
           </p:nvPr>
         </p:nvSpPr>
         <p:spPr/>
@@ -700,22 +761,18 @@
           <a:bodyPr/>
           <a:lstStyle/>
           <a:p>
-            <a:fld id="{7E5E0FA7-C445-42F7-AF66-A4F5A6FC8A9C}" type="datetimeFigureOut">
-              <a:rPr lang="en-US" dirty="0"/>
-              <a:t>5/10/2018</a:t>
-            </a:fld>
-            <a:endParaRPr lang="en-US" dirty="0"/>
-          </a:p>
-        </p:txBody>
-      </p:sp>
-      <p:sp>
-        <p:nvSpPr>
-          <p:cNvPr id="5" name="Footer Placeholder 4"/>
-          <p:cNvSpPr>
-            <a:spLocks noGrp="1"/>
-          </p:cNvSpPr>
-          <p:nvPr>
-            <p:ph type="ftr" sz="quarter" idx="11"/>
+            <a:endParaRPr lang="en-US" dirty="0"/>
+          </a:p>
+        </p:txBody>
+      </p:sp>
+      <p:sp>
+        <p:nvSpPr>
+          <p:cNvPr id="6" name="Slide Number Placeholder 5"/>
+          <p:cNvSpPr>
+            <a:spLocks noGrp="1"/>
+          </p:cNvSpPr>
+          <p:nvPr>
+            <p:ph type="sldNum" sz="quarter" idx="12"/>
           </p:nvPr>
         </p:nvSpPr>
         <p:spPr/>
@@ -723,27 +780,8 @@
           <a:bodyPr/>
           <a:lstStyle/>
           <a:p>
-            <a:endParaRPr lang="en-US" dirty="0"/>
-          </a:p>
-        </p:txBody>
-      </p:sp>
-      <p:sp>
-        <p:nvSpPr>
-          <p:cNvPr id="6" name="Slide Number Placeholder 5"/>
-          <p:cNvSpPr>
-            <a:spLocks noGrp="1"/>
-          </p:cNvSpPr>
-          <p:nvPr>
-            <p:ph type="sldNum" sz="quarter" idx="12"/>
-          </p:nvPr>
-        </p:nvSpPr>
-        <p:spPr/>
-        <p:txBody>
-          <a:bodyPr/>
-          <a:lstStyle/>
-          <a:p>
             <a:fld id="{4FAB73BC-B049-4115-A692-8D63A059BFB8}" type="slidenum">
-              <a:rPr lang="en-US" dirty="0"/>
+              <a:rPr lang="en-US" smtClean="0"/>
               <a:t>‹#›</a:t>
             </a:fld>
             <a:endParaRPr lang="en-US" dirty="0"/>
@@ -751,6 +789,11 @@
         </p:txBody>
       </p:sp>
     </p:spTree>
+    <p:extLst>
+      <p:ext uri="{BB962C8B-B14F-4D97-AF65-F5344CB8AC3E}">
+        <p14:creationId xmlns:p14="http://schemas.microsoft.com/office/powerpoint/2010/main" val="1904022693"/>
+      </p:ext>
+    </p:extLst>
   </p:cSld>
   <p:clrMapOvr>
     <a:masterClrMapping/>
@@ -759,7 +802,7 @@
 </file>
 
 <file path=ppt/slideLayouts/slideLayout11.xml><?xml version="1.0" encoding="utf-8"?>
-<p:sldLayout xmlns:a="http://schemas.openxmlformats.org/drawingml/2006/main" xmlns:r="http://schemas.openxmlformats.org/officeDocument/2006/relationships" xmlns:p="http://schemas.openxmlformats.org/presentationml/2006/main" type="vertTitleAndTx" preserve="1">
+<p:sldLayout xmlns:a="http://schemas.openxmlformats.org/drawingml/2006/main" xmlns:r="http://schemas.openxmlformats.org/officeDocument/2006/relationships" xmlns:p="http://schemas.openxmlformats.org/presentationml/2006/main" showMasterSp="0" type="vertTitleAndTx" preserve="1">
   <p:cSld name="Vertical Title and Text">
     <p:spTree>
       <p:nvGrpSpPr>
@@ -777,6 +820,203 @@
       </p:grpSpPr>
       <p:sp>
         <p:nvSpPr>
+          <p:cNvPr id="12" name="Freeform 6" title="Page Number Shape"/>
+          <p:cNvSpPr/>
+          <p:nvPr/>
+        </p:nvSpPr>
+        <p:spPr bwMode="auto">
+          <a:xfrm>
+            <a:off x="11784011" y="5380580"/>
+            <a:ext cx="407988" cy="819150"/>
+          </a:xfrm>
+          <a:custGeom>
+            <a:avLst/>
+            <a:gdLst/>
+            <a:ahLst/>
+            <a:cxnLst/>
+            <a:rect l="0" t="0" r="r" b="b"/>
+            <a:pathLst>
+              <a:path w="1799" h="3612">
+                <a:moveTo>
+                  <a:pt x="1799" y="0"/>
+                </a:moveTo>
+                <a:lnTo>
+                  <a:pt x="1799" y="3612"/>
+                </a:lnTo>
+                <a:lnTo>
+                  <a:pt x="1686" y="3609"/>
+                </a:lnTo>
+                <a:lnTo>
+                  <a:pt x="1574" y="3598"/>
+                </a:lnTo>
+                <a:lnTo>
+                  <a:pt x="1464" y="3581"/>
+                </a:lnTo>
+                <a:lnTo>
+                  <a:pt x="1357" y="3557"/>
+                </a:lnTo>
+                <a:lnTo>
+                  <a:pt x="1251" y="3527"/>
+                </a:lnTo>
+                <a:lnTo>
+                  <a:pt x="1150" y="3490"/>
+                </a:lnTo>
+                <a:lnTo>
+                  <a:pt x="1050" y="3448"/>
+                </a:lnTo>
+                <a:lnTo>
+                  <a:pt x="953" y="3401"/>
+                </a:lnTo>
+                <a:lnTo>
+                  <a:pt x="860" y="3347"/>
+                </a:lnTo>
+                <a:lnTo>
+                  <a:pt x="771" y="3289"/>
+                </a:lnTo>
+                <a:lnTo>
+                  <a:pt x="686" y="3224"/>
+                </a:lnTo>
+                <a:lnTo>
+                  <a:pt x="604" y="3156"/>
+                </a:lnTo>
+                <a:lnTo>
+                  <a:pt x="527" y="3083"/>
+                </a:lnTo>
+                <a:lnTo>
+                  <a:pt x="454" y="3005"/>
+                </a:lnTo>
+                <a:lnTo>
+                  <a:pt x="386" y="2923"/>
+                </a:lnTo>
+                <a:lnTo>
+                  <a:pt x="323" y="2838"/>
+                </a:lnTo>
+                <a:lnTo>
+                  <a:pt x="265" y="2748"/>
+                </a:lnTo>
+                <a:lnTo>
+                  <a:pt x="211" y="2655"/>
+                </a:lnTo>
+                <a:lnTo>
+                  <a:pt x="163" y="2559"/>
+                </a:lnTo>
+                <a:lnTo>
+                  <a:pt x="121" y="2459"/>
+                </a:lnTo>
+                <a:lnTo>
+                  <a:pt x="85" y="2356"/>
+                </a:lnTo>
+                <a:lnTo>
+                  <a:pt x="55" y="2251"/>
+                </a:lnTo>
+                <a:lnTo>
+                  <a:pt x="32" y="2143"/>
+                </a:lnTo>
+                <a:lnTo>
+                  <a:pt x="14" y="2033"/>
+                </a:lnTo>
+                <a:lnTo>
+                  <a:pt x="4" y="1920"/>
+                </a:lnTo>
+                <a:lnTo>
+                  <a:pt x="0" y="1806"/>
+                </a:lnTo>
+                <a:lnTo>
+                  <a:pt x="4" y="1692"/>
+                </a:lnTo>
+                <a:lnTo>
+                  <a:pt x="14" y="1580"/>
+                </a:lnTo>
+                <a:lnTo>
+                  <a:pt x="32" y="1469"/>
+                </a:lnTo>
+                <a:lnTo>
+                  <a:pt x="55" y="1362"/>
+                </a:lnTo>
+                <a:lnTo>
+                  <a:pt x="85" y="1256"/>
+                </a:lnTo>
+                <a:lnTo>
+                  <a:pt x="121" y="1154"/>
+                </a:lnTo>
+                <a:lnTo>
+                  <a:pt x="163" y="1054"/>
+                </a:lnTo>
+                <a:lnTo>
+                  <a:pt x="211" y="958"/>
+                </a:lnTo>
+                <a:lnTo>
+                  <a:pt x="265" y="864"/>
+                </a:lnTo>
+                <a:lnTo>
+                  <a:pt x="323" y="774"/>
+                </a:lnTo>
+                <a:lnTo>
+                  <a:pt x="386" y="689"/>
+                </a:lnTo>
+                <a:lnTo>
+                  <a:pt x="454" y="607"/>
+                </a:lnTo>
+                <a:lnTo>
+                  <a:pt x="527" y="529"/>
+                </a:lnTo>
+                <a:lnTo>
+                  <a:pt x="604" y="456"/>
+                </a:lnTo>
+                <a:lnTo>
+                  <a:pt x="686" y="388"/>
+                </a:lnTo>
+                <a:lnTo>
+                  <a:pt x="771" y="325"/>
+                </a:lnTo>
+                <a:lnTo>
+                  <a:pt x="860" y="266"/>
+                </a:lnTo>
+                <a:lnTo>
+                  <a:pt x="953" y="212"/>
+                </a:lnTo>
+                <a:lnTo>
+                  <a:pt x="1050" y="164"/>
+                </a:lnTo>
+                <a:lnTo>
+                  <a:pt x="1150" y="122"/>
+                </a:lnTo>
+                <a:lnTo>
+                  <a:pt x="1251" y="85"/>
+                </a:lnTo>
+                <a:lnTo>
+                  <a:pt x="1357" y="55"/>
+                </a:lnTo>
+                <a:lnTo>
+                  <a:pt x="1464" y="32"/>
+                </a:lnTo>
+                <a:lnTo>
+                  <a:pt x="1574" y="14"/>
+                </a:lnTo>
+                <a:lnTo>
+                  <a:pt x="1686" y="5"/>
+                </a:lnTo>
+                <a:lnTo>
+                  <a:pt x="1799" y="0"/>
+                </a:lnTo>
+                <a:close/>
+              </a:path>
+            </a:pathLst>
+          </a:custGeom>
+          <a:solidFill>
+            <a:srgbClr val="262626"/>
+          </a:solidFill>
+          <a:ln w="0">
+            <a:noFill/>
+            <a:prstDash val="solid"/>
+            <a:round/>
+            <a:headEnd/>
+            <a:tailEnd/>
+          </a:ln>
+        </p:spPr>
+      </p:sp>
+      <p:sp>
+        <p:nvSpPr>
           <p:cNvPr id="2" name="Vertical Title 1"/>
           <p:cNvSpPr>
             <a:spLocks noGrp="1"/>
@@ -787,16 +1027,20 @@
         </p:nvSpPr>
         <p:spPr>
           <a:xfrm>
-            <a:off x="8724900" y="533400"/>
-            <a:ext cx="2552700" cy="5638800"/>
+            <a:off x="7990765" y="642931"/>
+            <a:ext cx="2446670" cy="4678106"/>
           </a:xfrm>
         </p:spPr>
         <p:txBody>
           <a:bodyPr vert="eaVert"/>
-          <a:lstStyle/>
-          <a:p>
-            <a:r>
-              <a:rPr lang="en-US"/>
+          <a:lstStyle>
+            <a:lvl1pPr algn="l">
+              <a:defRPr/>
+            </a:lvl1pPr>
+          </a:lstStyle>
+          <a:p>
+            <a:r>
+              <a:rPr lang="en-US" smtClean="0"/>
               <a:t>Click to edit Master title style</a:t>
             </a:r>
             <a:endParaRPr lang="en-US" dirty="0"/>
@@ -815,8 +1059,8 @@
         </p:nvSpPr>
         <p:spPr>
           <a:xfrm>
-            <a:off x="1066800" y="533400"/>
-            <a:ext cx="7505700" cy="5638800"/>
+            <a:off x="838200" y="642932"/>
+            <a:ext cx="7070678" cy="4678105"/>
           </a:xfrm>
         </p:spPr>
         <p:txBody>
@@ -825,35 +1069,35 @@
           <a:p>
             <a:pPr lvl="0"/>
             <a:r>
-              <a:rPr lang="en-US"/>
-              <a:t>Edit Master text styles</a:t>
+              <a:rPr lang="en-US" smtClean="0"/>
+              <a:t>Click to edit Master text styles</a:t>
             </a:r>
           </a:p>
           <a:p>
             <a:pPr lvl="1"/>
             <a:r>
-              <a:rPr lang="en-US"/>
+              <a:rPr lang="en-US" smtClean="0"/>
               <a:t>Second level</a:t>
             </a:r>
           </a:p>
           <a:p>
             <a:pPr lvl="2"/>
             <a:r>
-              <a:rPr lang="en-US"/>
+              <a:rPr lang="en-US" smtClean="0"/>
               <a:t>Third level</a:t>
             </a:r>
           </a:p>
           <a:p>
             <a:pPr lvl="3"/>
             <a:r>
-              <a:rPr lang="en-US"/>
+              <a:rPr lang="en-US" smtClean="0"/>
               <a:t>Fourth level</a:t>
             </a:r>
           </a:p>
           <a:p>
             <a:pPr lvl="4"/>
             <a:r>
-              <a:rPr lang="en-US"/>
+              <a:rPr lang="en-US" smtClean="0"/>
               <a:t>Fifth level</a:t>
             </a:r>
             <a:endParaRPr lang="en-US" dirty="0"/>
@@ -870,14 +1114,19 @@
             <p:ph type="dt" sz="half" idx="10"/>
           </p:nvPr>
         </p:nvSpPr>
-        <p:spPr/>
+        <p:spPr>
+          <a:xfrm>
+            <a:off x="6536187" y="5927131"/>
+            <a:ext cx="3814856" cy="365125"/>
+          </a:xfrm>
+        </p:spPr>
         <p:txBody>
           <a:bodyPr/>
           <a:lstStyle/>
           <a:p>
             <a:fld id="{585AC5C5-1A57-4420-8AFB-CE41693A794B}" type="datetimeFigureOut">
-              <a:rPr lang="en-US" dirty="0"/>
-              <a:t>5/10/2018</a:t>
+              <a:rPr lang="en-US" smtClean="0"/>
+              <a:t>3/18/2019</a:t>
             </a:fld>
             <a:endParaRPr lang="en-US" dirty="0"/>
           </a:p>
@@ -893,7 +1142,12 @@
             <p:ph type="ftr" sz="quarter" idx="11"/>
           </p:nvPr>
         </p:nvSpPr>
-        <p:spPr/>
+        <p:spPr>
+          <a:xfrm>
+            <a:off x="6536187" y="6315949"/>
+            <a:ext cx="3814856" cy="365125"/>
+          </a:xfrm>
+        </p:spPr>
         <p:txBody>
           <a:bodyPr/>
           <a:lstStyle/>
@@ -912,24 +1166,83 @@
             <p:ph type="sldNum" sz="quarter" idx="12"/>
           </p:nvPr>
         </p:nvSpPr>
-        <p:spPr/>
+        <p:spPr>
+          <a:xfrm>
+            <a:off x="11784011" y="5607592"/>
+            <a:ext cx="407988" cy="365125"/>
+          </a:xfrm>
+        </p:spPr>
         <p:txBody>
           <a:bodyPr/>
           <a:lstStyle/>
           <a:p>
             <a:fld id="{4FAB73BC-B049-4115-A692-8D63A059BFB8}" type="slidenum">
-              <a:rPr lang="en-US" dirty="0"/>
+              <a:rPr lang="en-US" smtClean="0"/>
               <a:t>‹#›</a:t>
             </a:fld>
             <a:endParaRPr lang="en-US" dirty="0"/>
           </a:p>
         </p:txBody>
       </p:sp>
+      <p:cxnSp>
+        <p:nvCxnSpPr>
+          <p:cNvPr id="13" name="Straight Connector 12" title="Horizontal Rule Line"/>
+          <p:cNvCxnSpPr/>
+          <p:nvPr/>
+        </p:nvCxnSpPr>
+        <p:spPr>
+          <a:xfrm>
+            <a:off x="0" y="6199730"/>
+            <a:ext cx="10260011" cy="0"/>
+          </a:xfrm>
+          <a:prstGeom prst="line">
+            <a:avLst/>
+          </a:prstGeom>
+          <a:ln w="25400">
+            <a:solidFill>
+              <a:schemeClr val="tx1">
+                <a:lumMod val="85000"/>
+                <a:lumOff val="15000"/>
+              </a:schemeClr>
+            </a:solidFill>
+          </a:ln>
+        </p:spPr>
+        <p:style>
+          <a:lnRef idx="1">
+            <a:schemeClr val="accent1"/>
+          </a:lnRef>
+          <a:fillRef idx="0">
+            <a:schemeClr val="accent1"/>
+          </a:fillRef>
+          <a:effectRef idx="0">
+            <a:schemeClr val="accent1"/>
+          </a:effectRef>
+          <a:fontRef idx="minor">
+            <a:schemeClr val="tx1"/>
+          </a:fontRef>
+        </p:style>
+      </p:cxnSp>
     </p:spTree>
+    <p:extLst>
+      <p:ext uri="{BB962C8B-B14F-4D97-AF65-F5344CB8AC3E}">
+        <p14:creationId xmlns:p14="http://schemas.microsoft.com/office/powerpoint/2010/main" val="84917488"/>
+      </p:ext>
+    </p:extLst>
   </p:cSld>
   <p:clrMapOvr>
     <a:masterClrMapping/>
   </p:clrMapOvr>
+  <p:extLst mod="1">
+    <p:ext uri="{DCECCB84-F9BA-43D5-87BE-67443E8EF086}">
+      <p15:sldGuideLst xmlns:p15="http://schemas.microsoft.com/office/powerpoint/2012/main">
+        <p15:guide id="1" pos="6456">
+          <p15:clr>
+            <a:srgbClr val="FBAE40"/>
+          </p15:clr>
+        </p15:guide>
+      </p15:sldGuideLst>
+    </p:ext>
+  </p:extLst>
 </p:sldLayout>
 </file>
 
@@ -966,7 +1279,7 @@
           <a:lstStyle/>
           <a:p>
             <a:r>
-              <a:rPr lang="en-US"/>
+              <a:rPr lang="en-US" smtClean="0"/>
               <a:t>Click to edit Master title style</a:t>
             </a:r>
             <a:endParaRPr lang="en-US" dirty="0"/>
@@ -990,35 +1303,35 @@
           <a:p>
             <a:pPr lvl="0"/>
             <a:r>
-              <a:rPr lang="en-US"/>
-              <a:t>Edit Master text styles</a:t>
+              <a:rPr lang="en-US" smtClean="0"/>
+              <a:t>Click to edit Master text styles</a:t>
             </a:r>
           </a:p>
           <a:p>
             <a:pPr lvl="1"/>
             <a:r>
-              <a:rPr lang="en-US"/>
+              <a:rPr lang="en-US" smtClean="0"/>
               <a:t>Second level</a:t>
             </a:r>
           </a:p>
           <a:p>
             <a:pPr lvl="2"/>
             <a:r>
-              <a:rPr lang="en-US"/>
+              <a:rPr lang="en-US" smtClean="0"/>
               <a:t>Third level</a:t>
             </a:r>
           </a:p>
           <a:p>
             <a:pPr lvl="3"/>
             <a:r>
-              <a:rPr lang="en-US"/>
+              <a:rPr lang="en-US" smtClean="0"/>
               <a:t>Fourth level</a:t>
             </a:r>
           </a:p>
           <a:p>
             <a:pPr lvl="4"/>
             <a:r>
-              <a:rPr lang="en-US"/>
+              <a:rPr lang="en-US" smtClean="0"/>
               <a:t>Fifth level</a:t>
             </a:r>
             <a:endParaRPr lang="en-US" dirty="0"/>
@@ -1041,8 +1354,8 @@
           <a:lstStyle/>
           <a:p>
             <a:fld id="{8A4C08AF-84E6-4329-8E67-FEA434B47075}" type="datetimeFigureOut">
-              <a:rPr lang="en-US" dirty="0"/>
-              <a:t>5/10/2018</a:t>
+              <a:rPr lang="en-US" smtClean="0"/>
+              <a:t>3/18/2019</a:t>
             </a:fld>
             <a:endParaRPr lang="en-US" dirty="0"/>
           </a:p>
@@ -1083,7 +1396,7 @@
           <a:lstStyle/>
           <a:p>
             <a:fld id="{4FAB73BC-B049-4115-A692-8D63A059BFB8}" type="slidenum">
-              <a:rPr lang="en-US" dirty="0"/>
+              <a:rPr lang="en-US" smtClean="0"/>
               <a:t>‹#›</a:t>
             </a:fld>
             <a:endParaRPr lang="en-US" dirty="0"/>
@@ -1091,6 +1404,11 @@
         </p:txBody>
       </p:sp>
     </p:spTree>
+    <p:extLst>
+      <p:ext uri="{BB962C8B-B14F-4D97-AF65-F5344CB8AC3E}">
+        <p14:creationId xmlns:p14="http://schemas.microsoft.com/office/powerpoint/2010/main" val="2222975939"/>
+      </p:ext>
+    </p:extLst>
   </p:cSld>
   <p:clrMapOvr>
     <a:masterClrMapping/>
@@ -1101,6 +1419,14 @@
 <file path=ppt/slideLayouts/slideLayout3.xml><?xml version="1.0" encoding="utf-8"?>
 <p:sldLayout xmlns:a="http://schemas.openxmlformats.org/drawingml/2006/main" xmlns:r="http://schemas.openxmlformats.org/officeDocument/2006/relationships" xmlns:p="http://schemas.openxmlformats.org/presentationml/2006/main" showMasterSp="0" type="secHead" preserve="1">
   <p:cSld name="Section Header">
+    <p:bg>
+      <p:bgPr>
+        <a:solidFill>
+          <a:schemeClr val="bg2"/>
+        </a:solidFill>
+        <a:effectLst/>
+      </p:bgPr>
+    </p:bg>
     <p:spTree>
       <p:nvGrpSpPr>
         <p:cNvPr id="1" name=""/>
@@ -1117,79 +1443,222 @@
       </p:grpSpPr>
       <p:sp>
         <p:nvSpPr>
-          <p:cNvPr id="7" name="Rectangle 6"/>
+          <p:cNvPr id="7" name="Freeform 6" title="Page Number Shape"/>
           <p:cNvSpPr/>
           <p:nvPr/>
         </p:nvSpPr>
+        <p:spPr bwMode="auto">
+          <a:xfrm>
+            <a:off x="11784011" y="1393748"/>
+            <a:ext cx="407988" cy="819150"/>
+          </a:xfrm>
+          <a:custGeom>
+            <a:avLst/>
+            <a:gdLst/>
+            <a:ahLst/>
+            <a:cxnLst/>
+            <a:rect l="0" t="0" r="r" b="b"/>
+            <a:pathLst>
+              <a:path w="1799" h="3612">
+                <a:moveTo>
+                  <a:pt x="1799" y="0"/>
+                </a:moveTo>
+                <a:lnTo>
+                  <a:pt x="1799" y="3612"/>
+                </a:lnTo>
+                <a:lnTo>
+                  <a:pt x="1686" y="3609"/>
+                </a:lnTo>
+                <a:lnTo>
+                  <a:pt x="1574" y="3598"/>
+                </a:lnTo>
+                <a:lnTo>
+                  <a:pt x="1464" y="3581"/>
+                </a:lnTo>
+                <a:lnTo>
+                  <a:pt x="1357" y="3557"/>
+                </a:lnTo>
+                <a:lnTo>
+                  <a:pt x="1251" y="3527"/>
+                </a:lnTo>
+                <a:lnTo>
+                  <a:pt x="1150" y="3490"/>
+                </a:lnTo>
+                <a:lnTo>
+                  <a:pt x="1050" y="3448"/>
+                </a:lnTo>
+                <a:lnTo>
+                  <a:pt x="953" y="3401"/>
+                </a:lnTo>
+                <a:lnTo>
+                  <a:pt x="860" y="3347"/>
+                </a:lnTo>
+                <a:lnTo>
+                  <a:pt x="771" y="3289"/>
+                </a:lnTo>
+                <a:lnTo>
+                  <a:pt x="686" y="3224"/>
+                </a:lnTo>
+                <a:lnTo>
+                  <a:pt x="604" y="3156"/>
+                </a:lnTo>
+                <a:lnTo>
+                  <a:pt x="527" y="3083"/>
+                </a:lnTo>
+                <a:lnTo>
+                  <a:pt x="454" y="3005"/>
+                </a:lnTo>
+                <a:lnTo>
+                  <a:pt x="386" y="2923"/>
+                </a:lnTo>
+                <a:lnTo>
+                  <a:pt x="323" y="2838"/>
+                </a:lnTo>
+                <a:lnTo>
+                  <a:pt x="265" y="2748"/>
+                </a:lnTo>
+                <a:lnTo>
+                  <a:pt x="211" y="2655"/>
+                </a:lnTo>
+                <a:lnTo>
+                  <a:pt x="163" y="2559"/>
+                </a:lnTo>
+                <a:lnTo>
+                  <a:pt x="121" y="2459"/>
+                </a:lnTo>
+                <a:lnTo>
+                  <a:pt x="85" y="2356"/>
+                </a:lnTo>
+                <a:lnTo>
+                  <a:pt x="55" y="2251"/>
+                </a:lnTo>
+                <a:lnTo>
+                  <a:pt x="32" y="2143"/>
+                </a:lnTo>
+                <a:lnTo>
+                  <a:pt x="14" y="2033"/>
+                </a:lnTo>
+                <a:lnTo>
+                  <a:pt x="4" y="1920"/>
+                </a:lnTo>
+                <a:lnTo>
+                  <a:pt x="0" y="1806"/>
+                </a:lnTo>
+                <a:lnTo>
+                  <a:pt x="4" y="1692"/>
+                </a:lnTo>
+                <a:lnTo>
+                  <a:pt x="14" y="1580"/>
+                </a:lnTo>
+                <a:lnTo>
+                  <a:pt x="32" y="1469"/>
+                </a:lnTo>
+                <a:lnTo>
+                  <a:pt x="55" y="1362"/>
+                </a:lnTo>
+                <a:lnTo>
+                  <a:pt x="85" y="1256"/>
+                </a:lnTo>
+                <a:lnTo>
+                  <a:pt x="121" y="1154"/>
+                </a:lnTo>
+                <a:lnTo>
+                  <a:pt x="163" y="1054"/>
+                </a:lnTo>
+                <a:lnTo>
+                  <a:pt x="211" y="958"/>
+                </a:lnTo>
+                <a:lnTo>
+                  <a:pt x="265" y="864"/>
+                </a:lnTo>
+                <a:lnTo>
+                  <a:pt x="323" y="774"/>
+                </a:lnTo>
+                <a:lnTo>
+                  <a:pt x="386" y="689"/>
+                </a:lnTo>
+                <a:lnTo>
+                  <a:pt x="454" y="607"/>
+                </a:lnTo>
+                <a:lnTo>
+                  <a:pt x="527" y="529"/>
+                </a:lnTo>
+                <a:lnTo>
+                  <a:pt x="604" y="456"/>
+                </a:lnTo>
+                <a:lnTo>
+                  <a:pt x="686" y="388"/>
+                </a:lnTo>
+                <a:lnTo>
+                  <a:pt x="771" y="325"/>
+                </a:lnTo>
+                <a:lnTo>
+                  <a:pt x="860" y="266"/>
+                </a:lnTo>
+                <a:lnTo>
+                  <a:pt x="953" y="212"/>
+                </a:lnTo>
+                <a:lnTo>
+                  <a:pt x="1050" y="164"/>
+                </a:lnTo>
+                <a:lnTo>
+                  <a:pt x="1150" y="122"/>
+                </a:lnTo>
+                <a:lnTo>
+                  <a:pt x="1251" y="85"/>
+                </a:lnTo>
+                <a:lnTo>
+                  <a:pt x="1357" y="55"/>
+                </a:lnTo>
+                <a:lnTo>
+                  <a:pt x="1464" y="32"/>
+                </a:lnTo>
+                <a:lnTo>
+                  <a:pt x="1574" y="14"/>
+                </a:lnTo>
+                <a:lnTo>
+                  <a:pt x="1686" y="5"/>
+                </a:lnTo>
+                <a:lnTo>
+                  <a:pt x="1799" y="0"/>
+                </a:lnTo>
+                <a:close/>
+              </a:path>
+            </a:pathLst>
+          </a:custGeom>
+          <a:solidFill>
+            <a:schemeClr val="tx1">
+              <a:lumMod val="85000"/>
+              <a:lumOff val="15000"/>
+            </a:schemeClr>
+          </a:solidFill>
+          <a:ln w="0">
+            <a:noFill/>
+            <a:prstDash val="solid"/>
+            <a:round/>
+            <a:headEnd/>
+            <a:tailEnd/>
+          </a:ln>
+        </p:spPr>
+      </p:sp>
+      <p:sp>
+        <p:nvSpPr>
+          <p:cNvPr id="2" name="Title 1"/>
+          <p:cNvSpPr>
+            <a:spLocks noGrp="1"/>
+          </p:cNvSpPr>
+          <p:nvPr>
+            <p:ph type="title"/>
+          </p:nvPr>
+        </p:nvSpPr>
         <p:spPr>
           <a:xfrm>
-            <a:off x="0" y="4917989"/>
-            <a:ext cx="12192000" cy="1940010"/>
-          </a:xfrm>
-          <a:prstGeom prst="rect">
-            <a:avLst/>
-          </a:prstGeom>
-          <a:blipFill dpi="0" rotWithShape="1">
-            <a:blip r:embed="rId2">
-              <a:alphaModFix amt="83000"/>
-              <a:lum bright="70000" contrast="-70000"/>
-              <a:extLst>
-                <a:ext uri="{BEBA8EAE-BF5A-486C-A8C5-ECC9F3942E4B}">
-                  <a14:imgProps xmlns:a14="http://schemas.microsoft.com/office/drawing/2010/main">
-                    <a14:imgLayer r:embed="rId3">
-                      <a14:imgEffect>
-                        <a14:sharpenSoften amount="61000"/>
-                      </a14:imgEffect>
-                    </a14:imgLayer>
-                  </a14:imgProps>
-                </a:ext>
-                <a:ext uri="{28A0092B-C50C-407E-A947-70E740481C1C}">
-                  <a14:useLocalDpi xmlns:a14="http://schemas.microsoft.com/office/drawing/2010/main" val="0"/>
-                </a:ext>
-              </a:extLst>
-            </a:blip>
-            <a:srcRect/>
-            <a:tile tx="0" ty="-704850" sx="92000" sy="89000" flip="xy" algn="ctr"/>
-          </a:blipFill>
-          <a:ln>
-            <a:noFill/>
-          </a:ln>
-        </p:spPr>
-        <p:style>
-          <a:lnRef idx="2">
-            <a:schemeClr val="accent1">
-              <a:shade val="50000"/>
-            </a:schemeClr>
-          </a:lnRef>
-          <a:fillRef idx="1">
-            <a:schemeClr val="accent1"/>
-          </a:fillRef>
-          <a:effectRef idx="0">
-            <a:schemeClr val="accent1"/>
-          </a:effectRef>
-          <a:fontRef idx="minor">
-            <a:schemeClr val="lt1"/>
-          </a:fontRef>
-        </p:style>
-      </p:sp>
-      <p:sp>
-        <p:nvSpPr>
-          <p:cNvPr id="2" name="Title 1"/>
-          <p:cNvSpPr>
-            <a:spLocks noGrp="1"/>
-          </p:cNvSpPr>
-          <p:nvPr>
-            <p:ph type="title"/>
-          </p:nvPr>
-        </p:nvSpPr>
-        <p:spPr>
-          <a:xfrm>
-            <a:off x="2167128" y="1225296"/>
-            <a:ext cx="9281160" cy="3520440"/>
-          </a:xfrm>
-        </p:spPr>
-        <p:txBody>
-          <a:bodyPr anchor="ctr">
+            <a:off x="1947673" y="2571722"/>
+            <a:ext cx="8296654" cy="3286153"/>
+          </a:xfrm>
+        </p:spPr>
+        <p:txBody>
+          <a:bodyPr anchor="t">
             <a:normAutofit/>
           </a:bodyPr>
           <a:lstStyle>
@@ -1197,12 +1666,19 @@
               <a:lnSpc>
                 <a:spcPct val="85000"/>
               </a:lnSpc>
-              <a:defRPr sz="7200" b="1"/>
+              <a:defRPr sz="7700" cap="all" baseline="0">
+                <a:solidFill>
+                  <a:schemeClr val="tx1">
+                    <a:lumMod val="85000"/>
+                    <a:lumOff val="15000"/>
+                  </a:schemeClr>
+                </a:solidFill>
+              </a:defRPr>
             </a:lvl1pPr>
           </a:lstStyle>
           <a:p>
             <a:r>
-              <a:rPr lang="en-US"/>
+              <a:rPr lang="en-US" smtClean="0"/>
               <a:t>Click to edit Master title style</a:t>
             </a:r>
             <a:endParaRPr lang="en-US" dirty="0"/>
@@ -1221,26 +1697,35 @@
         </p:nvSpPr>
         <p:spPr>
           <a:xfrm>
-            <a:off x="2165774" y="5020056"/>
-            <a:ext cx="9052560" cy="1066800"/>
-          </a:xfrm>
-        </p:spPr>
-        <p:txBody>
-          <a:bodyPr anchor="t">
+            <a:off x="1947673" y="1393748"/>
+            <a:ext cx="8401429" cy="819150"/>
+          </a:xfrm>
+        </p:spPr>
+        <p:txBody>
+          <a:bodyPr anchor="ctr">
             <a:normAutofit/>
           </a:bodyPr>
           <a:lstStyle>
-            <a:lvl1pPr marL="0" indent="0">
+            <a:lvl1pPr marL="0" indent="0" algn="r">
+              <a:lnSpc>
+                <a:spcPct val="113000"/>
+              </a:lnSpc>
+              <a:spcBef>
+                <a:spcPts val="0"/>
+              </a:spcBef>
               <a:buNone/>
-              <a:defRPr sz="2000">
+              <a:defRPr sz="2000" b="0" i="1" baseline="0">
                 <a:solidFill>
-                  <a:schemeClr val="tx1"/>
+                  <a:schemeClr val="tx1">
+                    <a:lumMod val="85000"/>
+                    <a:lumOff val="15000"/>
+                  </a:schemeClr>
                 </a:solidFill>
               </a:defRPr>
             </a:lvl1pPr>
             <a:lvl2pPr marL="457200" indent="0">
               <a:buNone/>
-              <a:defRPr sz="1800">
+              <a:defRPr sz="2000">
                 <a:solidFill>
                   <a:schemeClr val="tx1">
                     <a:tint val="75000"/>
@@ -1250,7 +1735,7 @@
             </a:lvl2pPr>
             <a:lvl3pPr marL="914400" indent="0">
               <a:buNone/>
-              <a:defRPr sz="1600">
+              <a:defRPr sz="1800">
                 <a:solidFill>
                   <a:schemeClr val="tx1">
                     <a:tint val="75000"/>
@@ -1260,7 +1745,7 @@
             </a:lvl3pPr>
             <a:lvl4pPr marL="1371600" indent="0">
               <a:buNone/>
-              <a:defRPr sz="1400">
+              <a:defRPr sz="1600">
                 <a:solidFill>
                   <a:schemeClr val="tx1">
                     <a:tint val="75000"/>
@@ -1270,7 +1755,7 @@
             </a:lvl4pPr>
             <a:lvl5pPr marL="1828800" indent="0">
               <a:buNone/>
-              <a:defRPr sz="1400">
+              <a:defRPr sz="1600">
                 <a:solidFill>
                   <a:schemeClr val="tx1">
                     <a:tint val="75000"/>
@@ -1280,7 +1765,7 @@
             </a:lvl5pPr>
             <a:lvl6pPr marL="2286000" indent="0">
               <a:buNone/>
-              <a:defRPr sz="1400">
+              <a:defRPr sz="1600">
                 <a:solidFill>
                   <a:schemeClr val="tx1">
                     <a:tint val="75000"/>
@@ -1290,7 +1775,7 @@
             </a:lvl6pPr>
             <a:lvl7pPr marL="2743200" indent="0">
               <a:buNone/>
-              <a:defRPr sz="1400">
+              <a:defRPr sz="1600">
                 <a:solidFill>
                   <a:schemeClr val="tx1">
                     <a:tint val="75000"/>
@@ -1300,7 +1785,7 @@
             </a:lvl7pPr>
             <a:lvl8pPr marL="3200400" indent="0">
               <a:buNone/>
-              <a:defRPr sz="1400">
+              <a:defRPr sz="1600">
                 <a:solidFill>
                   <a:schemeClr val="tx1">
                     <a:tint val="75000"/>
@@ -1310,7 +1795,7 @@
             </a:lvl8pPr>
             <a:lvl9pPr marL="3657600" indent="0">
               <a:buNone/>
-              <a:defRPr sz="1400">
+              <a:defRPr sz="1600">
                 <a:solidFill>
                   <a:schemeClr val="tx1">
                     <a:tint val="75000"/>
@@ -1322,8 +1807,8 @@
           <a:p>
             <a:pPr lvl="0"/>
             <a:r>
-              <a:rPr lang="en-US"/>
-              <a:t>Edit Master text styles</a:t>
+              <a:rPr lang="en-US" smtClean="0"/>
+              <a:t>Click to edit Master text styles</a:t>
             </a:r>
           </a:p>
         </p:txBody>
@@ -1340,156 +1825,98 @@
         </p:nvSpPr>
         <p:spPr>
           <a:xfrm>
-            <a:off x="8593667" y="6272784"/>
-            <a:ext cx="2644309" cy="365125"/>
-          </a:xfrm>
-        </p:spPr>
-        <p:txBody>
-          <a:bodyPr/>
-          <a:lstStyle/>
-          <a:p>
-            <a:fld id="{4F6EE328-6AFF-436B-881F-213D56084544}" type="datetimeFigureOut">
-              <a:rPr lang="en-US" dirty="0"/>
-              <a:t>5/10/2018</a:t>
-            </a:fld>
-            <a:endParaRPr lang="en-US" dirty="0"/>
-          </a:p>
-        </p:txBody>
-      </p:sp>
-      <p:sp>
-        <p:nvSpPr>
-          <p:cNvPr id="5" name="Footer Placeholder 4"/>
-          <p:cNvSpPr>
-            <a:spLocks noGrp="1"/>
-          </p:cNvSpPr>
-          <p:nvPr>
-            <p:ph type="ftr" sz="quarter" idx="11"/>
-          </p:nvPr>
-        </p:nvSpPr>
-        <p:spPr>
-          <a:xfrm>
-            <a:off x="2182708" y="6272784"/>
-            <a:ext cx="6327648" cy="365125"/>
-          </a:xfrm>
-        </p:spPr>
-        <p:txBody>
-          <a:bodyPr/>
-          <a:lstStyle/>
-          <a:p>
-            <a:endParaRPr lang="en-US" dirty="0"/>
-          </a:p>
-        </p:txBody>
-      </p:sp>
-      <p:grpSp>
-        <p:nvGrpSpPr>
-          <p:cNvPr id="8" name="Group 7"/>
-          <p:cNvGrpSpPr/>
-          <p:nvPr/>
-        </p:nvGrpSpPr>
-        <p:grpSpPr>
-          <a:xfrm>
-            <a:off x="897399" y="2325848"/>
-            <a:ext cx="1080904" cy="1080902"/>
-            <a:chOff x="9685338" y="4460675"/>
-            <a:chExt cx="1080904" cy="1080902"/>
-          </a:xfrm>
-        </p:grpSpPr>
-        <p:sp>
-          <p:nvSpPr>
-            <p:cNvPr id="9" name="Oval 8"/>
-            <p:cNvSpPr/>
-            <p:nvPr/>
-          </p:nvSpPr>
-          <p:spPr>
-            <a:xfrm>
-              <a:off x="9685338" y="4460675"/>
-              <a:ext cx="1080904" cy="1080902"/>
-            </a:xfrm>
-            <a:prstGeom prst="ellipse">
-              <a:avLst/>
-            </a:prstGeom>
-            <a:blipFill dpi="0" rotWithShape="1">
-              <a:blip r:embed="rId4">
-                <a:duotone>
-                  <a:schemeClr val="accent1">
-                    <a:shade val="45000"/>
-                    <a:satMod val="135000"/>
-                  </a:schemeClr>
-                  <a:prstClr val="white"/>
-                </a:duotone>
-                <a:extLst>
-                  <a:ext uri="{BEBA8EAE-BF5A-486C-A8C5-ECC9F3942E4B}">
-                    <a14:imgProps xmlns:a14="http://schemas.microsoft.com/office/drawing/2010/main">
-                      <a14:imgLayer r:embed="rId5">
-                        <a14:imgEffect>
-                          <a14:saturation sat="95000"/>
-                        </a14:imgEffect>
-                      </a14:imgLayer>
-                    </a14:imgProps>
-                  </a:ext>
-                </a:extLst>
-              </a:blip>
-              <a:srcRect/>
-              <a:tile tx="0" ty="0" sx="85000" sy="85000" flip="none" algn="tl"/>
-            </a:blipFill>
-            <a:ln w="25400" cap="flat" cmpd="sng" algn="ctr">
-              <a:noFill/>
-              <a:prstDash val="solid"/>
-            </a:ln>
-            <a:effectLst/>
-          </p:spPr>
-        </p:sp>
-        <p:sp>
-          <p:nvSpPr>
-            <p:cNvPr id="10" name="Oval 9"/>
-            <p:cNvSpPr/>
-            <p:nvPr/>
-          </p:nvSpPr>
-          <p:spPr>
-            <a:xfrm>
-              <a:off x="9793429" y="4568765"/>
-              <a:ext cx="864723" cy="864722"/>
-            </a:xfrm>
-            <a:prstGeom prst="ellipse">
-              <a:avLst/>
-            </a:prstGeom>
-            <a:noFill/>
-            <a:ln w="25400" cap="flat" cmpd="sng" algn="ctr">
-              <a:solidFill>
-                <a:sysClr val="window" lastClr="FFFFFF"/>
-              </a:solidFill>
-              <a:prstDash val="solid"/>
-            </a:ln>
-            <a:effectLst/>
-          </p:spPr>
-        </p:sp>
-      </p:grpSp>
-      <p:sp>
-        <p:nvSpPr>
-          <p:cNvPr id="6" name="Slide Number Placeholder 5"/>
-          <p:cNvSpPr>
-            <a:spLocks noGrp="1"/>
-          </p:cNvSpPr>
-          <p:nvPr>
-            <p:ph type="sldNum" sz="quarter" idx="12"/>
-          </p:nvPr>
-        </p:nvSpPr>
-        <p:spPr>
-          <a:xfrm>
-            <a:off x="843702" y="2506133"/>
-            <a:ext cx="1188298" cy="720332"/>
+            <a:off x="8742955" y="6314439"/>
+            <a:ext cx="1596622" cy="365125"/>
           </a:xfrm>
         </p:spPr>
         <p:txBody>
           <a:bodyPr/>
           <a:lstStyle>
             <a:lvl1pPr>
-              <a:defRPr sz="2800"/>
+              <a:defRPr sz="1200">
+                <a:solidFill>
+                  <a:schemeClr val="tx1">
+                    <a:lumMod val="85000"/>
+                    <a:lumOff val="15000"/>
+                  </a:schemeClr>
+                </a:solidFill>
+              </a:defRPr>
             </a:lvl1pPr>
           </a:lstStyle>
           <a:p>
+            <a:fld id="{4F6EE328-6AFF-436B-881F-213D56084544}" type="datetimeFigureOut">
+              <a:rPr lang="en-US" smtClean="0"/>
+              <a:t>3/18/2019</a:t>
+            </a:fld>
+            <a:endParaRPr lang="en-US" dirty="0"/>
+          </a:p>
+        </p:txBody>
+      </p:sp>
+      <p:sp>
+        <p:nvSpPr>
+          <p:cNvPr id="5" name="Footer Placeholder 4"/>
+          <p:cNvSpPr>
+            <a:spLocks noGrp="1"/>
+          </p:cNvSpPr>
+          <p:nvPr>
+            <p:ph type="ftr" sz="quarter" idx="11"/>
+          </p:nvPr>
+        </p:nvSpPr>
+        <p:spPr>
+          <a:xfrm>
+            <a:off x="1947673" y="6314440"/>
+            <a:ext cx="6480226" cy="365125"/>
+          </a:xfrm>
+        </p:spPr>
+        <p:txBody>
+          <a:bodyPr/>
+          <a:lstStyle>
+            <a:lvl1pPr>
+              <a:defRPr b="0">
+                <a:solidFill>
+                  <a:schemeClr val="tx1">
+                    <a:lumMod val="85000"/>
+                    <a:lumOff val="15000"/>
+                  </a:schemeClr>
+                </a:solidFill>
+              </a:defRPr>
+            </a:lvl1pPr>
+          </a:lstStyle>
+          <a:p>
+            <a:endParaRPr lang="en-US" dirty="0"/>
+          </a:p>
+        </p:txBody>
+      </p:sp>
+      <p:sp>
+        <p:nvSpPr>
+          <p:cNvPr id="6" name="Slide Number Placeholder 5"/>
+          <p:cNvSpPr>
+            <a:spLocks noGrp="1"/>
+          </p:cNvSpPr>
+          <p:nvPr>
+            <p:ph type="sldNum" sz="quarter" idx="12"/>
+          </p:nvPr>
+        </p:nvSpPr>
+        <p:spPr>
+          <a:xfrm>
+            <a:off x="11784011" y="1620760"/>
+            <a:ext cx="407988" cy="365125"/>
+          </a:xfrm>
+        </p:spPr>
+        <p:txBody>
+          <a:bodyPr/>
+          <a:lstStyle>
+            <a:lvl1pPr>
+              <a:defRPr>
+                <a:solidFill>
+                  <a:schemeClr val="bg2"/>
+                </a:solidFill>
+              </a:defRPr>
+            </a:lvl1pPr>
+          </a:lstStyle>
+          <a:p>
             <a:fld id="{4FAB73BC-B049-4115-A692-8D63A059BFB8}" type="slidenum">
-              <a:rPr lang="en-US" dirty="0"/>
+              <a:rPr lang="en-US" smtClean="0"/>
               <a:pPr/>
               <a:t>‹#›</a:t>
             </a:fld>
@@ -1497,11 +1924,65 @@
           </a:p>
         </p:txBody>
       </p:sp>
+      <p:cxnSp>
+        <p:nvCxnSpPr>
+          <p:cNvPr id="10" name="Straight Connector 9" title="Horizontal Rule Line"/>
+          <p:cNvCxnSpPr/>
+          <p:nvPr/>
+        </p:nvCxnSpPr>
+        <p:spPr>
+          <a:xfrm flipH="1">
+            <a:off x="1" y="6178167"/>
+            <a:ext cx="10244326" cy="0"/>
+          </a:xfrm>
+          <a:prstGeom prst="line">
+            <a:avLst/>
+          </a:prstGeom>
+          <a:ln w="25400">
+            <a:solidFill>
+              <a:schemeClr val="tx1">
+                <a:lumMod val="85000"/>
+                <a:lumOff val="15000"/>
+              </a:schemeClr>
+            </a:solidFill>
+          </a:ln>
+        </p:spPr>
+        <p:style>
+          <a:lnRef idx="1">
+            <a:schemeClr val="accent1"/>
+          </a:lnRef>
+          <a:fillRef idx="0">
+            <a:schemeClr val="accent1"/>
+          </a:fillRef>
+          <a:effectRef idx="0">
+            <a:schemeClr val="accent1"/>
+          </a:effectRef>
+          <a:fontRef idx="minor">
+            <a:schemeClr val="tx1"/>
+          </a:fontRef>
+        </p:style>
+      </p:cxnSp>
     </p:spTree>
+    <p:extLst>
+      <p:ext uri="{BB962C8B-B14F-4D97-AF65-F5344CB8AC3E}">
+        <p14:creationId xmlns:p14="http://schemas.microsoft.com/office/powerpoint/2010/main" val="1440017990"/>
+      </p:ext>
+    </p:extLst>
   </p:cSld>
   <p:clrMapOvr>
     <a:masterClrMapping/>
   </p:clrMapOvr>
+  <p:extLst mod="1">
+    <p:ext uri="{DCECCB84-F9BA-43D5-87BE-67443E8EF086}">
+      <p15:sldGuideLst xmlns:p15="http://schemas.microsoft.com/office/powerpoint/2012/main">
+        <p15:guide id="1" pos="6456">
+          <p15:clr>
+            <a:srgbClr val="FBAE40"/>
+          </p15:clr>
+        </p15:guide>
+      </p15:sldGuideLst>
+    </p:ext>
+  </p:extLst>
 </p:sldLayout>
 </file>
 
@@ -1538,7 +2019,7 @@
           <a:lstStyle/>
           <a:p>
             <a:r>
-              <a:rPr lang="en-US"/>
+              <a:rPr lang="en-US" smtClean="0"/>
               <a:t>Click to edit Master title style</a:t>
             </a:r>
             <a:endParaRPr lang="en-US" dirty="0"/>
@@ -1557,73 +2038,45 @@
         </p:nvSpPr>
         <p:spPr>
           <a:xfrm>
-            <a:off x="1069848" y="2194560"/>
-            <a:ext cx="4754880" cy="3977640"/>
+            <a:off x="5181600" y="540628"/>
+            <a:ext cx="6248400" cy="2488946"/>
           </a:xfrm>
         </p:spPr>
         <p:txBody>
           <a:bodyPr/>
-          <a:lstStyle>
-            <a:lvl1pPr>
-              <a:defRPr sz="2000"/>
-            </a:lvl1pPr>
-            <a:lvl2pPr>
-              <a:defRPr sz="1800"/>
-            </a:lvl2pPr>
-            <a:lvl3pPr>
-              <a:defRPr sz="1600"/>
-            </a:lvl3pPr>
-            <a:lvl4pPr>
-              <a:defRPr sz="1600"/>
-            </a:lvl4pPr>
-            <a:lvl5pPr>
-              <a:defRPr sz="1600"/>
-            </a:lvl5pPr>
-            <a:lvl6pPr>
-              <a:defRPr sz="1600"/>
-            </a:lvl6pPr>
-            <a:lvl7pPr>
-              <a:defRPr sz="1600"/>
-            </a:lvl7pPr>
-            <a:lvl8pPr>
-              <a:defRPr sz="1600"/>
-            </a:lvl8pPr>
-            <a:lvl9pPr>
-              <a:defRPr sz="1600"/>
-            </a:lvl9pPr>
-          </a:lstStyle>
+          <a:lstStyle/>
           <a:p>
             <a:pPr lvl="0"/>
             <a:r>
-              <a:rPr lang="en-US"/>
-              <a:t>Edit Master text styles</a:t>
+              <a:rPr lang="en-US" smtClean="0"/>
+              <a:t>Click to edit Master text styles</a:t>
             </a:r>
           </a:p>
           <a:p>
             <a:pPr lvl="1"/>
             <a:r>
-              <a:rPr lang="en-US"/>
+              <a:rPr lang="en-US" smtClean="0"/>
               <a:t>Second level</a:t>
             </a:r>
           </a:p>
           <a:p>
             <a:pPr lvl="2"/>
             <a:r>
-              <a:rPr lang="en-US"/>
+              <a:rPr lang="en-US" smtClean="0"/>
               <a:t>Third level</a:t>
             </a:r>
           </a:p>
           <a:p>
             <a:pPr lvl="3"/>
             <a:r>
-              <a:rPr lang="en-US"/>
+              <a:rPr lang="en-US" smtClean="0"/>
               <a:t>Fourth level</a:t>
             </a:r>
           </a:p>
           <a:p>
             <a:pPr lvl="4"/>
             <a:r>
-              <a:rPr lang="en-US"/>
+              <a:rPr lang="en-US" smtClean="0"/>
               <a:t>Fifth level</a:t>
             </a:r>
             <a:endParaRPr lang="en-US" dirty="0"/>
@@ -1642,73 +2095,45 @@
         </p:nvSpPr>
         <p:spPr>
           <a:xfrm>
-            <a:off x="6364224" y="2194560"/>
-            <a:ext cx="4754880" cy="3977640"/>
+            <a:off x="5181600" y="3712467"/>
+            <a:ext cx="6248400" cy="2482228"/>
           </a:xfrm>
         </p:spPr>
         <p:txBody>
           <a:bodyPr/>
-          <a:lstStyle>
-            <a:lvl1pPr>
-              <a:defRPr sz="2000"/>
-            </a:lvl1pPr>
-            <a:lvl2pPr>
-              <a:defRPr sz="1800"/>
-            </a:lvl2pPr>
-            <a:lvl3pPr>
-              <a:defRPr sz="1600"/>
-            </a:lvl3pPr>
-            <a:lvl4pPr>
-              <a:defRPr sz="1600"/>
-            </a:lvl4pPr>
-            <a:lvl5pPr>
-              <a:defRPr sz="1600"/>
-            </a:lvl5pPr>
-            <a:lvl6pPr>
-              <a:defRPr sz="1600"/>
-            </a:lvl6pPr>
-            <a:lvl7pPr>
-              <a:defRPr sz="1600"/>
-            </a:lvl7pPr>
-            <a:lvl8pPr>
-              <a:defRPr sz="1600"/>
-            </a:lvl8pPr>
-            <a:lvl9pPr>
-              <a:defRPr sz="1600"/>
-            </a:lvl9pPr>
-          </a:lstStyle>
+          <a:lstStyle/>
           <a:p>
             <a:pPr lvl="0"/>
             <a:r>
-              <a:rPr lang="en-US"/>
-              <a:t>Edit Master text styles</a:t>
+              <a:rPr lang="en-US" smtClean="0"/>
+              <a:t>Click to edit Master text styles</a:t>
             </a:r>
           </a:p>
           <a:p>
             <a:pPr lvl="1"/>
             <a:r>
-              <a:rPr lang="en-US"/>
+              <a:rPr lang="en-US" smtClean="0"/>
               <a:t>Second level</a:t>
             </a:r>
           </a:p>
           <a:p>
             <a:pPr lvl="2"/>
             <a:r>
-              <a:rPr lang="en-US"/>
+              <a:rPr lang="en-US" smtClean="0"/>
               <a:t>Third level</a:t>
             </a:r>
           </a:p>
           <a:p>
             <a:pPr lvl="3"/>
             <a:r>
-              <a:rPr lang="en-US"/>
+              <a:rPr lang="en-US" smtClean="0"/>
               <a:t>Fourth level</a:t>
             </a:r>
           </a:p>
           <a:p>
             <a:pPr lvl="4"/>
             <a:r>
-              <a:rPr lang="en-US"/>
+              <a:rPr lang="en-US" smtClean="0"/>
               <a:t>Fifth level</a:t>
             </a:r>
             <a:endParaRPr lang="en-US" dirty="0"/>
@@ -1731,8 +2156,8 @@
           <a:lstStyle/>
           <a:p>
             <a:fld id="{AE02069A-09EE-4C7C-86A4-2314A404921D}" type="datetimeFigureOut">
-              <a:rPr lang="en-US" dirty="0"/>
-              <a:t>5/10/2018</a:t>
+              <a:rPr lang="en-US" smtClean="0"/>
+              <a:t>3/18/2019</a:t>
             </a:fld>
             <a:endParaRPr lang="en-US" dirty="0"/>
           </a:p>
@@ -1773,7 +2198,7 @@
           <a:lstStyle/>
           <a:p>
             <a:fld id="{4FAB73BC-B049-4115-A692-8D63A059BFB8}" type="slidenum">
-              <a:rPr lang="en-US" dirty="0"/>
+              <a:rPr lang="en-US" smtClean="0"/>
               <a:t>‹#›</a:t>
             </a:fld>
             <a:endParaRPr lang="en-US" dirty="0"/>
@@ -1781,6 +2206,11 @@
         </p:txBody>
       </p:sp>
     </p:spTree>
+    <p:extLst>
+      <p:ext uri="{BB962C8B-B14F-4D97-AF65-F5344CB8AC3E}">
+        <p14:creationId xmlns:p14="http://schemas.microsoft.com/office/powerpoint/2010/main" val="2442888321"/>
+      </p:ext>
+    </p:extLst>
   </p:cSld>
   <p:clrMapOvr>
     <a:masterClrMapping/>
@@ -1807,7 +2237,7 @@
       </p:grpSpPr>
       <p:sp>
         <p:nvSpPr>
-          <p:cNvPr id="10" name="Title 9"/>
+          <p:cNvPr id="2" name="Title 1"/>
           <p:cNvSpPr>
             <a:spLocks noGrp="1"/>
           </p:cNvSpPr>
@@ -1815,13 +2245,18 @@
             <p:ph type="title"/>
           </p:nvPr>
         </p:nvSpPr>
-        <p:spPr/>
+        <p:spPr>
+          <a:xfrm>
+            <a:off x="762000" y="557784"/>
+            <a:ext cx="3831336" cy="4956048"/>
+          </a:xfrm>
+        </p:spPr>
         <p:txBody>
           <a:bodyPr/>
           <a:lstStyle/>
           <a:p>
             <a:r>
-              <a:rPr lang="en-US"/>
+              <a:rPr lang="en-US" smtClean="0"/>
               <a:t>Click to edit Master title style</a:t>
             </a:r>
             <a:endParaRPr lang="en-US" dirty="0"/>
@@ -1840,21 +2275,28 @@
         </p:nvSpPr>
         <p:spPr>
           <a:xfrm>
-            <a:off x="1066800" y="2048256"/>
-            <a:ext cx="4754880" cy="640080"/>
-          </a:xfrm>
-        </p:spPr>
-        <p:txBody>
-          <a:bodyPr anchor="ctr">
+            <a:off x="5181600" y="558065"/>
+            <a:ext cx="6245352" cy="914400"/>
+          </a:xfrm>
+        </p:spPr>
+        <p:txBody>
+          <a:bodyPr anchor="b">
             <a:normAutofit/>
           </a:bodyPr>
           <a:lstStyle>
             <a:lvl1pPr marL="0" indent="0">
+              <a:lnSpc>
+                <a:spcPct val="113000"/>
+              </a:lnSpc>
+              <a:spcBef>
+                <a:spcPts val="0"/>
+              </a:spcBef>
               <a:buNone/>
-              <a:defRPr sz="2000" b="1">
+              <a:defRPr sz="2400" b="0" i="1" baseline="0">
                 <a:solidFill>
-                  <a:schemeClr val="accent1">
-                    <a:lumMod val="75000"/>
+                  <a:schemeClr val="tx1">
+                    <a:lumMod val="85000"/>
+                    <a:lumOff val="15000"/>
                   </a:schemeClr>
                 </a:solidFill>
               </a:defRPr>
@@ -1895,8 +2337,8 @@
           <a:p>
             <a:pPr lvl="0"/>
             <a:r>
-              <a:rPr lang="en-US"/>
-              <a:t>Edit Master text styles</a:t>
+              <a:rPr lang="en-US" smtClean="0"/>
+              <a:t>Click to edit Master text styles</a:t>
             </a:r>
           </a:p>
         </p:txBody>
@@ -1913,73 +2355,45 @@
         </p:nvSpPr>
         <p:spPr>
           <a:xfrm>
-            <a:off x="1069848" y="2743200"/>
-            <a:ext cx="4754880" cy="3291840"/>
+            <a:off x="5181600" y="1526671"/>
+            <a:ext cx="6245352" cy="1755648"/>
           </a:xfrm>
         </p:spPr>
         <p:txBody>
           <a:bodyPr/>
-          <a:lstStyle>
-            <a:lvl1pPr>
-              <a:defRPr sz="2000"/>
-            </a:lvl1pPr>
-            <a:lvl2pPr>
-              <a:defRPr sz="1800"/>
-            </a:lvl2pPr>
-            <a:lvl3pPr>
-              <a:defRPr sz="1600"/>
-            </a:lvl3pPr>
-            <a:lvl4pPr>
-              <a:defRPr sz="1600"/>
-            </a:lvl4pPr>
-            <a:lvl5pPr>
-              <a:defRPr sz="1600"/>
-            </a:lvl5pPr>
-            <a:lvl6pPr>
-              <a:defRPr sz="1600"/>
-            </a:lvl6pPr>
-            <a:lvl7pPr>
-              <a:defRPr sz="1600"/>
-            </a:lvl7pPr>
-            <a:lvl8pPr>
-              <a:defRPr sz="1600"/>
-            </a:lvl8pPr>
-            <a:lvl9pPr>
-              <a:defRPr sz="1600"/>
-            </a:lvl9pPr>
-          </a:lstStyle>
+          <a:lstStyle/>
           <a:p>
             <a:pPr lvl="0"/>
             <a:r>
-              <a:rPr lang="en-US"/>
-              <a:t>Edit Master text styles</a:t>
+              <a:rPr lang="en-US" smtClean="0"/>
+              <a:t>Click to edit Master text styles</a:t>
             </a:r>
           </a:p>
           <a:p>
             <a:pPr lvl="1"/>
             <a:r>
-              <a:rPr lang="en-US"/>
+              <a:rPr lang="en-US" smtClean="0"/>
               <a:t>Second level</a:t>
             </a:r>
           </a:p>
           <a:p>
             <a:pPr lvl="2"/>
             <a:r>
-              <a:rPr lang="en-US"/>
+              <a:rPr lang="en-US" smtClean="0"/>
               <a:t>Third level</a:t>
             </a:r>
           </a:p>
           <a:p>
             <a:pPr lvl="3"/>
             <a:r>
-              <a:rPr lang="en-US"/>
+              <a:rPr lang="en-US" smtClean="0"/>
               <a:t>Fourth level</a:t>
             </a:r>
           </a:p>
           <a:p>
             <a:pPr lvl="4"/>
             <a:r>
-              <a:rPr lang="en-US"/>
+              <a:rPr lang="en-US" smtClean="0"/>
               <a:t>Fifth level</a:t>
             </a:r>
             <a:endParaRPr lang="en-US" dirty="0"/>
@@ -1998,21 +2412,22 @@
         </p:nvSpPr>
         <p:spPr>
           <a:xfrm>
-            <a:off x="6364224" y="2048256"/>
-            <a:ext cx="4754880" cy="640080"/>
-          </a:xfrm>
-        </p:spPr>
-        <p:txBody>
-          <a:bodyPr anchor="ctr">
+            <a:off x="5181600" y="3700826"/>
+            <a:ext cx="6248400" cy="914400"/>
+          </a:xfrm>
+        </p:spPr>
+        <p:txBody>
+          <a:bodyPr anchor="b">
             <a:normAutofit/>
           </a:bodyPr>
           <a:lstStyle>
             <a:lvl1pPr marL="0" indent="0">
               <a:buNone/>
-              <a:defRPr sz="2000" b="1">
+              <a:defRPr sz="2400" b="0" i="1" baseline="0">
                 <a:solidFill>
-                  <a:schemeClr val="accent1">
-                    <a:lumMod val="75000"/>
+                  <a:schemeClr val="tx1">
+                    <a:lumMod val="85000"/>
+                    <a:lumOff val="15000"/>
                   </a:schemeClr>
                 </a:solidFill>
               </a:defRPr>
@@ -2053,8 +2468,8 @@
           <a:p>
             <a:pPr lvl="0"/>
             <a:r>
-              <a:rPr lang="en-US"/>
-              <a:t>Edit Master text styles</a:t>
+              <a:rPr lang="en-US" smtClean="0"/>
+              <a:t>Click to edit Master text styles</a:t>
             </a:r>
           </a:p>
         </p:txBody>
@@ -2071,73 +2486,45 @@
         </p:nvSpPr>
         <p:spPr>
           <a:xfrm>
-            <a:off x="6364224" y="2743200"/>
-            <a:ext cx="4754880" cy="3291840"/>
+            <a:off x="5181600" y="4669432"/>
+            <a:ext cx="6245352" cy="1755648"/>
           </a:xfrm>
         </p:spPr>
         <p:txBody>
           <a:bodyPr/>
-          <a:lstStyle>
-            <a:lvl1pPr>
-              <a:defRPr sz="2000"/>
-            </a:lvl1pPr>
-            <a:lvl2pPr>
-              <a:defRPr sz="1800"/>
-            </a:lvl2pPr>
-            <a:lvl3pPr>
-              <a:defRPr sz="1600"/>
-            </a:lvl3pPr>
-            <a:lvl4pPr>
-              <a:defRPr sz="1600"/>
-            </a:lvl4pPr>
-            <a:lvl5pPr>
-              <a:defRPr sz="1600"/>
-            </a:lvl5pPr>
-            <a:lvl6pPr>
-              <a:defRPr sz="1600"/>
-            </a:lvl6pPr>
-            <a:lvl7pPr>
-              <a:defRPr sz="1600"/>
-            </a:lvl7pPr>
-            <a:lvl8pPr>
-              <a:defRPr sz="1600"/>
-            </a:lvl8pPr>
-            <a:lvl9pPr>
-              <a:defRPr sz="1600"/>
-            </a:lvl9pPr>
-          </a:lstStyle>
+          <a:lstStyle/>
           <a:p>
             <a:pPr lvl="0"/>
             <a:r>
-              <a:rPr lang="en-US"/>
-              <a:t>Edit Master text styles</a:t>
+              <a:rPr lang="en-US" smtClean="0"/>
+              <a:t>Click to edit Master text styles</a:t>
             </a:r>
           </a:p>
           <a:p>
             <a:pPr lvl="1"/>
             <a:r>
-              <a:rPr lang="en-US"/>
+              <a:rPr lang="en-US" smtClean="0"/>
               <a:t>Second level</a:t>
             </a:r>
           </a:p>
           <a:p>
             <a:pPr lvl="2"/>
             <a:r>
-              <a:rPr lang="en-US"/>
+              <a:rPr lang="en-US" smtClean="0"/>
               <a:t>Third level</a:t>
             </a:r>
           </a:p>
           <a:p>
             <a:pPr lvl="3"/>
             <a:r>
-              <a:rPr lang="en-US"/>
+              <a:rPr lang="en-US" smtClean="0"/>
               <a:t>Fourth level</a:t>
             </a:r>
           </a:p>
           <a:p>
             <a:pPr lvl="4"/>
             <a:r>
-              <a:rPr lang="en-US"/>
+              <a:rPr lang="en-US" smtClean="0"/>
               <a:t>Fifth level</a:t>
             </a:r>
             <a:endParaRPr lang="en-US" dirty="0"/>
@@ -2160,8 +2547,8 @@
           <a:lstStyle/>
           <a:p>
             <a:fld id="{D56EE7F1-171E-411F-96CA-A251A21496E7}" type="datetimeFigureOut">
-              <a:rPr lang="en-US" dirty="0"/>
-              <a:t>5/10/2018</a:t>
+              <a:rPr lang="en-US" smtClean="0"/>
+              <a:t>3/18/2019</a:t>
             </a:fld>
             <a:endParaRPr lang="en-US" dirty="0"/>
           </a:p>
@@ -2202,7 +2589,7 @@
           <a:lstStyle/>
           <a:p>
             <a:fld id="{4FAB73BC-B049-4115-A692-8D63A059BFB8}" type="slidenum">
-              <a:rPr lang="en-US" dirty="0"/>
+              <a:rPr lang="en-US" smtClean="0"/>
               <a:t>‹#›</a:t>
             </a:fld>
             <a:endParaRPr lang="en-US" dirty="0"/>
@@ -2210,6 +2597,11 @@
         </p:txBody>
       </p:sp>
     </p:spTree>
+    <p:extLst>
+      <p:ext uri="{BB962C8B-B14F-4D97-AF65-F5344CB8AC3E}">
+        <p14:creationId xmlns:p14="http://schemas.microsoft.com/office/powerpoint/2010/main" val="468153382"/>
+      </p:ext>
+    </p:extLst>
   </p:cSld>
   <p:clrMapOvr>
     <a:masterClrMapping/>
@@ -2236,7 +2628,7 @@
       </p:grpSpPr>
       <p:sp>
         <p:nvSpPr>
-          <p:cNvPr id="6" name="Title 5"/>
+          <p:cNvPr id="2" name="Title 1"/>
           <p:cNvSpPr>
             <a:spLocks noGrp="1"/>
           </p:cNvSpPr>
@@ -2250,7 +2642,7 @@
           <a:lstStyle/>
           <a:p>
             <a:r>
-              <a:rPr lang="en-US"/>
+              <a:rPr lang="en-US" smtClean="0"/>
               <a:t>Click to edit Master title style</a:t>
             </a:r>
             <a:endParaRPr lang="en-US" dirty="0"/>
@@ -2273,8 +2665,8 @@
           <a:lstStyle/>
           <a:p>
             <a:fld id="{8872C98D-A273-4547-9B92-97D7769F71A6}" type="datetimeFigureOut">
-              <a:rPr lang="en-US" dirty="0"/>
-              <a:t>5/10/2018</a:t>
+              <a:rPr lang="en-US" smtClean="0"/>
+              <a:t>3/18/2019</a:t>
             </a:fld>
             <a:endParaRPr lang="en-US" dirty="0"/>
           </a:p>
@@ -2315,7 +2707,7 @@
           <a:lstStyle/>
           <a:p>
             <a:fld id="{4FAB73BC-B049-4115-A692-8D63A059BFB8}" type="slidenum">
-              <a:rPr lang="en-US" dirty="0"/>
+              <a:rPr lang="en-US" smtClean="0"/>
               <a:t>‹#›</a:t>
             </a:fld>
             <a:endParaRPr lang="en-US" dirty="0"/>
@@ -2323,6 +2715,11 @@
         </p:txBody>
       </p:sp>
     </p:spTree>
+    <p:extLst>
+      <p:ext uri="{BB962C8B-B14F-4D97-AF65-F5344CB8AC3E}">
+        <p14:creationId xmlns:p14="http://schemas.microsoft.com/office/powerpoint/2010/main" val="2436050285"/>
+      </p:ext>
+    </p:extLst>
   </p:cSld>
   <p:clrMapOvr>
     <a:masterClrMapping/>
@@ -2363,8 +2760,8 @@
           <a:lstStyle/>
           <a:p>
             <a:fld id="{BAB7CD67-0644-446C-B2AD-1C09BF34F286}" type="datetimeFigureOut">
-              <a:rPr lang="en-US" dirty="0"/>
-              <a:t>5/10/2018</a:t>
+              <a:rPr lang="en-US" smtClean="0"/>
+              <a:t>3/18/2019</a:t>
             </a:fld>
             <a:endParaRPr lang="en-US" dirty="0"/>
           </a:p>
@@ -2405,7 +2802,7 @@
           <a:lstStyle/>
           <a:p>
             <a:fld id="{4FAB73BC-B049-4115-A692-8D63A059BFB8}" type="slidenum">
-              <a:rPr lang="en-US" dirty="0"/>
+              <a:rPr lang="en-US" smtClean="0"/>
               <a:t>‹#›</a:t>
             </a:fld>
             <a:endParaRPr lang="en-US" dirty="0"/>
@@ -2413,6 +2810,11 @@
         </p:txBody>
       </p:sp>
     </p:spTree>
+    <p:extLst>
+      <p:ext uri="{BB962C8B-B14F-4D97-AF65-F5344CB8AC3E}">
+        <p14:creationId xmlns:p14="http://schemas.microsoft.com/office/powerpoint/2010/main" val="3313467624"/>
+      </p:ext>
+    </p:extLst>
   </p:cSld>
   <p:clrMapOvr>
     <a:masterClrMapping/>
@@ -2421,7 +2823,7 @@
 </file>
 
 <file path=ppt/slideLayouts/slideLayout8.xml><?xml version="1.0" encoding="utf-8"?>
-<p:sldLayout xmlns:a="http://schemas.openxmlformats.org/drawingml/2006/main" xmlns:r="http://schemas.openxmlformats.org/officeDocument/2006/relationships" xmlns:p="http://schemas.openxmlformats.org/presentationml/2006/main" showMasterSp="0" type="objTx" preserve="1">
+<p:sldLayout xmlns:a="http://schemas.openxmlformats.org/drawingml/2006/main" xmlns:r="http://schemas.openxmlformats.org/officeDocument/2006/relationships" xmlns:p="http://schemas.openxmlformats.org/presentationml/2006/main" type="objTx" preserve="1">
   <p:cSld name="Content with Caption">
     <p:spTree>
       <p:nvGrpSpPr>
@@ -2439,89 +2841,35 @@
       </p:grpSpPr>
       <p:sp>
         <p:nvSpPr>
-          <p:cNvPr id="8" name="Rectangle 7"/>
-          <p:cNvSpPr/>
-          <p:nvPr/>
+          <p:cNvPr id="2" name="Title 1"/>
+          <p:cNvSpPr>
+            <a:spLocks noGrp="1"/>
+          </p:cNvSpPr>
+          <p:nvPr>
+            <p:ph type="title"/>
+          </p:nvPr>
         </p:nvSpPr>
         <p:spPr>
           <a:xfrm>
-            <a:off x="8303740" y="0"/>
-            <a:ext cx="3888259" cy="6857999"/>
-          </a:xfrm>
-          <a:prstGeom prst="rect">
-            <a:avLst/>
-          </a:prstGeom>
-          <a:blipFill dpi="0" rotWithShape="1">
-            <a:blip r:embed="rId2">
-              <a:alphaModFix amt="60000"/>
-              <a:lum bright="70000" contrast="-70000"/>
-              <a:extLst>
-                <a:ext uri="{BEBA8EAE-BF5A-486C-A8C5-ECC9F3942E4B}">
-                  <a14:imgProps xmlns:a14="http://schemas.microsoft.com/office/drawing/2010/main">
-                    <a14:imgLayer r:embed="rId3">
-                      <a14:imgEffect>
-                        <a14:sharpenSoften amount="61000"/>
-                      </a14:imgEffect>
-                    </a14:imgLayer>
-                  </a14:imgProps>
-                </a:ext>
-                <a:ext uri="{28A0092B-C50C-407E-A947-70E740481C1C}">
-                  <a14:useLocalDpi xmlns:a14="http://schemas.microsoft.com/office/drawing/2010/main" val="0"/>
-                </a:ext>
-              </a:extLst>
-            </a:blip>
-            <a:srcRect/>
-            <a:tile tx="0" ty="-704850" sx="92000" sy="89000" flip="xy" algn="ctr"/>
-          </a:blipFill>
-          <a:ln>
-            <a:noFill/>
-          </a:ln>
-        </p:spPr>
-        <p:style>
-          <a:lnRef idx="2">
-            <a:schemeClr val="accent1">
-              <a:shade val="50000"/>
-            </a:schemeClr>
-          </a:lnRef>
-          <a:fillRef idx="1">
-            <a:schemeClr val="accent1"/>
-          </a:fillRef>
-          <a:effectRef idx="0">
-            <a:schemeClr val="accent1"/>
-          </a:effectRef>
-          <a:fontRef idx="minor">
-            <a:schemeClr val="lt1"/>
-          </a:fontRef>
-        </p:style>
-      </p:sp>
-      <p:sp>
-        <p:nvSpPr>
-          <p:cNvPr id="2" name="Title 1"/>
-          <p:cNvSpPr>
-            <a:spLocks noGrp="1"/>
-          </p:cNvSpPr>
-          <p:nvPr>
-            <p:ph type="title"/>
-          </p:nvPr>
-        </p:nvSpPr>
-        <p:spPr>
-          <a:xfrm>
-            <a:off x="8549640" y="685800"/>
-            <a:ext cx="3200400" cy="1737360"/>
-          </a:xfrm>
-        </p:spPr>
-        <p:txBody>
-          <a:bodyPr anchor="b">
-            <a:normAutofit/>
+            <a:off x="762000" y="555479"/>
+            <a:ext cx="3838776" cy="1921022"/>
+          </a:xfrm>
+        </p:spPr>
+        <p:txBody>
+          <a:bodyPr anchor="t">
+            <a:noAutofit/>
           </a:bodyPr>
           <a:lstStyle>
             <a:lvl1pPr>
-              <a:defRPr sz="3200" b="1"/>
+              <a:lnSpc>
+                <a:spcPct val="93000"/>
+              </a:lnSpc>
+              <a:defRPr sz="4000"/>
             </a:lvl1pPr>
           </a:lstStyle>
           <a:p>
             <a:r>
-              <a:rPr lang="en-US"/>
+              <a:rPr lang="en-US" smtClean="0"/>
               <a:t>Click to edit Master title style</a:t>
             </a:r>
             <a:endParaRPr lang="en-US" dirty="0"/>
@@ -2540,73 +2888,88 @@
         </p:nvSpPr>
         <p:spPr>
           <a:xfrm>
-            <a:off x="838200" y="685800"/>
-            <a:ext cx="6711696" cy="5020056"/>
+            <a:off x="5181600" y="564147"/>
+            <a:ext cx="6248400" cy="5622644"/>
           </a:xfrm>
         </p:spPr>
         <p:txBody>
           <a:bodyPr/>
           <a:lstStyle>
             <a:lvl1pPr>
+              <a:lnSpc>
+                <a:spcPct val="112000"/>
+              </a:lnSpc>
               <a:defRPr sz="2000"/>
             </a:lvl1pPr>
             <a:lvl2pPr>
+              <a:lnSpc>
+                <a:spcPct val="112000"/>
+              </a:lnSpc>
               <a:defRPr sz="1800"/>
             </a:lvl2pPr>
             <a:lvl3pPr>
+              <a:lnSpc>
+                <a:spcPct val="112000"/>
+              </a:lnSpc>
               <a:defRPr sz="1600"/>
             </a:lvl3pPr>
             <a:lvl4pPr>
-              <a:defRPr sz="1600"/>
+              <a:lnSpc>
+                <a:spcPct val="112000"/>
+              </a:lnSpc>
+              <a:defRPr sz="1400"/>
             </a:lvl4pPr>
             <a:lvl5pPr>
-              <a:defRPr sz="1600"/>
+              <a:lnSpc>
+                <a:spcPct val="112000"/>
+              </a:lnSpc>
+              <a:defRPr sz="1400"/>
             </a:lvl5pPr>
             <a:lvl6pPr>
-              <a:defRPr sz="1600"/>
+              <a:defRPr sz="1400"/>
             </a:lvl6pPr>
             <a:lvl7pPr>
-              <a:defRPr sz="1600"/>
+              <a:defRPr sz="1400"/>
             </a:lvl7pPr>
             <a:lvl8pPr>
-              <a:defRPr sz="1600"/>
+              <a:defRPr sz="1400"/>
             </a:lvl8pPr>
             <a:lvl9pPr>
-              <a:defRPr sz="1600"/>
+              <a:defRPr sz="1400"/>
             </a:lvl9pPr>
           </a:lstStyle>
           <a:p>
             <a:pPr lvl="0"/>
             <a:r>
-              <a:rPr lang="en-US"/>
-              <a:t>Edit Master text styles</a:t>
+              <a:rPr lang="en-US" smtClean="0"/>
+              <a:t>Click to edit Master text styles</a:t>
             </a:r>
           </a:p>
           <a:p>
             <a:pPr lvl="1"/>
             <a:r>
-              <a:rPr lang="en-US"/>
+              <a:rPr lang="en-US" smtClean="0"/>
               <a:t>Second level</a:t>
             </a:r>
           </a:p>
           <a:p>
             <a:pPr lvl="2"/>
             <a:r>
-              <a:rPr lang="en-US"/>
+              <a:rPr lang="en-US" smtClean="0"/>
               <a:t>Third level</a:t>
             </a:r>
           </a:p>
           <a:p>
             <a:pPr lvl="3"/>
             <a:r>
-              <a:rPr lang="en-US"/>
+              <a:rPr lang="en-US" smtClean="0"/>
               <a:t>Fourth level</a:t>
             </a:r>
           </a:p>
           <a:p>
             <a:pPr lvl="4"/>
             <a:r>
-              <a:rPr lang="en-US"/>
+              <a:rPr lang="en-US" smtClean="0"/>
               <a:t>Fifth level</a:t>
             </a:r>
             <a:endParaRPr lang="en-US" dirty="0"/>
@@ -2625,69 +2988,58 @@
         </p:nvSpPr>
         <p:spPr>
           <a:xfrm>
-            <a:off x="8549640" y="2423160"/>
-            <a:ext cx="3200400" cy="3291840"/>
-          </a:xfrm>
-        </p:spPr>
-        <p:txBody>
-          <a:bodyPr>
-            <a:normAutofit/>
-          </a:bodyPr>
+            <a:off x="762000" y="2621512"/>
+            <a:ext cx="3838776" cy="3239537"/>
+          </a:xfrm>
+        </p:spPr>
+        <p:txBody>
+          <a:bodyPr/>
           <a:lstStyle>
-            <a:lvl1pPr marL="0" indent="0">
+            <a:lvl1pPr marL="0" indent="0" algn="r">
               <a:lnSpc>
-                <a:spcPct val="100000"/>
+                <a:spcPct val="125000"/>
               </a:lnSpc>
-              <a:spcBef>
-                <a:spcPts val="1000"/>
-              </a:spcBef>
               <a:buNone/>
-              <a:defRPr sz="1400">
-                <a:solidFill>
-                  <a:schemeClr val="accent1">
-                    <a:lumMod val="50000"/>
-                  </a:schemeClr>
-                </a:solidFill>
-              </a:defRPr>
+              <a:defRPr sz="1600"/>
             </a:lvl1pPr>
             <a:lvl2pPr marL="457200" indent="0">
               <a:buNone/>
-              <a:defRPr sz="1200"/>
+              <a:defRPr sz="1400"/>
             </a:lvl2pPr>
             <a:lvl3pPr marL="914400" indent="0">
               <a:buNone/>
-              <a:defRPr sz="1000"/>
+              <a:defRPr sz="1200"/>
             </a:lvl3pPr>
             <a:lvl4pPr marL="1371600" indent="0">
               <a:buNone/>
-              <a:defRPr sz="900"/>
+              <a:defRPr sz="1000"/>
             </a:lvl4pPr>
             <a:lvl5pPr marL="1828800" indent="0">
               <a:buNone/>
-              <a:defRPr sz="900"/>
+              <a:defRPr sz="1000"/>
             </a:lvl5pPr>
             <a:lvl6pPr marL="2286000" indent="0">
               <a:buNone/>
-              <a:defRPr sz="900"/>
+              <a:defRPr sz="1000"/>
             </a:lvl6pPr>
             <a:lvl7pPr marL="2743200" indent="0">
               <a:buNone/>
-              <a:defRPr sz="900"/>
+              <a:defRPr sz="1000"/>
             </a:lvl7pPr>
             <a:lvl8pPr marL="3200400" indent="0">
               <a:buNone/>
-              <a:defRPr sz="900"/>
+              <a:defRPr sz="1000"/>
             </a:lvl8pPr>
             <a:lvl9pPr marL="3657600" indent="0">
               <a:buNone/>
-              <a:defRPr sz="900"/>
+              <a:defRPr sz="1000"/>
             </a:lvl9pPr>
           </a:lstStyle>
           <a:p>
             <a:pPr lvl="0"/>
             <a:r>
-              <a:rPr lang="en-US"/>
-              <a:t>Edit Master text styles</a:t>
+              <a:rPr lang="en-US" smtClean="0"/>
+              <a:t>Click to edit Master text styles</a:t>
             </a:r>
           </a:p>
         </p:txBody>
@@ -2708,8 +3060,8 @@
           <a:lstStyle/>
           <a:p>
             <a:fld id="{81480828-6983-48AD-9E27-CBD3696F837E}" type="datetimeFigureOut">
-              <a:rPr lang="en-US" dirty="0"/>
-              <a:t>5/10/2018</a:t>
+              <a:rPr lang="en-US" smtClean="0"/>
+              <a:t>3/18/2019</a:t>
             </a:fld>
             <a:endParaRPr lang="en-US" dirty="0"/>
           </a:p>
@@ -2734,95 +3086,6 @@
           </a:p>
         </p:txBody>
       </p:sp>
-      <p:grpSp>
-        <p:nvGrpSpPr>
-          <p:cNvPr id="9" name="Group 8"/>
-          <p:cNvGrpSpPr>
-            <a:grpSpLocks noChangeAspect="1"/>
-          </p:cNvGrpSpPr>
-          <p:nvPr/>
-        </p:nvGrpSpPr>
-        <p:grpSpPr>
-          <a:xfrm>
-            <a:off x="11401725" y="6229681"/>
-            <a:ext cx="457200" cy="457200"/>
-            <a:chOff x="11361456" y="6195813"/>
-            <a:chExt cx="548640" cy="548640"/>
-          </a:xfrm>
-        </p:grpSpPr>
-        <p:sp>
-          <p:nvSpPr>
-            <p:cNvPr id="10" name="Oval 9"/>
-            <p:cNvSpPr/>
-            <p:nvPr/>
-          </p:nvSpPr>
-          <p:spPr>
-            <a:xfrm>
-              <a:off x="11361456" y="6195813"/>
-              <a:ext cx="548640" cy="548640"/>
-            </a:xfrm>
-            <a:prstGeom prst="ellipse">
-              <a:avLst/>
-            </a:prstGeom>
-            <a:blipFill dpi="0" rotWithShape="1">
-              <a:blip r:embed="rId4">
-                <a:duotone>
-                  <a:schemeClr val="accent1">
-                    <a:shade val="45000"/>
-                    <a:satMod val="135000"/>
-                  </a:schemeClr>
-                  <a:prstClr val="white"/>
-                </a:duotone>
-                <a:extLst>
-                  <a:ext uri="{BEBA8EAE-BF5A-486C-A8C5-ECC9F3942E4B}">
-                    <a14:imgProps xmlns:a14="http://schemas.microsoft.com/office/drawing/2010/main">
-                      <a14:imgLayer r:embed="rId5">
-                        <a14:imgEffect>
-                          <a14:saturation sat="95000"/>
-                        </a14:imgEffect>
-                        <a14:imgEffect>
-                          <a14:brightnessContrast bright="-40000" contrast="20000"/>
-                        </a14:imgEffect>
-                      </a14:imgLayer>
-                    </a14:imgProps>
-                  </a:ext>
-                </a:extLst>
-              </a:blip>
-              <a:srcRect/>
-              <a:tile tx="50800" ty="0" sx="85000" sy="85000" flip="none" algn="tl"/>
-            </a:blipFill>
-            <a:ln w="25400" cap="flat" cmpd="sng" algn="ctr">
-              <a:noFill/>
-              <a:prstDash val="solid"/>
-            </a:ln>
-            <a:effectLst/>
-          </p:spPr>
-        </p:sp>
-        <p:sp>
-          <p:nvSpPr>
-            <p:cNvPr id="11" name="Oval 10"/>
-            <p:cNvSpPr/>
-            <p:nvPr/>
-          </p:nvSpPr>
-          <p:spPr>
-            <a:xfrm>
-              <a:off x="11396488" y="6230844"/>
-              <a:ext cx="478576" cy="478578"/>
-            </a:xfrm>
-            <a:prstGeom prst="ellipse">
-              <a:avLst/>
-            </a:prstGeom>
-            <a:noFill/>
-            <a:ln w="12700" cap="flat" cmpd="sng" algn="ctr">
-              <a:solidFill>
-                <a:sysClr val="window" lastClr="FFFFFF"/>
-              </a:solidFill>
-              <a:prstDash val="solid"/>
-            </a:ln>
-            <a:effectLst/>
-          </p:spPr>
-        </p:sp>
-      </p:grpSp>
       <p:sp>
         <p:nvSpPr>
           <p:cNvPr id="7" name="Slide Number Placeholder 6"/>
@@ -2839,7 +3102,7 @@
           <a:lstStyle/>
           <a:p>
             <a:fld id="{4FAB73BC-B049-4115-A692-8D63A059BFB8}" type="slidenum">
-              <a:rPr lang="en-US" dirty="0"/>
+              <a:rPr lang="en-US" smtClean="0"/>
               <a:t>‹#›</a:t>
             </a:fld>
             <a:endParaRPr lang="en-US" dirty="0"/>
@@ -2847,6 +3110,11 @@
         </p:txBody>
       </p:sp>
     </p:spTree>
+    <p:extLst>
+      <p:ext uri="{BB962C8B-B14F-4D97-AF65-F5344CB8AC3E}">
+        <p14:creationId xmlns:p14="http://schemas.microsoft.com/office/powerpoint/2010/main" val="3346368581"/>
+      </p:ext>
+    </p:extLst>
   </p:cSld>
   <p:clrMapOvr>
     <a:masterClrMapping/>
@@ -2855,7 +3123,7 @@
 </file>
 
 <file path=ppt/slideLayouts/slideLayout9.xml><?xml version="1.0" encoding="utf-8"?>
-<p:sldLayout xmlns:a="http://schemas.openxmlformats.org/drawingml/2006/main" xmlns:r="http://schemas.openxmlformats.org/officeDocument/2006/relationships" xmlns:p="http://schemas.openxmlformats.org/presentationml/2006/main" showMasterSp="0" type="picTx" preserve="1">
+<p:sldLayout xmlns:a="http://schemas.openxmlformats.org/drawingml/2006/main" xmlns:r="http://schemas.openxmlformats.org/officeDocument/2006/relationships" xmlns:p="http://schemas.openxmlformats.org/presentationml/2006/main" type="picTx" preserve="1">
   <p:cSld name="Picture with Caption">
     <p:spTree>
       <p:nvGrpSpPr>
@@ -2873,89 +3141,35 @@
       </p:grpSpPr>
       <p:sp>
         <p:nvSpPr>
-          <p:cNvPr id="11" name="Rectangle 10"/>
-          <p:cNvSpPr/>
-          <p:nvPr/>
+          <p:cNvPr id="2" name="Title 1"/>
+          <p:cNvSpPr>
+            <a:spLocks noGrp="1"/>
+          </p:cNvSpPr>
+          <p:nvPr>
+            <p:ph type="title"/>
+          </p:nvPr>
         </p:nvSpPr>
         <p:spPr>
           <a:xfrm>
-            <a:off x="8303740" y="0"/>
-            <a:ext cx="3888259" cy="6857999"/>
-          </a:xfrm>
-          <a:prstGeom prst="rect">
-            <a:avLst/>
-          </a:prstGeom>
-          <a:blipFill dpi="0" rotWithShape="1">
-            <a:blip r:embed="rId2">
-              <a:alphaModFix amt="60000"/>
-              <a:lum bright="70000" contrast="-70000"/>
-              <a:extLst>
-                <a:ext uri="{BEBA8EAE-BF5A-486C-A8C5-ECC9F3942E4B}">
-                  <a14:imgProps xmlns:a14="http://schemas.microsoft.com/office/drawing/2010/main">
-                    <a14:imgLayer r:embed="rId3">
-                      <a14:imgEffect>
-                        <a14:sharpenSoften amount="61000"/>
-                      </a14:imgEffect>
-                    </a14:imgLayer>
-                  </a14:imgProps>
-                </a:ext>
-                <a:ext uri="{28A0092B-C50C-407E-A947-70E740481C1C}">
-                  <a14:useLocalDpi xmlns:a14="http://schemas.microsoft.com/office/drawing/2010/main" val="0"/>
-                </a:ext>
-              </a:extLst>
-            </a:blip>
-            <a:srcRect/>
-            <a:tile tx="0" ty="-704850" sx="92000" sy="89000" flip="xy" algn="ctr"/>
-          </a:blipFill>
-          <a:ln>
-            <a:noFill/>
-          </a:ln>
-        </p:spPr>
-        <p:style>
-          <a:lnRef idx="2">
-            <a:schemeClr val="accent1">
-              <a:shade val="50000"/>
-            </a:schemeClr>
-          </a:lnRef>
-          <a:fillRef idx="1">
-            <a:schemeClr val="accent1"/>
-          </a:fillRef>
-          <a:effectRef idx="0">
-            <a:schemeClr val="accent1"/>
-          </a:effectRef>
-          <a:fontRef idx="minor">
-            <a:schemeClr val="lt1"/>
-          </a:fontRef>
-        </p:style>
-      </p:sp>
-      <p:sp>
-        <p:nvSpPr>
-          <p:cNvPr id="2" name="Title 1"/>
-          <p:cNvSpPr>
-            <a:spLocks noGrp="1"/>
-          </p:cNvSpPr>
-          <p:nvPr>
-            <p:ph type="title"/>
-          </p:nvPr>
-        </p:nvSpPr>
-        <p:spPr>
-          <a:xfrm>
-            <a:off x="8549640" y="685800"/>
-            <a:ext cx="3200400" cy="1737360"/>
-          </a:xfrm>
-        </p:spPr>
-        <p:txBody>
-          <a:bodyPr anchor="b">
-            <a:normAutofit/>
+            <a:off x="758952" y="557261"/>
+            <a:ext cx="3840480" cy="1919239"/>
+          </a:xfrm>
+        </p:spPr>
+        <p:txBody>
+          <a:bodyPr anchor="t">
+            <a:noAutofit/>
           </a:bodyPr>
           <a:lstStyle>
             <a:lvl1pPr>
-              <a:defRPr sz="3200" b="1"/>
+              <a:lnSpc>
+                <a:spcPct val="93000"/>
+              </a:lnSpc>
+              <a:defRPr sz="4000" baseline="0"/>
             </a:lvl1pPr>
           </a:lstStyle>
           <a:p>
             <a:r>
-              <a:rPr lang="en-US"/>
+              <a:rPr lang="en-US" smtClean="0"/>
               <a:t>Click to edit Master title style</a:t>
             </a:r>
             <a:endParaRPr lang="en-US" dirty="0"/>
@@ -2974,15 +3188,9 @@
         </p:nvSpPr>
         <p:spPr>
           <a:xfrm>
-            <a:off x="0" y="0"/>
-            <a:ext cx="8303740" cy="6858000"/>
-          </a:xfrm>
-          <a:solidFill>
-            <a:schemeClr val="tx2">
-              <a:lumMod val="20000"/>
-              <a:lumOff val="80000"/>
-            </a:schemeClr>
-          </a:solidFill>
+            <a:off x="5257800" y="0"/>
+            <a:ext cx="6172200" cy="6857999"/>
+          </a:xfrm>
         </p:spPr>
         <p:txBody>
           <a:bodyPr anchor="t"/>
@@ -3026,7 +3234,7 @@
           </a:lstStyle>
           <a:p>
             <a:r>
-              <a:rPr lang="en-US"/>
+              <a:rPr lang="en-US" smtClean="0"/>
               <a:t>Click icon to add picture</a:t>
             </a:r>
             <a:endParaRPr lang="en-US" dirty="0"/>
@@ -3045,69 +3253,58 @@
         </p:nvSpPr>
         <p:spPr>
           <a:xfrm>
-            <a:off x="8549640" y="2423160"/>
-            <a:ext cx="3200400" cy="3291840"/>
-          </a:xfrm>
-        </p:spPr>
-        <p:txBody>
-          <a:bodyPr>
-            <a:normAutofit/>
-          </a:bodyPr>
+            <a:off x="758952" y="2621512"/>
+            <a:ext cx="3840480" cy="3236976"/>
+          </a:xfrm>
+        </p:spPr>
+        <p:txBody>
+          <a:bodyPr/>
           <a:lstStyle>
-            <a:lvl1pPr marL="0" indent="0">
+            <a:lvl1pPr marL="0" indent="0" algn="r">
               <a:lnSpc>
-                <a:spcPct val="100000"/>
+                <a:spcPct val="125000"/>
               </a:lnSpc>
-              <a:spcBef>
-                <a:spcPts val="1000"/>
-              </a:spcBef>
               <a:buNone/>
-              <a:defRPr sz="1400">
-                <a:solidFill>
-                  <a:schemeClr val="accent1">
-                    <a:lumMod val="50000"/>
-                  </a:schemeClr>
-                </a:solidFill>
-              </a:defRPr>
+              <a:defRPr sz="1600"/>
             </a:lvl1pPr>
             <a:lvl2pPr marL="457200" indent="0">
               <a:buNone/>
-              <a:defRPr sz="1200"/>
+              <a:defRPr sz="1400"/>
             </a:lvl2pPr>
             <a:lvl3pPr marL="914400" indent="0">
               <a:buNone/>
-              <a:defRPr sz="1000"/>
+              <a:defRPr sz="1200"/>
             </a:lvl3pPr>
             <a:lvl4pPr marL="1371600" indent="0">
               <a:buNone/>
-              <a:defRPr sz="900"/>
+              <a:defRPr sz="1000"/>
             </a:lvl4pPr>
             <a:lvl5pPr marL="1828800" indent="0">
               <a:buNone/>
-              <a:defRPr sz="900"/>
+              <a:defRPr sz="1000"/>
             </a:lvl5pPr>
             <a:lvl6pPr marL="2286000" indent="0">
               <a:buNone/>
-              <a:defRPr sz="900"/>
+              <a:defRPr sz="1000"/>
             </a:lvl6pPr>
             <a:lvl7pPr marL="2743200" indent="0">
               <a:buNone/>
-              <a:defRPr sz="900"/>
+              <a:defRPr sz="1000"/>
             </a:lvl7pPr>
             <a:lvl8pPr marL="3200400" indent="0">
               <a:buNone/>
-              <a:defRPr sz="900"/>
+              <a:defRPr sz="1000"/>
             </a:lvl8pPr>
             <a:lvl9pPr marL="3657600" indent="0">
               <a:buNone/>
-              <a:defRPr sz="900"/>
+              <a:defRPr sz="1000"/>
             </a:lvl9pPr>
           </a:lstStyle>
           <a:p>
             <a:pPr lvl="0"/>
             <a:r>
-              <a:rPr lang="en-US"/>
-              <a:t>Edit Master text styles</a:t>
+              <a:rPr lang="en-US" smtClean="0"/>
+              <a:t>Click to edit Master text styles</a:t>
             </a:r>
           </a:p>
         </p:txBody>
@@ -3128,102 +3325,32 @@
           <a:lstStyle/>
           <a:p>
             <a:fld id="{2C5EFB91-0324-450E-B17F-36DC0ECCE413}" type="datetimeFigureOut">
-              <a:rPr lang="en-US" dirty="0"/>
-              <a:t>5/10/2018</a:t>
+              <a:rPr lang="en-US" smtClean="0"/>
+              <a:t>3/18/2019</a:t>
             </a:fld>
             <a:endParaRPr lang="en-US" dirty="0"/>
           </a:p>
         </p:txBody>
       </p:sp>
-      <p:grpSp>
-        <p:nvGrpSpPr>
-          <p:cNvPr id="8" name="Group 7"/>
-          <p:cNvGrpSpPr>
-            <a:grpSpLocks noChangeAspect="1"/>
-          </p:cNvGrpSpPr>
-          <p:nvPr/>
-        </p:nvGrpSpPr>
-        <p:grpSpPr>
-          <a:xfrm>
-            <a:off x="11401725" y="6229681"/>
-            <a:ext cx="457200" cy="457200"/>
-            <a:chOff x="11361456" y="6195813"/>
-            <a:chExt cx="548640" cy="548640"/>
-          </a:xfrm>
-        </p:grpSpPr>
-        <p:sp>
-          <p:nvSpPr>
-            <p:cNvPr id="9" name="Oval 8"/>
-            <p:cNvSpPr/>
-            <p:nvPr/>
-          </p:nvSpPr>
-          <p:spPr>
-            <a:xfrm>
-              <a:off x="11361456" y="6195813"/>
-              <a:ext cx="548640" cy="548640"/>
-            </a:xfrm>
-            <a:prstGeom prst="ellipse">
-              <a:avLst/>
-            </a:prstGeom>
-            <a:blipFill dpi="0" rotWithShape="1">
-              <a:blip r:embed="rId4">
-                <a:duotone>
-                  <a:schemeClr val="accent1">
-                    <a:shade val="45000"/>
-                    <a:satMod val="135000"/>
-                  </a:schemeClr>
-                  <a:prstClr val="white"/>
-                </a:duotone>
-                <a:extLst>
-                  <a:ext uri="{BEBA8EAE-BF5A-486C-A8C5-ECC9F3942E4B}">
-                    <a14:imgProps xmlns:a14="http://schemas.microsoft.com/office/drawing/2010/main">
-                      <a14:imgLayer r:embed="rId5">
-                        <a14:imgEffect>
-                          <a14:saturation sat="95000"/>
-                        </a14:imgEffect>
-                        <a14:imgEffect>
-                          <a14:brightnessContrast bright="-40000" contrast="20000"/>
-                        </a14:imgEffect>
-                      </a14:imgLayer>
-                    </a14:imgProps>
-                  </a:ext>
-                </a:extLst>
-              </a:blip>
-              <a:srcRect/>
-              <a:tile tx="50800" ty="0" sx="85000" sy="85000" flip="none" algn="tl"/>
-            </a:blipFill>
-            <a:ln w="25400" cap="flat" cmpd="sng" algn="ctr">
-              <a:noFill/>
-              <a:prstDash val="solid"/>
-            </a:ln>
-            <a:effectLst/>
-          </p:spPr>
-        </p:sp>
-        <p:sp>
-          <p:nvSpPr>
-            <p:cNvPr id="10" name="Oval 9"/>
-            <p:cNvSpPr/>
-            <p:nvPr/>
-          </p:nvSpPr>
-          <p:spPr>
-            <a:xfrm>
-              <a:off x="11396488" y="6230844"/>
-              <a:ext cx="478576" cy="478578"/>
-            </a:xfrm>
-            <a:prstGeom prst="ellipse">
-              <a:avLst/>
-            </a:prstGeom>
-            <a:noFill/>
-            <a:ln w="12700" cap="flat" cmpd="sng" algn="ctr">
-              <a:solidFill>
-                <a:sysClr val="window" lastClr="FFFFFF"/>
-              </a:solidFill>
-              <a:prstDash val="solid"/>
-            </a:ln>
-            <a:effectLst/>
-          </p:spPr>
-        </p:sp>
-      </p:grpSp>
+      <p:sp>
+        <p:nvSpPr>
+          <p:cNvPr id="6" name="Footer Placeholder 5"/>
+          <p:cNvSpPr>
+            <a:spLocks noGrp="1"/>
+          </p:cNvSpPr>
+          <p:nvPr>
+            <p:ph type="ftr" sz="quarter" idx="11"/>
+          </p:nvPr>
+        </p:nvSpPr>
+        <p:spPr/>
+        <p:txBody>
+          <a:bodyPr/>
+          <a:lstStyle/>
+          <a:p>
+            <a:endParaRPr lang="en-US" dirty="0"/>
+          </a:p>
+        </p:txBody>
+      </p:sp>
       <p:sp>
         <p:nvSpPr>
           <p:cNvPr id="7" name="Slide Number Placeholder 6"/>
@@ -3240,7 +3367,7 @@
           <a:lstStyle/>
           <a:p>
             <a:fld id="{4FAB73BC-B049-4115-A692-8D63A059BFB8}" type="slidenum">
-              <a:rPr lang="en-US" dirty="0"/>
+              <a:rPr lang="en-US" smtClean="0"/>
               <a:t>‹#›</a:t>
             </a:fld>
             <a:endParaRPr lang="en-US" dirty="0"/>
@@ -3248,6 +3375,11 @@
         </p:txBody>
       </p:sp>
     </p:spTree>
+    <p:extLst>
+      <p:ext uri="{BB962C8B-B14F-4D97-AF65-F5344CB8AC3E}">
+        <p14:creationId xmlns:p14="http://schemas.microsoft.com/office/powerpoint/2010/main" val="3206368050"/>
+      </p:ext>
+    </p:extLst>
   </p:cSld>
   <p:clrMapOvr>
     <a:masterClrMapping/>
@@ -3259,9 +3391,12 @@
 <p:sldMaster xmlns:a="http://schemas.openxmlformats.org/drawingml/2006/main" xmlns:r="http://schemas.openxmlformats.org/officeDocument/2006/relationships" xmlns:p="http://schemas.openxmlformats.org/presentationml/2006/main">
   <p:cSld>
     <p:bg>
-      <p:bgRef idx="1001">
-        <a:schemeClr val="bg1"/>
-      </p:bgRef>
+      <p:bgPr>
+        <a:solidFill>
+          <a:schemeClr val="bg2"/>
+        </a:solidFill>
+        <a:effectLst/>
+      </p:bgPr>
     </p:bg>
     <p:spTree>
       <p:nvGrpSpPr>
@@ -3279,6 +3414,206 @@
       </p:grpSpPr>
       <p:sp>
         <p:nvSpPr>
+          <p:cNvPr id="20" name="Freeform 6" title="Page Number Shape"/>
+          <p:cNvSpPr/>
+          <p:nvPr/>
+        </p:nvSpPr>
+        <p:spPr bwMode="auto">
+          <a:xfrm>
+            <a:off x="11784011" y="5380580"/>
+            <a:ext cx="407988" cy="819150"/>
+          </a:xfrm>
+          <a:custGeom>
+            <a:avLst/>
+            <a:gdLst/>
+            <a:ahLst/>
+            <a:cxnLst/>
+            <a:rect l="0" t="0" r="r" b="b"/>
+            <a:pathLst>
+              <a:path w="1799" h="3612">
+                <a:moveTo>
+                  <a:pt x="1799" y="0"/>
+                </a:moveTo>
+                <a:lnTo>
+                  <a:pt x="1799" y="3612"/>
+                </a:lnTo>
+                <a:lnTo>
+                  <a:pt x="1686" y="3609"/>
+                </a:lnTo>
+                <a:lnTo>
+                  <a:pt x="1574" y="3598"/>
+                </a:lnTo>
+                <a:lnTo>
+                  <a:pt x="1464" y="3581"/>
+                </a:lnTo>
+                <a:lnTo>
+                  <a:pt x="1357" y="3557"/>
+                </a:lnTo>
+                <a:lnTo>
+                  <a:pt x="1251" y="3527"/>
+                </a:lnTo>
+                <a:lnTo>
+                  <a:pt x="1150" y="3490"/>
+                </a:lnTo>
+                <a:lnTo>
+                  <a:pt x="1050" y="3448"/>
+                </a:lnTo>
+                <a:lnTo>
+                  <a:pt x="953" y="3401"/>
+                </a:lnTo>
+                <a:lnTo>
+                  <a:pt x="860" y="3347"/>
+                </a:lnTo>
+                <a:lnTo>
+                  <a:pt x="771" y="3289"/>
+                </a:lnTo>
+                <a:lnTo>
+                  <a:pt x="686" y="3224"/>
+                </a:lnTo>
+                <a:lnTo>
+                  <a:pt x="604" y="3156"/>
+                </a:lnTo>
+                <a:lnTo>
+                  <a:pt x="527" y="3083"/>
+                </a:lnTo>
+                <a:lnTo>
+                  <a:pt x="454" y="3005"/>
+                </a:lnTo>
+                <a:lnTo>
+                  <a:pt x="386" y="2923"/>
+                </a:lnTo>
+                <a:lnTo>
+                  <a:pt x="323" y="2838"/>
+                </a:lnTo>
+                <a:lnTo>
+                  <a:pt x="265" y="2748"/>
+                </a:lnTo>
+                <a:lnTo>
+                  <a:pt x="211" y="2655"/>
+                </a:lnTo>
+                <a:lnTo>
+                  <a:pt x="163" y="2559"/>
+                </a:lnTo>
+                <a:lnTo>
+                  <a:pt x="121" y="2459"/>
+                </a:lnTo>
+                <a:lnTo>
+                  <a:pt x="85" y="2356"/>
+                </a:lnTo>
+                <a:lnTo>
+                  <a:pt x="55" y="2251"/>
+                </a:lnTo>
+                <a:lnTo>
+                  <a:pt x="32" y="2143"/>
+                </a:lnTo>
+                <a:lnTo>
+                  <a:pt x="14" y="2033"/>
+                </a:lnTo>
+                <a:lnTo>
+                  <a:pt x="4" y="1920"/>
+                </a:lnTo>
+                <a:lnTo>
+                  <a:pt x="0" y="1806"/>
+                </a:lnTo>
+                <a:lnTo>
+                  <a:pt x="4" y="1692"/>
+                </a:lnTo>
+                <a:lnTo>
+                  <a:pt x="14" y="1580"/>
+                </a:lnTo>
+                <a:lnTo>
+                  <a:pt x="32" y="1469"/>
+                </a:lnTo>
+                <a:lnTo>
+                  <a:pt x="55" y="1362"/>
+                </a:lnTo>
+                <a:lnTo>
+                  <a:pt x="85" y="1256"/>
+                </a:lnTo>
+                <a:lnTo>
+                  <a:pt x="121" y="1154"/>
+                </a:lnTo>
+                <a:lnTo>
+                  <a:pt x="163" y="1054"/>
+                </a:lnTo>
+                <a:lnTo>
+                  <a:pt x="211" y="958"/>
+                </a:lnTo>
+                <a:lnTo>
+                  <a:pt x="265" y="864"/>
+                </a:lnTo>
+                <a:lnTo>
+                  <a:pt x="323" y="774"/>
+                </a:lnTo>
+                <a:lnTo>
+                  <a:pt x="386" y="689"/>
+                </a:lnTo>
+                <a:lnTo>
+                  <a:pt x="454" y="607"/>
+                </a:lnTo>
+                <a:lnTo>
+                  <a:pt x="527" y="529"/>
+                </a:lnTo>
+                <a:lnTo>
+                  <a:pt x="604" y="456"/>
+                </a:lnTo>
+                <a:lnTo>
+                  <a:pt x="686" y="388"/>
+                </a:lnTo>
+                <a:lnTo>
+                  <a:pt x="771" y="325"/>
+                </a:lnTo>
+                <a:lnTo>
+                  <a:pt x="860" y="266"/>
+                </a:lnTo>
+                <a:lnTo>
+                  <a:pt x="953" y="212"/>
+                </a:lnTo>
+                <a:lnTo>
+                  <a:pt x="1050" y="164"/>
+                </a:lnTo>
+                <a:lnTo>
+                  <a:pt x="1150" y="122"/>
+                </a:lnTo>
+                <a:lnTo>
+                  <a:pt x="1251" y="85"/>
+                </a:lnTo>
+                <a:lnTo>
+                  <a:pt x="1357" y="55"/>
+                </a:lnTo>
+                <a:lnTo>
+                  <a:pt x="1464" y="32"/>
+                </a:lnTo>
+                <a:lnTo>
+                  <a:pt x="1574" y="14"/>
+                </a:lnTo>
+                <a:lnTo>
+                  <a:pt x="1686" y="5"/>
+                </a:lnTo>
+                <a:lnTo>
+                  <a:pt x="1799" y="0"/>
+                </a:lnTo>
+                <a:close/>
+              </a:path>
+            </a:pathLst>
+          </a:custGeom>
+          <a:solidFill>
+            <a:schemeClr val="tx1">
+              <a:lumMod val="85000"/>
+              <a:lumOff val="15000"/>
+            </a:schemeClr>
+          </a:solidFill>
+          <a:ln w="0">
+            <a:noFill/>
+            <a:prstDash val="solid"/>
+            <a:round/>
+            <a:headEnd/>
+            <a:tailEnd/>
+          </a:ln>
+        </p:spPr>
+      </p:sp>
+      <p:sp>
+        <p:nvSpPr>
           <p:cNvPr id="2" name="Title Placeholder 1"/>
           <p:cNvSpPr>
             <a:spLocks noGrp="1"/>
@@ -3289,21 +3624,21 @@
         </p:nvSpPr>
         <p:spPr>
           <a:xfrm>
-            <a:off x="1069848" y="484632"/>
-            <a:ext cx="10058400" cy="1609344"/>
+            <a:off x="762000" y="559678"/>
+            <a:ext cx="3833906" cy="4952492"/>
           </a:xfrm>
           <a:prstGeom prst="rect">
             <a:avLst/>
           </a:prstGeom>
         </p:spPr>
         <p:txBody>
-          <a:bodyPr vert="horz" lIns="91440" tIns="45720" rIns="91440" bIns="45720" rtlCol="0" anchor="ctr">
+          <a:bodyPr vert="horz" lIns="91440" tIns="45720" rIns="91440" bIns="45720" rtlCol="0" anchor="t">
             <a:normAutofit/>
           </a:bodyPr>
           <a:lstStyle/>
           <a:p>
             <a:r>
-              <a:rPr lang="en-US"/>
+              <a:rPr lang="en-US" smtClean="0"/>
               <a:t>Click to edit Master title style</a:t>
             </a:r>
             <a:endParaRPr lang="en-US" dirty="0"/>
@@ -3322,8 +3657,8 @@
         </p:nvSpPr>
         <p:spPr>
           <a:xfrm>
-            <a:off x="1069848" y="2121408"/>
-            <a:ext cx="10058400" cy="4050792"/>
+            <a:off x="5181600" y="569066"/>
+            <a:ext cx="6248398" cy="5655156"/>
           </a:xfrm>
           <a:prstGeom prst="rect">
             <a:avLst/>
@@ -3337,35 +3672,35 @@
           <a:p>
             <a:pPr lvl="0"/>
             <a:r>
-              <a:rPr lang="en-US"/>
-              <a:t>Edit Master text styles</a:t>
+              <a:rPr lang="en-US" smtClean="0"/>
+              <a:t>Click to edit Master text styles</a:t>
             </a:r>
           </a:p>
           <a:p>
             <a:pPr lvl="1"/>
             <a:r>
-              <a:rPr lang="en-US"/>
+              <a:rPr lang="en-US" smtClean="0"/>
               <a:t>Second level</a:t>
             </a:r>
           </a:p>
           <a:p>
             <a:pPr lvl="2"/>
             <a:r>
-              <a:rPr lang="en-US"/>
+              <a:rPr lang="en-US" smtClean="0"/>
               <a:t>Third level</a:t>
             </a:r>
           </a:p>
           <a:p>
             <a:pPr lvl="3"/>
             <a:r>
-              <a:rPr lang="en-US"/>
+              <a:rPr lang="en-US" smtClean="0"/>
               <a:t>Fourth level</a:t>
             </a:r>
           </a:p>
           <a:p>
             <a:pPr lvl="4"/>
             <a:r>
-              <a:rPr lang="en-US"/>
+              <a:rPr lang="en-US" smtClean="0"/>
               <a:t>Fifth level</a:t>
             </a:r>
             <a:endParaRPr lang="en-US" dirty="0"/>
@@ -3384,191 +3719,110 @@
         </p:nvSpPr>
         <p:spPr>
           <a:xfrm>
-            <a:off x="7964424" y="6272784"/>
-            <a:ext cx="3273552" cy="365125"/>
+            <a:off x="762001" y="5930060"/>
+            <a:ext cx="3814856" cy="365125"/>
           </a:xfrm>
           <a:prstGeom prst="rect">
             <a:avLst/>
           </a:prstGeom>
         </p:spPr>
         <p:txBody>
+          <a:bodyPr vert="horz" lIns="91440" tIns="45720" rIns="91440" bIns="45720" rtlCol="0" anchor="t"/>
+          <a:lstStyle>
+            <a:lvl1pPr algn="r">
+              <a:defRPr sz="1000" b="0" i="1" baseline="0">
+                <a:solidFill>
+                  <a:schemeClr val="tx1">
+                    <a:lumMod val="85000"/>
+                    <a:lumOff val="15000"/>
+                  </a:schemeClr>
+                </a:solidFill>
+                <a:latin typeface="+mj-lt"/>
+              </a:defRPr>
+            </a:lvl1pPr>
+          </a:lstStyle>
+          <a:p>
+            <a:fld id="{52E37674-C1BA-4107-9B06-6D4CAC3A3DF5}" type="datetimeFigureOut">
+              <a:rPr lang="en-US" smtClean="0"/>
+              <a:t>3/18/2019</a:t>
+            </a:fld>
+            <a:endParaRPr lang="en-US" dirty="0"/>
+          </a:p>
+        </p:txBody>
+      </p:sp>
+      <p:sp>
+        <p:nvSpPr>
+          <p:cNvPr id="5" name="Footer Placeholder 4"/>
+          <p:cNvSpPr>
+            <a:spLocks noGrp="1"/>
+          </p:cNvSpPr>
+          <p:nvPr>
+            <p:ph type="ftr" sz="quarter" idx="3"/>
+          </p:nvPr>
+        </p:nvSpPr>
+        <p:spPr>
+          <a:xfrm>
+            <a:off x="762001" y="6314440"/>
+            <a:ext cx="3814856" cy="365125"/>
+          </a:xfrm>
+          <a:prstGeom prst="rect">
+            <a:avLst/>
+          </a:prstGeom>
+        </p:spPr>
+        <p:txBody>
+          <a:bodyPr vert="horz" lIns="91440" tIns="45720" rIns="91440" bIns="45720" rtlCol="0" anchor="t"/>
+          <a:lstStyle>
+            <a:lvl1pPr algn="r">
+              <a:defRPr sz="1200" b="1" i="1" baseline="0">
+                <a:solidFill>
+                  <a:schemeClr val="tx1">
+                    <a:lumMod val="85000"/>
+                    <a:lumOff val="15000"/>
+                  </a:schemeClr>
+                </a:solidFill>
+                <a:latin typeface="+mj-lt"/>
+              </a:defRPr>
+            </a:lvl1pPr>
+          </a:lstStyle>
+          <a:p>
+            <a:endParaRPr lang="en-US" dirty="0"/>
+          </a:p>
+        </p:txBody>
+      </p:sp>
+      <p:sp>
+        <p:nvSpPr>
+          <p:cNvPr id="6" name="Slide Number Placeholder 5"/>
+          <p:cNvSpPr>
+            <a:spLocks noGrp="1"/>
+          </p:cNvSpPr>
+          <p:nvPr>
+            <p:ph type="sldNum" sz="quarter" idx="4"/>
+          </p:nvPr>
+        </p:nvSpPr>
+        <p:spPr>
+          <a:xfrm>
+            <a:off x="11784011" y="5607592"/>
+            <a:ext cx="407988" cy="365125"/>
+          </a:xfrm>
+          <a:prstGeom prst="rect">
+            <a:avLst/>
+          </a:prstGeom>
+        </p:spPr>
+        <p:txBody>
           <a:bodyPr vert="horz" lIns="91440" tIns="45720" rIns="91440" bIns="45720" rtlCol="0" anchor="ctr"/>
           <a:lstStyle>
             <a:lvl1pPr algn="r">
-              <a:defRPr sz="1100">
+              <a:defRPr sz="1200" b="0" i="1" baseline="0">
                 <a:solidFill>
-                  <a:schemeClr val="tx2"/>
+                  <a:schemeClr val="bg2"/>
                 </a:solidFill>
+                <a:latin typeface="+mj-lt"/>
               </a:defRPr>
             </a:lvl1pPr>
           </a:lstStyle>
           <a:p>
-            <a:fld id="{52E37674-C1BA-4107-9B06-6D4CAC3A3DF5}" type="datetimeFigureOut">
-              <a:rPr lang="en-US" dirty="0"/>
-              <a:t>5/10/2018</a:t>
-            </a:fld>
-            <a:endParaRPr lang="en-US" dirty="0"/>
-          </a:p>
-        </p:txBody>
-      </p:sp>
-      <p:sp>
-        <p:nvSpPr>
-          <p:cNvPr id="5" name="Footer Placeholder 4"/>
-          <p:cNvSpPr>
-            <a:spLocks noGrp="1"/>
-          </p:cNvSpPr>
-          <p:nvPr>
-            <p:ph type="ftr" sz="quarter" idx="3"/>
-          </p:nvPr>
-        </p:nvSpPr>
-        <p:spPr>
-          <a:xfrm>
-            <a:off x="1088136" y="6272784"/>
-            <a:ext cx="6327648" cy="365125"/>
-          </a:xfrm>
-          <a:prstGeom prst="rect">
-            <a:avLst/>
-          </a:prstGeom>
-        </p:spPr>
-        <p:txBody>
-          <a:bodyPr vert="horz" lIns="91440" tIns="45720" rIns="91440" bIns="45720" rtlCol="0" anchor="ctr"/>
-          <a:lstStyle>
-            <a:lvl1pPr algn="l">
-              <a:defRPr sz="1100">
-                <a:solidFill>
-                  <a:schemeClr val="tx2"/>
-                </a:solidFill>
-              </a:defRPr>
-            </a:lvl1pPr>
-          </a:lstStyle>
-          <a:p>
-            <a:endParaRPr lang="en-US" dirty="0"/>
-          </a:p>
-        </p:txBody>
-      </p:sp>
-      <p:grpSp>
-        <p:nvGrpSpPr>
-          <p:cNvPr id="7" name="Group 6"/>
-          <p:cNvGrpSpPr>
-            <a:grpSpLocks noChangeAspect="1"/>
-          </p:cNvGrpSpPr>
-          <p:nvPr/>
-        </p:nvGrpSpPr>
-        <p:grpSpPr>
-          <a:xfrm>
-            <a:off x="11401725" y="6229681"/>
-            <a:ext cx="457200" cy="457200"/>
-            <a:chOff x="11361456" y="6195813"/>
-            <a:chExt cx="548640" cy="548640"/>
-          </a:xfrm>
-        </p:grpSpPr>
-        <p:sp>
-          <p:nvSpPr>
-            <p:cNvPr id="8" name="Oval 7"/>
-            <p:cNvSpPr/>
-            <p:nvPr/>
-          </p:nvSpPr>
-          <p:spPr>
-            <a:xfrm>
-              <a:off x="11361456" y="6195813"/>
-              <a:ext cx="548640" cy="548640"/>
-            </a:xfrm>
-            <a:prstGeom prst="ellipse">
-              <a:avLst/>
-            </a:prstGeom>
-            <a:blipFill dpi="0" rotWithShape="1">
-              <a:blip r:embed="rId13">
-                <a:duotone>
-                  <a:schemeClr val="accent1">
-                    <a:shade val="45000"/>
-                    <a:satMod val="135000"/>
-                  </a:schemeClr>
-                  <a:prstClr val="white"/>
-                </a:duotone>
-                <a:extLst>
-                  <a:ext uri="{BEBA8EAE-BF5A-486C-A8C5-ECC9F3942E4B}">
-                    <a14:imgProps xmlns:a14="http://schemas.microsoft.com/office/drawing/2010/main">
-                      <a14:imgLayer r:embed="rId14">
-                        <a14:imgEffect>
-                          <a14:saturation sat="95000"/>
-                        </a14:imgEffect>
-                        <a14:imgEffect>
-                          <a14:brightnessContrast bright="-40000" contrast="20000"/>
-                        </a14:imgEffect>
-                      </a14:imgLayer>
-                    </a14:imgProps>
-                  </a:ext>
-                </a:extLst>
-              </a:blip>
-              <a:srcRect/>
-              <a:tile tx="50800" ty="0" sx="85000" sy="85000" flip="none" algn="tl"/>
-            </a:blipFill>
-            <a:ln w="25400" cap="flat" cmpd="sng" algn="ctr">
-              <a:noFill/>
-              <a:prstDash val="solid"/>
-            </a:ln>
-            <a:effectLst/>
-          </p:spPr>
-        </p:sp>
-        <p:sp>
-          <p:nvSpPr>
-            <p:cNvPr id="9" name="Oval 8"/>
-            <p:cNvSpPr/>
-            <p:nvPr/>
-          </p:nvSpPr>
-          <p:spPr>
-            <a:xfrm>
-              <a:off x="11396488" y="6230844"/>
-              <a:ext cx="478576" cy="478578"/>
-            </a:xfrm>
-            <a:prstGeom prst="ellipse">
-              <a:avLst/>
-            </a:prstGeom>
-            <a:noFill/>
-            <a:ln w="12700" cap="flat" cmpd="sng" algn="ctr">
-              <a:solidFill>
-                <a:srgbClr val="FFFFFF"/>
-              </a:solidFill>
-              <a:prstDash val="solid"/>
-            </a:ln>
-            <a:effectLst/>
-          </p:spPr>
-        </p:sp>
-      </p:grpSp>
-      <p:sp>
-        <p:nvSpPr>
-          <p:cNvPr id="6" name="Slide Number Placeholder 5"/>
-          <p:cNvSpPr>
-            <a:spLocks noGrp="1"/>
-          </p:cNvSpPr>
-          <p:nvPr>
-            <p:ph type="sldNum" sz="quarter" idx="4"/>
-          </p:nvPr>
-        </p:nvSpPr>
-        <p:spPr>
-          <a:xfrm>
-            <a:off x="11311128" y="6272784"/>
-            <a:ext cx="640080" cy="365125"/>
-          </a:xfrm>
-          <a:prstGeom prst="rect">
-            <a:avLst/>
-          </a:prstGeom>
-        </p:spPr>
-        <p:txBody>
-          <a:bodyPr vert="horz" lIns="91440" tIns="45720" rIns="91440" bIns="45720" rtlCol="0" anchor="ctr"/>
-          <a:lstStyle>
-            <a:lvl1pPr algn="ctr">
-              <a:defRPr sz="1400" b="1">
-                <a:solidFill>
-                  <a:srgbClr val="FFFFFF"/>
-                </a:solidFill>
-                <a:latin typeface="+mn-lt"/>
-              </a:defRPr>
-            </a:lvl1pPr>
-          </a:lstStyle>
-          <a:p>
             <a:fld id="{4FAB73BC-B049-4115-A692-8D63A059BFB8}" type="slidenum">
-              <a:rPr lang="en-US" dirty="0"/>
+              <a:rPr lang="en-US" smtClean="0"/>
               <a:pPr/>
               <a:t>‹#›</a:t>
             </a:fld>
@@ -3576,26 +3830,69 @@
           </a:p>
         </p:txBody>
       </p:sp>
+      <p:cxnSp>
+        <p:nvCxnSpPr>
+          <p:cNvPr id="10" name="Straight Connector 9" title="Horizontal Rule Line"/>
+          <p:cNvCxnSpPr/>
+          <p:nvPr/>
+        </p:nvCxnSpPr>
+        <p:spPr>
+          <a:xfrm>
+            <a:off x="0" y="6199730"/>
+            <a:ext cx="4495800" cy="0"/>
+          </a:xfrm>
+          <a:prstGeom prst="line">
+            <a:avLst/>
+          </a:prstGeom>
+          <a:ln w="25400">
+            <a:solidFill>
+              <a:schemeClr val="tx1">
+                <a:lumMod val="85000"/>
+                <a:lumOff val="15000"/>
+              </a:schemeClr>
+            </a:solidFill>
+          </a:ln>
+        </p:spPr>
+        <p:style>
+          <a:lnRef idx="1">
+            <a:schemeClr val="accent1"/>
+          </a:lnRef>
+          <a:fillRef idx="0">
+            <a:schemeClr val="accent1"/>
+          </a:fillRef>
+          <a:effectRef idx="0">
+            <a:schemeClr val="accent1"/>
+          </a:effectRef>
+          <a:fontRef idx="minor">
+            <a:schemeClr val="tx1"/>
+          </a:fontRef>
+        </p:style>
+      </p:cxnSp>
     </p:spTree>
+    <p:extLst>
+      <p:ext uri="{BB962C8B-B14F-4D97-AF65-F5344CB8AC3E}">
+        <p14:creationId xmlns:p14="http://schemas.microsoft.com/office/powerpoint/2010/main" val="680157087"/>
+      </p:ext>
+    </p:extLst>
   </p:cSld>
   <p:clrMap bg1="lt1" tx1="dk1" bg2="lt2" tx2="dk2" accent1="accent1" accent2="accent2" accent3="accent3" accent4="accent4" accent5="accent5" accent6="accent6" hlink="hlink" folHlink="folHlink"/>
   <p:sldLayoutIdLst>
-    <p:sldLayoutId id="2147483841" r:id="rId1"/>
-    <p:sldLayoutId id="2147483842" r:id="rId2"/>
-    <p:sldLayoutId id="2147483843" r:id="rId3"/>
-    <p:sldLayoutId id="2147483844" r:id="rId4"/>
-    <p:sldLayoutId id="2147483845" r:id="rId5"/>
-    <p:sldLayoutId id="2147483846" r:id="rId6"/>
-    <p:sldLayoutId id="2147483847" r:id="rId7"/>
-    <p:sldLayoutId id="2147483848" r:id="rId8"/>
-    <p:sldLayoutId id="2147483849" r:id="rId9"/>
-    <p:sldLayoutId id="2147483850" r:id="rId10"/>
-    <p:sldLayoutId id="2147483851" r:id="rId11"/>
+    <p:sldLayoutId id="2147483853" r:id="rId1"/>
+    <p:sldLayoutId id="2147483854" r:id="rId2"/>
+    <p:sldLayoutId id="2147483855" r:id="rId3"/>
+    <p:sldLayoutId id="2147483856" r:id="rId4"/>
+    <p:sldLayoutId id="2147483857" r:id="rId5"/>
+    <p:sldLayoutId id="2147483858" r:id="rId6"/>
+    <p:sldLayoutId id="2147483859" r:id="rId7"/>
+    <p:sldLayoutId id="2147483860" r:id="rId8"/>
+    <p:sldLayoutId id="2147483861" r:id="rId9"/>
+    <p:sldLayoutId id="2147483862" r:id="rId10"/>
+    <p:sldLayoutId id="2147483863" r:id="rId11"/>
   </p:sldLayoutIdLst>
   <p:hf sldNum="0" hdr="0" ftr="0" dt="0"/>
   <p:txStyles>
     <p:titleStyle>
-      <a:lvl1pPr algn="l" defTabSz="914400" rtl="0" eaLnBrk="1" latinLnBrk="0" hangingPunct="1">
+      <a:lvl1pPr algn="r" defTabSz="914400" rtl="0" eaLnBrk="1" latinLnBrk="0" hangingPunct="1">
         <a:lnSpc>
           <a:spcPct val="90000"/>
         </a:lnSpc>
@@ -3603,17 +3900,13 @@
           <a:spcPct val="0"/>
         </a:spcBef>
         <a:buNone/>
-        <a:defRPr sz="4800" b="1" kern="1200" cap="none" baseline="0">
-          <a:blipFill>
-            <a:blip r:embed="rId15">
-              <a:extLst>
-                <a:ext uri="{28A0092B-C50C-407E-A947-70E740481C1C}">
-                  <a14:useLocalDpi xmlns:a14="http://schemas.microsoft.com/office/drawing/2010/main" val="0"/>
-                </a:ext>
-              </a:extLst>
-            </a:blip>
-            <a:tile tx="6350" ty="-127000" sx="65000" sy="64000" flip="none" algn="tl"/>
-          </a:blipFill>
+        <a:defRPr sz="5000" b="0" i="1" kern="1200" baseline="0">
+          <a:solidFill>
+            <a:schemeClr val="tx1">
+              <a:lumMod val="85000"/>
+              <a:lumOff val="15000"/>
+            </a:schemeClr>
+          </a:solidFill>
           <a:latin typeface="+mj-lt"/>
           <a:ea typeface="+mj-ea"/>
           <a:cs typeface="+mj-cs"/>
@@ -3621,240 +3914,189 @@
       </a:lvl1pPr>
     </p:titleStyle>
     <p:bodyStyle>
-      <a:lvl1pPr marL="182880" indent="-182880" algn="l" defTabSz="914400" rtl="0" eaLnBrk="1" latinLnBrk="0" hangingPunct="1">
+      <a:lvl1pPr marL="283464" indent="-283464" algn="l" defTabSz="914400" rtl="0" eaLnBrk="1" latinLnBrk="0" hangingPunct="1">
         <a:lnSpc>
-          <a:spcPct val="90000"/>
+          <a:spcPct val="112000"/>
         </a:lnSpc>
         <a:spcBef>
-          <a:spcPts val="1200"/>
+          <a:spcPts val="900"/>
         </a:spcBef>
-        <a:buClr>
-          <a:schemeClr val="accent1">
-            <a:lumMod val="75000"/>
-          </a:schemeClr>
-        </a:buClr>
-        <a:buSzPct val="85000"/>
-        <a:buFont typeface="Wingdings" pitchFamily="2" charset="2"/>
-        <a:buChar char="§"/>
-        <a:defRPr sz="2000" kern="1200">
+        <a:buFont typeface="Arial" panose="020B0604020202020204" pitchFamily="34" charset="0"/>
+        <a:buChar char="•"/>
+        <a:defRPr sz="2000" kern="1200" baseline="0">
           <a:solidFill>
-            <a:schemeClr val="tx1"/>
+            <a:schemeClr val="tx1">
+              <a:lumMod val="85000"/>
+              <a:lumOff val="15000"/>
+            </a:schemeClr>
           </a:solidFill>
           <a:latin typeface="+mn-lt"/>
           <a:ea typeface="+mn-ea"/>
           <a:cs typeface="+mn-cs"/>
         </a:defRPr>
       </a:lvl1pPr>
-      <a:lvl2pPr marL="457200" indent="-182880" algn="l" defTabSz="914400" rtl="0" eaLnBrk="1" latinLnBrk="0" hangingPunct="1">
+      <a:lvl2pPr marL="685800" indent="-283464" algn="l" defTabSz="914400" rtl="0" eaLnBrk="1" latinLnBrk="0" hangingPunct="1">
         <a:lnSpc>
-          <a:spcPct val="90000"/>
+          <a:spcPct val="112000"/>
         </a:lnSpc>
         <a:spcBef>
-          <a:spcPts val="400"/>
+          <a:spcPts val="900"/>
         </a:spcBef>
-        <a:spcAft>
-          <a:spcPts val="200"/>
-        </a:spcAft>
-        <a:buClr>
-          <a:schemeClr val="accent1">
-            <a:lumMod val="75000"/>
-          </a:schemeClr>
-        </a:buClr>
-        <a:buSzPct val="85000"/>
-        <a:buFont typeface="Wingdings" pitchFamily="2" charset="2"/>
-        <a:buChar char="§"/>
-        <a:defRPr sz="1800" kern="1200">
+        <a:buFont typeface="Corbel" panose="020B0503020204020204" pitchFamily="34" charset="0"/>
+        <a:buChar char="–"/>
+        <a:defRPr sz="1800" kern="1200" baseline="0">
           <a:solidFill>
-            <a:schemeClr val="tx1"/>
+            <a:schemeClr val="tx1">
+              <a:lumMod val="85000"/>
+              <a:lumOff val="15000"/>
+            </a:schemeClr>
           </a:solidFill>
           <a:latin typeface="+mn-lt"/>
           <a:ea typeface="+mn-ea"/>
           <a:cs typeface="+mn-cs"/>
         </a:defRPr>
       </a:lvl2pPr>
-      <a:lvl3pPr marL="731520" indent="-182880" algn="l" defTabSz="914400" rtl="0" eaLnBrk="1" latinLnBrk="0" hangingPunct="1">
+      <a:lvl3pPr marL="1143000" indent="-283464" algn="l" defTabSz="914400" rtl="0" eaLnBrk="1" latinLnBrk="0" hangingPunct="1">
         <a:lnSpc>
-          <a:spcPct val="90000"/>
+          <a:spcPct val="112000"/>
         </a:lnSpc>
         <a:spcBef>
-          <a:spcPts val="400"/>
+          <a:spcPts val="900"/>
         </a:spcBef>
-        <a:spcAft>
-          <a:spcPts val="200"/>
-        </a:spcAft>
-        <a:buClr>
-          <a:schemeClr val="accent1">
-            <a:lumMod val="75000"/>
-          </a:schemeClr>
-        </a:buClr>
-        <a:buSzPct val="85000"/>
-        <a:buFont typeface="Wingdings" pitchFamily="2" charset="2"/>
-        <a:buChar char="§"/>
-        <a:defRPr sz="1600" kern="1200">
+        <a:buFont typeface="Arial" panose="020B0604020202020204" pitchFamily="34" charset="0"/>
+        <a:buChar char="•"/>
+        <a:defRPr sz="1600" kern="1200" baseline="0">
           <a:solidFill>
-            <a:schemeClr val="tx1"/>
+            <a:schemeClr val="tx1">
+              <a:lumMod val="85000"/>
+              <a:lumOff val="15000"/>
+            </a:schemeClr>
           </a:solidFill>
           <a:latin typeface="+mn-lt"/>
           <a:ea typeface="+mn-ea"/>
           <a:cs typeface="+mn-cs"/>
         </a:defRPr>
       </a:lvl3pPr>
-      <a:lvl4pPr marL="1005840" indent="-182880" algn="l" defTabSz="914400" rtl="0" eaLnBrk="1" latinLnBrk="0" hangingPunct="1">
+      <a:lvl4pPr marL="1600200" indent="-283464" algn="l" defTabSz="914400" rtl="0" eaLnBrk="1" latinLnBrk="0" hangingPunct="1">
         <a:lnSpc>
-          <a:spcPct val="90000"/>
+          <a:spcPct val="112000"/>
         </a:lnSpc>
         <a:spcBef>
-          <a:spcPts val="400"/>
+          <a:spcPts val="900"/>
         </a:spcBef>
-        <a:spcAft>
-          <a:spcPts val="200"/>
-        </a:spcAft>
-        <a:buClr>
-          <a:schemeClr val="accent1">
-            <a:lumMod val="75000"/>
-          </a:schemeClr>
-        </a:buClr>
-        <a:buSzPct val="85000"/>
-        <a:buFont typeface="Wingdings" pitchFamily="2" charset="2"/>
-        <a:buChar char="§"/>
-        <a:defRPr sz="1600" kern="1200">
+        <a:buFont typeface="Corbel" panose="020B0503020204020204" pitchFamily="34" charset="0"/>
+        <a:buChar char="–"/>
+        <a:defRPr sz="1400" kern="1200" baseline="0">
           <a:solidFill>
-            <a:schemeClr val="tx1"/>
+            <a:schemeClr val="tx1">
+              <a:lumMod val="85000"/>
+              <a:lumOff val="15000"/>
+            </a:schemeClr>
           </a:solidFill>
           <a:latin typeface="+mn-lt"/>
           <a:ea typeface="+mn-ea"/>
           <a:cs typeface="+mn-cs"/>
         </a:defRPr>
       </a:lvl4pPr>
-      <a:lvl5pPr marL="1280160" indent="-182880" algn="l" defTabSz="914400" rtl="0" eaLnBrk="1" latinLnBrk="0" hangingPunct="1">
+      <a:lvl5pPr marL="2057400" indent="-283464" algn="l" defTabSz="914400" rtl="0" eaLnBrk="1" latinLnBrk="0" hangingPunct="1">
         <a:lnSpc>
-          <a:spcPct val="90000"/>
+          <a:spcPct val="112000"/>
         </a:lnSpc>
         <a:spcBef>
-          <a:spcPts val="400"/>
+          <a:spcPts val="900"/>
         </a:spcBef>
-        <a:spcAft>
-          <a:spcPts val="200"/>
-        </a:spcAft>
-        <a:buClr>
-          <a:schemeClr val="accent1">
-            <a:lumMod val="75000"/>
-          </a:schemeClr>
-        </a:buClr>
-        <a:buSzPct val="85000"/>
-        <a:buFont typeface="Wingdings" pitchFamily="2" charset="2"/>
-        <a:buChar char="§"/>
-        <a:defRPr sz="1600" kern="1200">
+        <a:buFont typeface="Arial" panose="020B0604020202020204" pitchFamily="34" charset="0"/>
+        <a:buChar char="•"/>
+        <a:defRPr sz="1400" i="1" kern="1200" baseline="0">
           <a:solidFill>
-            <a:schemeClr val="tx1"/>
+            <a:schemeClr val="tx1">
+              <a:lumMod val="85000"/>
+              <a:lumOff val="15000"/>
+            </a:schemeClr>
           </a:solidFill>
           <a:latin typeface="+mn-lt"/>
           <a:ea typeface="+mn-ea"/>
           <a:cs typeface="+mn-cs"/>
         </a:defRPr>
       </a:lvl5pPr>
-      <a:lvl6pPr marL="1600000" indent="-228600" algn="l" defTabSz="914400" rtl="0" eaLnBrk="1" latinLnBrk="0" hangingPunct="1">
+      <a:lvl6pPr marL="2514600" indent="-283464" algn="l" defTabSz="914400" rtl="0" eaLnBrk="1" latinLnBrk="0" hangingPunct="1">
         <a:lnSpc>
-          <a:spcPct val="90000"/>
+          <a:spcPct val="112000"/>
         </a:lnSpc>
         <a:spcBef>
-          <a:spcPts val="400"/>
+          <a:spcPts val="1300"/>
         </a:spcBef>
-        <a:spcAft>
-          <a:spcPts val="200"/>
-        </a:spcAft>
-        <a:buClr>
-          <a:schemeClr val="accent1">
-            <a:lumMod val="75000"/>
-          </a:schemeClr>
-        </a:buClr>
-        <a:buSzPct val="85000"/>
-        <a:buFont typeface="Wingdings" pitchFamily="2" charset="2"/>
-        <a:buChar char="§"/>
-        <a:defRPr sz="1600" kern="1200">
+        <a:buFont typeface="Corbel" panose="020B0503020204020204" pitchFamily="34" charset="0"/>
+        <a:buChar char="–"/>
+        <a:defRPr sz="1400" kern="1200">
           <a:solidFill>
-            <a:schemeClr val="tx1"/>
+            <a:schemeClr val="tx1">
+              <a:lumMod val="85000"/>
+              <a:lumOff val="15000"/>
+            </a:schemeClr>
           </a:solidFill>
           <a:latin typeface="+mn-lt"/>
           <a:ea typeface="+mn-ea"/>
           <a:cs typeface="+mn-cs"/>
         </a:defRPr>
       </a:lvl6pPr>
-      <a:lvl7pPr marL="1900000" indent="-228600" algn="l" defTabSz="914400" rtl="0" eaLnBrk="1" latinLnBrk="0" hangingPunct="1">
+      <a:lvl7pPr marL="2971800" indent="-283464" algn="l" defTabSz="914400" rtl="0" eaLnBrk="1" latinLnBrk="0" hangingPunct="1">
         <a:lnSpc>
-          <a:spcPct val="90000"/>
+          <a:spcPct val="112000"/>
         </a:lnSpc>
         <a:spcBef>
-          <a:spcPts val="400"/>
+          <a:spcPts val="1300"/>
         </a:spcBef>
-        <a:spcAft>
-          <a:spcPts val="200"/>
-        </a:spcAft>
-        <a:buClr>
-          <a:schemeClr val="accent1">
-            <a:lumMod val="75000"/>
-          </a:schemeClr>
-        </a:buClr>
-        <a:buSzPct val="85000"/>
-        <a:buFont typeface="Wingdings" pitchFamily="2" charset="2"/>
-        <a:buChar char="§"/>
-        <a:defRPr sz="1600" kern="1200">
+        <a:buFont typeface="Arial" panose="020B0604020202020204" pitchFamily="34" charset="0"/>
+        <a:buChar char="•"/>
+        <a:defRPr sz="1400" i="1" kern="1200">
           <a:solidFill>
-            <a:schemeClr val="tx1"/>
+            <a:schemeClr val="tx1">
+              <a:lumMod val="85000"/>
+              <a:lumOff val="15000"/>
+            </a:schemeClr>
           </a:solidFill>
           <a:latin typeface="+mn-lt"/>
           <a:ea typeface="+mn-ea"/>
           <a:cs typeface="+mn-cs"/>
         </a:defRPr>
       </a:lvl7pPr>
-      <a:lvl8pPr marL="2200000" indent="-228600" algn="l" defTabSz="914400" rtl="0" eaLnBrk="1" latinLnBrk="0" hangingPunct="1">
+      <a:lvl8pPr marL="3429000" indent="-283464" algn="l" defTabSz="914400" rtl="0" eaLnBrk="1" latinLnBrk="0" hangingPunct="1">
         <a:lnSpc>
-          <a:spcPct val="90000"/>
+          <a:spcPct val="112000"/>
         </a:lnSpc>
         <a:spcBef>
-          <a:spcPts val="400"/>
+          <a:spcPts val="1300"/>
         </a:spcBef>
-        <a:spcAft>
-          <a:spcPts val="200"/>
-        </a:spcAft>
-        <a:buClr>
-          <a:schemeClr val="accent1">
-            <a:lumMod val="75000"/>
-          </a:schemeClr>
-        </a:buClr>
-        <a:buSzPct val="85000"/>
-        <a:buFont typeface="Wingdings" pitchFamily="2" charset="2"/>
-        <a:buChar char="§"/>
-        <a:defRPr sz="1600" kern="1200">
+        <a:buFont typeface="Corbel" panose="020B0503020204020204" pitchFamily="34" charset="0"/>
+        <a:buChar char="–"/>
+        <a:defRPr sz="1400" kern="1200">
           <a:solidFill>
-            <a:schemeClr val="tx1"/>
+            <a:schemeClr val="tx1">
+              <a:lumMod val="85000"/>
+              <a:lumOff val="15000"/>
+            </a:schemeClr>
           </a:solidFill>
           <a:latin typeface="+mn-lt"/>
           <a:ea typeface="+mn-ea"/>
           <a:cs typeface="+mn-cs"/>
         </a:defRPr>
       </a:lvl8pPr>
-      <a:lvl9pPr marL="2500000" indent="-228600" algn="l" defTabSz="914400" rtl="0" eaLnBrk="1" latinLnBrk="0" hangingPunct="1">
+      <a:lvl9pPr marL="3886200" indent="-283464" algn="l" defTabSz="914400" rtl="0" eaLnBrk="1" latinLnBrk="0" hangingPunct="1">
         <a:lnSpc>
-          <a:spcPct val="90000"/>
+          <a:spcPct val="112000"/>
         </a:lnSpc>
         <a:spcBef>
-          <a:spcPts val="400"/>
+          <a:spcPts val="1300"/>
         </a:spcBef>
-        <a:spcAft>
-          <a:spcPts val="200"/>
-        </a:spcAft>
-        <a:buClr>
-          <a:schemeClr val="accent1">
-            <a:lumMod val="75000"/>
-          </a:schemeClr>
-        </a:buClr>
-        <a:buSzPct val="85000"/>
-        <a:buFont typeface="Wingdings" pitchFamily="2" charset="2"/>
-        <a:buChar char="§"/>
-        <a:defRPr sz="1600" kern="1200">
+        <a:buFont typeface="Arial" panose="020B0604020202020204" pitchFamily="34" charset="0"/>
+        <a:buChar char="•"/>
+        <a:defRPr sz="1400" i="1" kern="1200" baseline="0">
           <a:solidFill>
-            <a:schemeClr val="tx1"/>
+            <a:schemeClr val="tx1">
+              <a:lumMod val="85000"/>
+              <a:lumOff val="15000"/>
+            </a:schemeClr>
           </a:solidFill>
           <a:latin typeface="+mn-lt"/>
           <a:ea typeface="+mn-ea"/>
@@ -3958,12 +4200,51 @@
       </a:lvl9pPr>
     </p:otherStyle>
   </p:txStyles>
+  <p:extLst mod="1">
+    <p:ext uri="{27BBF7A9-308A-43DC-89C8-2F10F3537804}">
+      <p15:sldGuideLst xmlns:p15="http://schemas.microsoft.com/office/powerpoint/2012/main">
+        <p15:guide id="1" pos="2832">
+          <p15:clr>
+            <a:srgbClr val="F26B43"/>
+          </p15:clr>
+        </p15:guide>
+        <p15:guide id="2" pos="480">
+          <p15:clr>
+            <a:srgbClr val="F26B43"/>
+          </p15:clr>
+        </p15:guide>
+        <p15:guide id="3" orient="horz" pos="432">
+          <p15:clr>
+            <a:srgbClr val="F26B43"/>
+          </p15:clr>
+        </p15:guide>
+        <p15:guide id="4" pos="7200">
+          <p15:clr>
+            <a:srgbClr val="F26B43"/>
+          </p15:clr>
+        </p15:guide>
+        <p15:guide id="5" pos="3264">
+          <p15:clr>
+            <a:srgbClr val="F26B43"/>
+          </p15:clr>
+        </p15:guide>
+      </p15:sldGuideLst>
+    </p:ext>
+  </p:extLst>
 </p:sldMaster>
 </file>
 
 <file path=ppt/slides/slide1.xml><?xml version="1.0" encoding="utf-8"?>
 <p:sld xmlns:a="http://schemas.openxmlformats.org/drawingml/2006/main" xmlns:r="http://schemas.openxmlformats.org/officeDocument/2006/relationships" xmlns:p="http://schemas.openxmlformats.org/presentationml/2006/main">
   <p:cSld>
+    <p:bg>
+      <p:bgPr>
+        <a:solidFill>
+          <a:srgbClr val="191919"/>
+        </a:solidFill>
+        <a:effectLst/>
+      </p:bgPr>
+    </p:bg>
     <p:spTree>
       <p:nvGrpSpPr>
         <p:cNvPr id="1" name=""/>
@@ -3978,12 +4259,53 @@
           <a:chExt cx="0" cy="0"/>
         </a:xfrm>
       </p:grpSpPr>
+      <p:pic>
+        <p:nvPicPr>
+          <p:cNvPr id="1026" name="Picture 2" descr="Resultado de imagem para coffee programmer"/>
+          <p:cNvPicPr>
+            <a:picLocks noChangeAspect="1" noChangeArrowheads="1"/>
+          </p:cNvPicPr>
+          <p:nvPr/>
+        </p:nvPicPr>
+        <p:blipFill>
+          <a:blip r:embed="rId2">
+            <a:extLst>
+              <a:ext uri="{28A0092B-C50C-407E-A947-70E740481C1C}">
+                <a14:useLocalDpi xmlns:a14="http://schemas.microsoft.com/office/drawing/2010/main" val="0"/>
+              </a:ext>
+            </a:extLst>
+          </a:blip>
+          <a:srcRect/>
+          <a:stretch>
+            <a:fillRect/>
+          </a:stretch>
+        </p:blipFill>
+        <p:spPr bwMode="auto">
+          <a:xfrm>
+            <a:off x="5122900" y="857250"/>
+            <a:ext cx="6000750" cy="6000750"/>
+          </a:xfrm>
+          <a:prstGeom prst="rect">
+            <a:avLst/>
+          </a:prstGeom>
+          <a:noFill/>
+          <a:extLst>
+            <a:ext uri="{909E8E84-426E-40DD-AFC4-6F175D3DCCD1}">
+              <a14:hiddenFill xmlns:a14="http://schemas.microsoft.com/office/drawing/2010/main">
+                <a:solidFill>
+                  <a:srgbClr val="FFFFFF"/>
+                </a:solidFill>
+              </a14:hiddenFill>
+            </a:ext>
+          </a:extLst>
+        </p:spPr>
+      </p:pic>
       <p:sp>
         <p:nvSpPr>
           <p:cNvPr id="2" name="Title 1">
             <a:extLst>
               <a:ext uri="{FF2B5EF4-FFF2-40B4-BE49-F238E27FC236}">
-                <a16:creationId xmlns:a16="http://schemas.microsoft.com/office/drawing/2014/main" id="{942380C9-9B9B-4C9A-81A3-3351460A73B0}"/>
+                <a16:creationId xmlns="" xmlns:a16="http://schemas.microsoft.com/office/drawing/2014/main" id="{942380C9-9B9B-4C9A-81A3-3351460A73B0}"/>
               </a:ext>
             </a:extLst>
           </p:cNvPr>
@@ -3994,18 +4316,19 @@
             <p:ph type="ctrTitle"/>
           </p:nvPr>
         </p:nvSpPr>
-        <p:spPr/>
+        <p:spPr>
+          <a:xfrm>
+            <a:off x="1088913" y="1143293"/>
+            <a:ext cx="7630544" cy="4268965"/>
+          </a:xfrm>
+        </p:spPr>
         <p:txBody>
           <a:bodyPr/>
           <a:lstStyle/>
           <a:p>
             <a:r>
-              <a:rPr lang="pt-BR" dirty="0"/>
-              <a:t>S.O.L.I.D </a:t>
-            </a:r>
-            <a:r>
-              <a:rPr lang="pt-BR" dirty="0" err="1"/>
-              <a:t>Principles</a:t>
+              <a:rPr lang="pt-BR" dirty="0" smtClean="0"/>
+              <a:t>O café acabou...</a:t>
             </a:r>
             <a:endParaRPr lang="en-US" dirty="0"/>
           </a:p>
@@ -4016,7 +4339,7 @@
           <p:cNvPr id="3" name="Subtitle 2">
             <a:extLst>
               <a:ext uri="{FF2B5EF4-FFF2-40B4-BE49-F238E27FC236}">
-                <a16:creationId xmlns:a16="http://schemas.microsoft.com/office/drawing/2014/main" id="{A29C2244-9F3F-40B0-BFB2-311C22DE84BD}"/>
+                <a16:creationId xmlns="" xmlns:a16="http://schemas.microsoft.com/office/drawing/2014/main" id="{A29C2244-9F3F-40B0-BFB2-311C22DE84BD}"/>
               </a:ext>
             </a:extLst>
           </p:cNvPr>
@@ -4034,7 +4357,11 @@
           <a:p>
             <a:r>
               <a:rPr lang="pt-BR" dirty="0"/>
-              <a:t>DOJO CINQ 2018’</a:t>
+              <a:t>DOJO CINQ </a:t>
+            </a:r>
+            <a:r>
+              <a:rPr lang="pt-BR" dirty="0" smtClean="0"/>
+              <a:t>2019’</a:t>
             </a:r>
             <a:endParaRPr lang="en-US" dirty="0"/>
           </a:p>
@@ -4042,28 +4369,28 @@
       </p:sp>
       <p:pic>
         <p:nvPicPr>
-          <p:cNvPr id="5" name="Picture 4">
-            <a:extLst>
-              <a:ext uri="{FF2B5EF4-FFF2-40B4-BE49-F238E27FC236}">
-                <a16:creationId xmlns:a16="http://schemas.microsoft.com/office/drawing/2014/main" id="{B63F8143-AF30-4423-AC77-208929B6C0C7}"/>
-              </a:ext>
-            </a:extLst>
-          </p:cNvPr>
+          <p:cNvPr id="4" name="Picture 3"/>
           <p:cNvPicPr>
             <a:picLocks noChangeAspect="1"/>
           </p:cNvPicPr>
           <p:nvPr/>
         </p:nvPicPr>
         <p:blipFill>
-          <a:blip r:embed="rId2"/>
+          <a:blip r:embed="rId3">
+            <a:extLst>
+              <a:ext uri="{28A0092B-C50C-407E-A947-70E740481C1C}">
+                <a14:useLocalDpi xmlns:a14="http://schemas.microsoft.com/office/drawing/2010/main" val="0"/>
+              </a:ext>
+            </a:extLst>
+          </a:blip>
           <a:stretch>
             <a:fillRect/>
           </a:stretch>
         </p:blipFill>
         <p:spPr>
           <a:xfrm>
-            <a:off x="9520543" y="5534287"/>
-            <a:ext cx="1657350" cy="990600"/>
+            <a:off x="6770915" y="4970893"/>
+            <a:ext cx="5043864" cy="1679607"/>
           </a:xfrm>
           <a:prstGeom prst="rect">
             <a:avLst/>
@@ -4080,12 +4407,27 @@
   <p:clrMapOvr>
     <a:masterClrMapping/>
   </p:clrMapOvr>
+  <p:timing>
+    <p:tnLst>
+      <p:par>
+        <p:cTn id="1" dur="indefinite" restart="never" nodeType="tmRoot"/>
+      </p:par>
+    </p:tnLst>
+  </p:timing>
 </p:sld>
 </file>
 
-<file path=ppt/slides/slide2.xml><?xml version="1.0" encoding="utf-8"?>
+<file path=ppt/slides/slide10.xml><?xml version="1.0" encoding="utf-8"?>
 <p:sld xmlns:a="http://schemas.openxmlformats.org/drawingml/2006/main" xmlns:r="http://schemas.openxmlformats.org/officeDocument/2006/relationships" xmlns:p="http://schemas.openxmlformats.org/presentationml/2006/main">
   <p:cSld>
+    <p:bg>
+      <p:bgPr>
+        <a:solidFill>
+          <a:srgbClr val="191919"/>
+        </a:solidFill>
+        <a:effectLst/>
+      </p:bgPr>
+    </p:bg>
     <p:spTree>
       <p:nvGrpSpPr>
         <p:cNvPr id="1" name=""/>
@@ -4105,7 +4447,7 @@
           <p:cNvPr id="2" name="Title 1">
             <a:extLst>
               <a:ext uri="{FF2B5EF4-FFF2-40B4-BE49-F238E27FC236}">
-                <a16:creationId xmlns:a16="http://schemas.microsoft.com/office/drawing/2014/main" id="{942380C9-9B9B-4C9A-81A3-3351460A73B0}"/>
+                <a16:creationId xmlns="" xmlns:a16="http://schemas.microsoft.com/office/drawing/2014/main" id="{942380C9-9B9B-4C9A-81A3-3351460A73B0}"/>
               </a:ext>
             </a:extLst>
           </p:cNvPr>
@@ -4122,12 +4464,8 @@
           <a:lstStyle/>
           <a:p>
             <a:r>
-              <a:rPr lang="pt-BR" dirty="0"/>
-              <a:t>S.O.L.I.D </a:t>
-            </a:r>
-            <a:r>
-              <a:rPr lang="pt-BR" dirty="0" err="1"/>
-              <a:t>Principles</a:t>
+              <a:rPr lang="pt-BR" dirty="0" smtClean="0"/>
+              <a:t>May the force be with you!</a:t>
             </a:r>
             <a:endParaRPr lang="en-US" dirty="0"/>
           </a:p>
@@ -4138,7 +4476,7 @@
           <p:cNvPr id="3" name="Subtitle 2">
             <a:extLst>
               <a:ext uri="{FF2B5EF4-FFF2-40B4-BE49-F238E27FC236}">
-                <a16:creationId xmlns:a16="http://schemas.microsoft.com/office/drawing/2014/main" id="{A29C2244-9F3F-40B0-BFB2-311C22DE84BD}"/>
+                <a16:creationId xmlns="" xmlns:a16="http://schemas.microsoft.com/office/drawing/2014/main" id="{A29C2244-9F3F-40B0-BFB2-311C22DE84BD}"/>
               </a:ext>
             </a:extLst>
           </p:cNvPr>
@@ -4151,18 +4489,25 @@
         </p:nvSpPr>
         <p:spPr/>
         <p:txBody>
-          <a:bodyPr/>
+          <a:bodyPr>
+            <a:normAutofit fontScale="92500" lnSpcReduction="10000"/>
+          </a:bodyPr>
           <a:lstStyle/>
           <a:p>
             <a:r>
               <a:rPr lang="pt-BR" dirty="0"/>
-              <a:t>Por Wesley Oliveira</a:t>
-            </a:r>
+              <a:t>Skype : </a:t>
+            </a:r>
+            <a:r>
+              <a:rPr lang="pt-BR" dirty="0" err="1"/>
+              <a:t>wesley_oliveira</a:t>
+            </a:r>
+            <a:endParaRPr lang="pt-BR" dirty="0"/>
           </a:p>
           <a:p>
             <a:r>
               <a:rPr lang="pt-BR" dirty="0"/>
-              <a:t>w.oliveira@cinq.com.br</a:t>
+              <a:t>GIT : https://github.com/wpoPR/Cinq-Solid</a:t>
             </a:r>
             <a:endParaRPr lang="en-US" dirty="0"/>
           </a:p>
@@ -4170,28 +4515,28 @@
       </p:sp>
       <p:pic>
         <p:nvPicPr>
-          <p:cNvPr id="4" name="Picture 3">
-            <a:extLst>
-              <a:ext uri="{FF2B5EF4-FFF2-40B4-BE49-F238E27FC236}">
-                <a16:creationId xmlns:a16="http://schemas.microsoft.com/office/drawing/2014/main" id="{097ACE28-8031-47EE-AFBB-05BE7B4B1227}"/>
-              </a:ext>
-            </a:extLst>
-          </p:cNvPr>
+          <p:cNvPr id="5" name="Picture 4"/>
           <p:cNvPicPr>
             <a:picLocks noChangeAspect="1"/>
           </p:cNvPicPr>
           <p:nvPr/>
         </p:nvPicPr>
         <p:blipFill>
-          <a:blip r:embed="rId2"/>
+          <a:blip r:embed="rId2">
+            <a:extLst>
+              <a:ext uri="{28A0092B-C50C-407E-A947-70E740481C1C}">
+                <a14:useLocalDpi xmlns:a14="http://schemas.microsoft.com/office/drawing/2010/main" val="0"/>
+              </a:ext>
+            </a:extLst>
+          </a:blip>
           <a:stretch>
             <a:fillRect/>
           </a:stretch>
         </p:blipFill>
         <p:spPr>
           <a:xfrm>
-            <a:off x="9520543" y="5534287"/>
-            <a:ext cx="1657350" cy="990600"/>
+            <a:off x="8719457" y="5619758"/>
+            <a:ext cx="3095321" cy="1030742"/>
           </a:xfrm>
           <a:prstGeom prst="rect">
             <a:avLst/>
@@ -4201,7 +4546,7 @@
     </p:spTree>
     <p:extLst>
       <p:ext uri="{BB962C8B-B14F-4D97-AF65-F5344CB8AC3E}">
-        <p14:creationId xmlns:p14="http://schemas.microsoft.com/office/powerpoint/2010/main" val="234162125"/>
+        <p14:creationId xmlns:p14="http://schemas.microsoft.com/office/powerpoint/2010/main" val="2668199559"/>
       </p:ext>
     </p:extLst>
   </p:cSld>
@@ -4211,9 +4556,17 @@
 </p:sld>
 </file>
 
-<file path=ppt/slides/slide3.xml><?xml version="1.0" encoding="utf-8"?>
+<file path=ppt/slides/slide2.xml><?xml version="1.0" encoding="utf-8"?>
 <p:sld xmlns:a="http://schemas.openxmlformats.org/drawingml/2006/main" xmlns:r="http://schemas.openxmlformats.org/officeDocument/2006/relationships" xmlns:p="http://schemas.openxmlformats.org/presentationml/2006/main">
   <p:cSld>
+    <p:bg>
+      <p:bgPr>
+        <a:solidFill>
+          <a:srgbClr val="191919"/>
+        </a:solidFill>
+        <a:effectLst/>
+      </p:bgPr>
+    </p:bg>
     <p:spTree>
       <p:nvGrpSpPr>
         <p:cNvPr id="1" name=""/>
@@ -4233,7 +4586,7 @@
           <p:cNvPr id="2" name="Title 1">
             <a:extLst>
               <a:ext uri="{FF2B5EF4-FFF2-40B4-BE49-F238E27FC236}">
-                <a16:creationId xmlns:a16="http://schemas.microsoft.com/office/drawing/2014/main" id="{942380C9-9B9B-4C9A-81A3-3351460A73B0}"/>
+                <a16:creationId xmlns="" xmlns:a16="http://schemas.microsoft.com/office/drawing/2014/main" id="{942380C9-9B9B-4C9A-81A3-3351460A73B0}"/>
               </a:ext>
             </a:extLst>
           </p:cNvPr>
@@ -4244,18 +4597,53 @@
             <p:ph type="ctrTitle"/>
           </p:nvPr>
         </p:nvSpPr>
-        <p:spPr/>
+        <p:spPr>
+          <a:xfrm>
+            <a:off x="1088912" y="1143293"/>
+            <a:ext cx="10275773" cy="4268965"/>
+          </a:xfrm>
+        </p:spPr>
         <p:txBody>
           <a:bodyPr/>
           <a:lstStyle/>
           <a:p>
             <a:r>
-              <a:rPr lang="pt-BR" dirty="0"/>
-              <a:t>S.O.L.I.D </a:t>
-            </a:r>
-            <a:r>
-              <a:rPr lang="pt-BR" dirty="0" err="1"/>
-              <a:t>Principles</a:t>
+              <a:rPr lang="en-US" dirty="0"/>
+              <a:t>try </a:t>
+            </a:r>
+            <a:r>
+              <a:rPr lang="en-US" dirty="0" smtClean="0"/>
+              <a:t>not! do.</a:t>
+            </a:r>
+            <a:br>
+              <a:rPr lang="en-US" dirty="0" smtClean="0"/>
+            </a:br>
+            <a:r>
+              <a:rPr lang="en-US" dirty="0" smtClean="0"/>
+              <a:t>or </a:t>
+            </a:r>
+            <a:r>
+              <a:rPr lang="en-US" dirty="0"/>
+              <a:t>do </a:t>
+            </a:r>
+            <a:r>
+              <a:rPr lang="en-US" dirty="0" smtClean="0"/>
+              <a:t>not. </a:t>
+            </a:r>
+            <a:br>
+              <a:rPr lang="en-US" dirty="0" smtClean="0"/>
+            </a:br>
+            <a:r>
+              <a:rPr lang="en-US" dirty="0" smtClean="0"/>
+              <a:t>there </a:t>
+            </a:r>
+            <a:r>
+              <a:rPr lang="en-US" dirty="0"/>
+              <a:t>is no </a:t>
+            </a:r>
+            <a:r>
+              <a:rPr lang="en-US" dirty="0" smtClean="0"/>
+              <a:t>try.</a:t>
             </a:r>
             <a:endParaRPr lang="en-US" dirty="0"/>
           </a:p>
@@ -4266,7 +4654,7 @@
           <p:cNvPr id="3" name="Subtitle 2">
             <a:extLst>
               <a:ext uri="{FF2B5EF4-FFF2-40B4-BE49-F238E27FC236}">
-                <a16:creationId xmlns:a16="http://schemas.microsoft.com/office/drawing/2014/main" id="{A29C2244-9F3F-40B0-BFB2-311C22DE84BD}"/>
+                <a16:creationId xmlns="" xmlns:a16="http://schemas.microsoft.com/office/drawing/2014/main" id="{A29C2244-9F3F-40B0-BFB2-311C22DE84BD}"/>
               </a:ext>
             </a:extLst>
           </p:cNvPr>
@@ -4277,43 +4665,191 @@
             <p:ph type="subTitle" idx="1"/>
           </p:nvPr>
         </p:nvSpPr>
-        <p:spPr/>
-        <p:txBody>
-          <a:bodyPr/>
-          <a:lstStyle/>
-          <a:p>
-            <a:r>
-              <a:rPr lang="pt-BR" dirty="0"/>
-              <a:t>O que é? Por que devo saber?</a:t>
-            </a:r>
-            <a:endParaRPr lang="en-US" dirty="0"/>
+        <p:spPr>
+          <a:xfrm>
+            <a:off x="1088914" y="5138057"/>
+            <a:ext cx="7034362" cy="1106223"/>
+          </a:xfrm>
+        </p:spPr>
+        <p:txBody>
+          <a:bodyPr>
+            <a:noAutofit/>
+          </a:bodyPr>
+          <a:lstStyle/>
+          <a:p>
+            <a:pPr algn="ctr"/>
+            <a:r>
+              <a:rPr lang="pt-BR" sz="2500" dirty="0"/>
+              <a:t>Por Wesley Oliveira</a:t>
+            </a:r>
+          </a:p>
+          <a:p>
+            <a:pPr algn="ctr"/>
+            <a:r>
+              <a:rPr lang="pt-BR" sz="2500" dirty="0"/>
+              <a:t>w.oliveira@cinq.com.br</a:t>
+            </a:r>
+            <a:endParaRPr lang="en-US" sz="2500" dirty="0"/>
           </a:p>
         </p:txBody>
       </p:sp>
       <p:pic>
         <p:nvPicPr>
-          <p:cNvPr id="4" name="Picture 3">
-            <a:extLst>
-              <a:ext uri="{FF2B5EF4-FFF2-40B4-BE49-F238E27FC236}">
-                <a16:creationId xmlns:a16="http://schemas.microsoft.com/office/drawing/2014/main" id="{0D77C025-2A9F-4EE6-9D54-6084B3A26423}"/>
-              </a:ext>
-            </a:extLst>
-          </p:cNvPr>
+          <p:cNvPr id="5" name="Picture 4"/>
           <p:cNvPicPr>
             <a:picLocks noChangeAspect="1"/>
           </p:cNvPicPr>
           <p:nvPr/>
         </p:nvPicPr>
         <p:blipFill>
-          <a:blip r:embed="rId2"/>
+          <a:blip r:embed="rId2">
+            <a:extLst>
+              <a:ext uri="{28A0092B-C50C-407E-A947-70E740481C1C}">
+                <a14:useLocalDpi xmlns:a14="http://schemas.microsoft.com/office/drawing/2010/main" val="0"/>
+              </a:ext>
+            </a:extLst>
+          </a:blip>
           <a:stretch>
             <a:fillRect/>
           </a:stretch>
         </p:blipFill>
         <p:spPr>
           <a:xfrm>
-            <a:off x="9520543" y="5534287"/>
-            <a:ext cx="1657350" cy="990600"/>
+            <a:off x="8719457" y="5619758"/>
+            <a:ext cx="3095321" cy="1030742"/>
+          </a:xfrm>
+          <a:prstGeom prst="rect">
+            <a:avLst/>
+          </a:prstGeom>
+        </p:spPr>
+      </p:pic>
+    </p:spTree>
+    <p:extLst>
+      <p:ext uri="{BB962C8B-B14F-4D97-AF65-F5344CB8AC3E}">
+        <p14:creationId xmlns:p14="http://schemas.microsoft.com/office/powerpoint/2010/main" val="234162125"/>
+      </p:ext>
+    </p:extLst>
+  </p:cSld>
+  <p:clrMapOvr>
+    <a:masterClrMapping/>
+  </p:clrMapOvr>
+  <p:timing>
+    <p:tnLst>
+      <p:par>
+        <p:cTn id="1" dur="indefinite" restart="never" nodeType="tmRoot"/>
+      </p:par>
+    </p:tnLst>
+  </p:timing>
+</p:sld>
+</file>
+
+<file path=ppt/slides/slide3.xml><?xml version="1.0" encoding="utf-8"?>
+<p:sld xmlns:a="http://schemas.openxmlformats.org/drawingml/2006/main" xmlns:r="http://schemas.openxmlformats.org/officeDocument/2006/relationships" xmlns:p="http://schemas.openxmlformats.org/presentationml/2006/main">
+  <p:cSld>
+    <p:bg>
+      <p:bgPr>
+        <a:solidFill>
+          <a:srgbClr val="191919"/>
+        </a:solidFill>
+        <a:effectLst/>
+      </p:bgPr>
+    </p:bg>
+    <p:spTree>
+      <p:nvGrpSpPr>
+        <p:cNvPr id="1" name=""/>
+        <p:cNvGrpSpPr/>
+        <p:nvPr/>
+      </p:nvGrpSpPr>
+      <p:grpSpPr>
+        <a:xfrm>
+          <a:off x="0" y="0"/>
+          <a:ext cx="0" cy="0"/>
+          <a:chOff x="0" y="0"/>
+          <a:chExt cx="0" cy="0"/>
+        </a:xfrm>
+      </p:grpSpPr>
+      <p:sp>
+        <p:nvSpPr>
+          <p:cNvPr id="2" name="Title 1">
+            <a:extLst>
+              <a:ext uri="{FF2B5EF4-FFF2-40B4-BE49-F238E27FC236}">
+                <a16:creationId xmlns="" xmlns:a16="http://schemas.microsoft.com/office/drawing/2014/main" id="{942380C9-9B9B-4C9A-81A3-3351460A73B0}"/>
+              </a:ext>
+            </a:extLst>
+          </p:cNvPr>
+          <p:cNvSpPr>
+            <a:spLocks noGrp="1"/>
+          </p:cNvSpPr>
+          <p:nvPr>
+            <p:ph type="ctrTitle"/>
+          </p:nvPr>
+        </p:nvSpPr>
+        <p:spPr/>
+        <p:txBody>
+          <a:bodyPr/>
+          <a:lstStyle/>
+          <a:p>
+            <a:r>
+              <a:rPr lang="pt-BR" dirty="0" smtClean="0"/>
+              <a:t>&lt;/code&gt;</a:t>
+            </a:r>
+            <a:endParaRPr lang="en-US" dirty="0"/>
+          </a:p>
+        </p:txBody>
+      </p:sp>
+      <p:sp>
+        <p:nvSpPr>
+          <p:cNvPr id="3" name="Subtitle 2">
+            <a:extLst>
+              <a:ext uri="{FF2B5EF4-FFF2-40B4-BE49-F238E27FC236}">
+                <a16:creationId xmlns="" xmlns:a16="http://schemas.microsoft.com/office/drawing/2014/main" id="{A29C2244-9F3F-40B0-BFB2-311C22DE84BD}"/>
+              </a:ext>
+            </a:extLst>
+          </p:cNvPr>
+          <p:cNvSpPr>
+            <a:spLocks noGrp="1"/>
+          </p:cNvSpPr>
+          <p:nvPr>
+            <p:ph type="subTitle" idx="1"/>
+          </p:nvPr>
+        </p:nvSpPr>
+        <p:spPr/>
+        <p:txBody>
+          <a:bodyPr/>
+          <a:lstStyle/>
+          <a:p>
+            <a:r>
+              <a:rPr lang="pt-BR" dirty="0"/>
+              <a:t>O que é? Por que devo saber?</a:t>
+            </a:r>
+            <a:endParaRPr lang="en-US" dirty="0"/>
+          </a:p>
+        </p:txBody>
+      </p:sp>
+      <p:pic>
+        <p:nvPicPr>
+          <p:cNvPr id="5" name="Picture 4"/>
+          <p:cNvPicPr>
+            <a:picLocks noChangeAspect="1"/>
+          </p:cNvPicPr>
+          <p:nvPr/>
+        </p:nvPicPr>
+        <p:blipFill>
+          <a:blip r:embed="rId2">
+            <a:extLst>
+              <a:ext uri="{28A0092B-C50C-407E-A947-70E740481C1C}">
+                <a14:useLocalDpi xmlns:a14="http://schemas.microsoft.com/office/drawing/2010/main" val="0"/>
+              </a:ext>
+            </a:extLst>
+          </a:blip>
+          <a:stretch>
+            <a:fillRect/>
+          </a:stretch>
+        </p:blipFill>
+        <p:spPr>
+          <a:xfrm>
+            <a:off x="8719457" y="5619758"/>
+            <a:ext cx="3095321" cy="1030742"/>
           </a:xfrm>
           <a:prstGeom prst="rect">
             <a:avLst/>
@@ -4330,6 +4866,13 @@
   <p:clrMapOvr>
     <a:masterClrMapping/>
   </p:clrMapOvr>
+  <p:timing>
+    <p:tnLst>
+      <p:par>
+        <p:cTn id="1" dur="indefinite" restart="never" nodeType="tmRoot"/>
+      </p:par>
+    </p:tnLst>
+  </p:timing>
 </p:sld>
 </file>
 
@@ -4355,7 +4898,7 @@
           <p:cNvPr id="2" name="Title 1">
             <a:extLst>
               <a:ext uri="{FF2B5EF4-FFF2-40B4-BE49-F238E27FC236}">
-                <a16:creationId xmlns:a16="http://schemas.microsoft.com/office/drawing/2014/main" id="{942380C9-9B9B-4C9A-81A3-3351460A73B0}"/>
+                <a16:creationId xmlns="" xmlns:a16="http://schemas.microsoft.com/office/drawing/2014/main" id="{942380C9-9B9B-4C9A-81A3-3351460A73B0}"/>
               </a:ext>
             </a:extLst>
           </p:cNvPr>
@@ -4373,23 +4916,11 @@
           <a:p>
             <a:r>
               <a:rPr lang="pt-BR" dirty="0"/>
-              <a:t>Single </a:t>
+              <a:t>S.O.L.I.D </a:t>
             </a:r>
             <a:r>
               <a:rPr lang="pt-BR" dirty="0" err="1"/>
-              <a:t>Responsability</a:t>
-            </a:r>
-            <a:r>
-              <a:rPr lang="pt-BR" dirty="0"/>
-              <a:t> </a:t>
-            </a:r>
-            <a:r>
-              <a:rPr lang="pt-BR" dirty="0" err="1"/>
-              <a:t>Principe</a:t>
-            </a:r>
-            <a:r>
-              <a:rPr lang="pt-BR" dirty="0"/>
-              <a:t>. (SRP)</a:t>
+              <a:t>Principles</a:t>
             </a:r>
             <a:endParaRPr lang="en-US" dirty="0"/>
           </a:p>
@@ -4400,7 +4931,7 @@
           <p:cNvPr id="3" name="Subtitle 2">
             <a:extLst>
               <a:ext uri="{FF2B5EF4-FFF2-40B4-BE49-F238E27FC236}">
-                <a16:creationId xmlns:a16="http://schemas.microsoft.com/office/drawing/2014/main" id="{A29C2244-9F3F-40B0-BFB2-311C22DE84BD}"/>
+                <a16:creationId xmlns="" xmlns:a16="http://schemas.microsoft.com/office/drawing/2014/main" id="{A29C2244-9F3F-40B0-BFB2-311C22DE84BD}"/>
               </a:ext>
             </a:extLst>
           </p:cNvPr>
@@ -4418,84 +4949,36 @@
           <a:p>
             <a:r>
               <a:rPr lang="pt-BR" dirty="0"/>
-              <a:t>Uma Classe deve possuir apenas um motivo para ser alterada, ou seja, possuir apenas uma responsabilidade.</a:t>
-            </a:r>
-            <a:endParaRPr lang="en-US" dirty="0"/>
-          </a:p>
-        </p:txBody>
-      </p:sp>
-      <p:sp>
-        <p:nvSpPr>
-          <p:cNvPr id="4" name="TextBox 3">
-            <a:extLst>
-              <a:ext uri="{FF2B5EF4-FFF2-40B4-BE49-F238E27FC236}">
-                <a16:creationId xmlns:a16="http://schemas.microsoft.com/office/drawing/2014/main" id="{37FCC515-3548-4AE1-AD92-8838577BF78A}"/>
-              </a:ext>
-            </a:extLst>
-          </p:cNvPr>
-          <p:cNvSpPr txBox="1"/>
-          <p:nvPr/>
-        </p:nvSpPr>
-        <p:spPr>
-          <a:xfrm>
-            <a:off x="8961120" y="406400"/>
-            <a:ext cx="2057400" cy="369332"/>
-          </a:xfrm>
-          <a:prstGeom prst="rect">
-            <a:avLst/>
-          </a:prstGeom>
-          <a:noFill/>
-        </p:spPr>
-        <p:txBody>
-          <a:bodyPr wrap="square" rtlCol="0">
-            <a:spAutoFit/>
-          </a:bodyPr>
-          <a:lstStyle/>
-          <a:p>
-            <a:r>
-              <a:rPr lang="pt-BR" dirty="0" err="1">
-                <a:solidFill>
-                  <a:schemeClr val="bg1">
-                    <a:lumMod val="75000"/>
-                  </a:schemeClr>
-                </a:solidFill>
-              </a:rPr>
-              <a:t>ContaService</a:t>
-            </a:r>
-            <a:endParaRPr lang="en-US" dirty="0">
-              <a:solidFill>
-                <a:schemeClr val="bg1">
-                  <a:lumMod val="75000"/>
-                </a:schemeClr>
-              </a:solidFill>
-            </a:endParaRPr>
+              <a:t>O que é? Por que devo saber?</a:t>
+            </a:r>
+            <a:endParaRPr lang="en-US" dirty="0"/>
           </a:p>
         </p:txBody>
       </p:sp>
       <p:pic>
         <p:nvPicPr>
-          <p:cNvPr id="5" name="Picture 4">
-            <a:extLst>
-              <a:ext uri="{FF2B5EF4-FFF2-40B4-BE49-F238E27FC236}">
-                <a16:creationId xmlns:a16="http://schemas.microsoft.com/office/drawing/2014/main" id="{499D64CD-C424-4304-812A-E90747635912}"/>
-              </a:ext>
-            </a:extLst>
-          </p:cNvPr>
+          <p:cNvPr id="5" name="Picture 4"/>
           <p:cNvPicPr>
             <a:picLocks noChangeAspect="1"/>
           </p:cNvPicPr>
           <p:nvPr/>
         </p:nvPicPr>
         <p:blipFill>
-          <a:blip r:embed="rId2"/>
+          <a:blip r:embed="rId2">
+            <a:extLst>
+              <a:ext uri="{28A0092B-C50C-407E-A947-70E740481C1C}">
+                <a14:useLocalDpi xmlns:a14="http://schemas.microsoft.com/office/drawing/2010/main" val="0"/>
+              </a:ext>
+            </a:extLst>
+          </a:blip>
           <a:stretch>
             <a:fillRect/>
           </a:stretch>
         </p:blipFill>
         <p:spPr>
           <a:xfrm>
-            <a:off x="9520543" y="5534287"/>
-            <a:ext cx="1657350" cy="990600"/>
+            <a:off x="8719457" y="5619758"/>
+            <a:ext cx="3095321" cy="1030742"/>
           </a:xfrm>
           <a:prstGeom prst="rect">
             <a:avLst/>
@@ -4505,19 +4988,34 @@
     </p:spTree>
     <p:extLst>
       <p:ext uri="{BB962C8B-B14F-4D97-AF65-F5344CB8AC3E}">
-        <p14:creationId xmlns:p14="http://schemas.microsoft.com/office/powerpoint/2010/main" val="1485083317"/>
+        <p14:creationId xmlns:p14="http://schemas.microsoft.com/office/powerpoint/2010/main" val="1314900245"/>
       </p:ext>
     </p:extLst>
   </p:cSld>
   <p:clrMapOvr>
     <a:masterClrMapping/>
   </p:clrMapOvr>
+  <p:timing>
+    <p:tnLst>
+      <p:par>
+        <p:cTn id="1" dur="indefinite" restart="never" nodeType="tmRoot"/>
+      </p:par>
+    </p:tnLst>
+  </p:timing>
 </p:sld>
 </file>
 
 <file path=ppt/slides/slide5.xml><?xml version="1.0" encoding="utf-8"?>
 <p:sld xmlns:a="http://schemas.openxmlformats.org/drawingml/2006/main" xmlns:r="http://schemas.openxmlformats.org/officeDocument/2006/relationships" xmlns:p="http://schemas.openxmlformats.org/presentationml/2006/main">
   <p:cSld>
+    <p:bg>
+      <p:bgPr>
+        <a:solidFill>
+          <a:srgbClr val="191919"/>
+        </a:solidFill>
+        <a:effectLst/>
+      </p:bgPr>
+    </p:bg>
     <p:spTree>
       <p:nvGrpSpPr>
         <p:cNvPr id="1" name=""/>
@@ -4537,7 +5035,7 @@
           <p:cNvPr id="2" name="Title 1">
             <a:extLst>
               <a:ext uri="{FF2B5EF4-FFF2-40B4-BE49-F238E27FC236}">
-                <a16:creationId xmlns:a16="http://schemas.microsoft.com/office/drawing/2014/main" id="{942380C9-9B9B-4C9A-81A3-3351460A73B0}"/>
+                <a16:creationId xmlns="" xmlns:a16="http://schemas.microsoft.com/office/drawing/2014/main" id="{942380C9-9B9B-4C9A-81A3-3351460A73B0}"/>
               </a:ext>
             </a:extLst>
           </p:cNvPr>
@@ -4550,16 +5048,18 @@
         </p:nvSpPr>
         <p:spPr/>
         <p:txBody>
-          <a:bodyPr/>
+          <a:bodyPr>
+            <a:normAutofit fontScale="90000"/>
+          </a:bodyPr>
           <a:lstStyle/>
           <a:p>
             <a:r>
               <a:rPr lang="pt-BR" dirty="0"/>
-              <a:t>Open </a:t>
+              <a:t>Single </a:t>
             </a:r>
             <a:r>
               <a:rPr lang="pt-BR" dirty="0" err="1"/>
-              <a:t>Closed</a:t>
+              <a:t>Responsability</a:t>
             </a:r>
             <a:r>
               <a:rPr lang="pt-BR" dirty="0"/>
@@ -4567,11 +5067,11 @@
             </a:r>
             <a:r>
               <a:rPr lang="pt-BR" dirty="0" err="1"/>
-              <a:t>Principle</a:t>
+              <a:t>Principe</a:t>
             </a:r>
             <a:r>
               <a:rPr lang="pt-BR" dirty="0"/>
-              <a:t>. (OCP)</a:t>
+              <a:t>. (SRP)</a:t>
             </a:r>
             <a:endParaRPr lang="en-US" dirty="0"/>
           </a:p>
@@ -4582,7 +5082,7 @@
           <p:cNvPr id="3" name="Subtitle 2">
             <a:extLst>
               <a:ext uri="{FF2B5EF4-FFF2-40B4-BE49-F238E27FC236}">
-                <a16:creationId xmlns:a16="http://schemas.microsoft.com/office/drawing/2014/main" id="{A29C2244-9F3F-40B0-BFB2-311C22DE84BD}"/>
+                <a16:creationId xmlns="" xmlns:a16="http://schemas.microsoft.com/office/drawing/2014/main" id="{A29C2244-9F3F-40B0-BFB2-311C22DE84BD}"/>
               </a:ext>
             </a:extLst>
           </p:cNvPr>
@@ -4595,34 +5095,16 @@
         </p:nvSpPr>
         <p:spPr/>
         <p:txBody>
-          <a:bodyPr/>
+          <a:bodyPr>
+            <a:normAutofit fontScale="92500" lnSpcReduction="10000"/>
+          </a:bodyPr>
           <a:lstStyle/>
           <a:p>
             <a:r>
               <a:rPr lang="pt-BR" dirty="0"/>
-              <a:t>Entidades de software (classes, módulos, funções, </a:t>
-            </a:r>
-            <a:r>
-              <a:rPr lang="pt-BR" dirty="0" err="1"/>
-              <a:t>etc</a:t>
-            </a:r>
-            <a:r>
-              <a:rPr lang="pt-BR" dirty="0"/>
-              <a:t>) devem estar </a:t>
-            </a:r>
-            <a:r>
-              <a:rPr lang="pt-BR" b="1" u="sng" dirty="0"/>
-              <a:t>abertas para extensão</a:t>
-            </a:r>
-            <a:r>
-              <a:rPr lang="pt-BR" dirty="0"/>
-              <a:t>, mas </a:t>
-            </a:r>
-            <a:r>
-              <a:rPr lang="pt-BR" b="1" u="sng" dirty="0"/>
-              <a:t>fechadas para modificação.</a:t>
-            </a:r>
-            <a:endParaRPr lang="en-US" b="1" u="sng" dirty="0"/>
+              <a:t>Uma Classe deve possuir apenas um motivo para ser alterada, ou seja, possuir apenas uma responsabilidade.</a:t>
+            </a:r>
+            <a:endParaRPr lang="en-US" dirty="0"/>
           </a:p>
         </p:txBody>
       </p:sp>
@@ -4631,7 +5113,7 @@
           <p:cNvPr id="4" name="TextBox 3">
             <a:extLst>
               <a:ext uri="{FF2B5EF4-FFF2-40B4-BE49-F238E27FC236}">
-                <a16:creationId xmlns:a16="http://schemas.microsoft.com/office/drawing/2014/main" id="{C3301217-55A3-4D04-BBFF-19FA9E6B71B7}"/>
+                <a16:creationId xmlns="" xmlns:a16="http://schemas.microsoft.com/office/drawing/2014/main" id="{37FCC515-3548-4AE1-AD92-8838577BF78A}"/>
               </a:ext>
             </a:extLst>
           </p:cNvPr>
@@ -4676,28 +5158,28 @@
       </p:sp>
       <p:pic>
         <p:nvPicPr>
-          <p:cNvPr id="5" name="Picture 4">
-            <a:extLst>
-              <a:ext uri="{FF2B5EF4-FFF2-40B4-BE49-F238E27FC236}">
-                <a16:creationId xmlns:a16="http://schemas.microsoft.com/office/drawing/2014/main" id="{58CEAF47-3D6E-41F6-9289-C7B20850758D}"/>
-              </a:ext>
-            </a:extLst>
-          </p:cNvPr>
+          <p:cNvPr id="6" name="Picture 5"/>
           <p:cNvPicPr>
             <a:picLocks noChangeAspect="1"/>
           </p:cNvPicPr>
           <p:nvPr/>
         </p:nvPicPr>
         <p:blipFill>
-          <a:blip r:embed="rId2"/>
+          <a:blip r:embed="rId2">
+            <a:extLst>
+              <a:ext uri="{28A0092B-C50C-407E-A947-70E740481C1C}">
+                <a14:useLocalDpi xmlns:a14="http://schemas.microsoft.com/office/drawing/2010/main" val="0"/>
+              </a:ext>
+            </a:extLst>
+          </a:blip>
           <a:stretch>
             <a:fillRect/>
           </a:stretch>
         </p:blipFill>
         <p:spPr>
           <a:xfrm>
-            <a:off x="9520543" y="5534287"/>
-            <a:ext cx="1657350" cy="990600"/>
+            <a:off x="8719457" y="5619758"/>
+            <a:ext cx="3095321" cy="1030742"/>
           </a:xfrm>
           <a:prstGeom prst="rect">
             <a:avLst/>
@@ -4707,19 +5189,34 @@
     </p:spTree>
     <p:extLst>
       <p:ext uri="{BB962C8B-B14F-4D97-AF65-F5344CB8AC3E}">
-        <p14:creationId xmlns:p14="http://schemas.microsoft.com/office/powerpoint/2010/main" val="699625406"/>
+        <p14:creationId xmlns:p14="http://schemas.microsoft.com/office/powerpoint/2010/main" val="1485083317"/>
       </p:ext>
     </p:extLst>
   </p:cSld>
   <p:clrMapOvr>
     <a:masterClrMapping/>
   </p:clrMapOvr>
+  <p:timing>
+    <p:tnLst>
+      <p:par>
+        <p:cTn id="1" dur="indefinite" restart="never" nodeType="tmRoot"/>
+      </p:par>
+    </p:tnLst>
+  </p:timing>
 </p:sld>
 </file>
 
 <file path=ppt/slides/slide6.xml><?xml version="1.0" encoding="utf-8"?>
 <p:sld xmlns:a="http://schemas.openxmlformats.org/drawingml/2006/main" xmlns:r="http://schemas.openxmlformats.org/officeDocument/2006/relationships" xmlns:p="http://schemas.openxmlformats.org/presentationml/2006/main">
   <p:cSld>
+    <p:bg>
+      <p:bgPr>
+        <a:solidFill>
+          <a:srgbClr val="191919"/>
+        </a:solidFill>
+        <a:effectLst/>
+      </p:bgPr>
+    </p:bg>
     <p:spTree>
       <p:nvGrpSpPr>
         <p:cNvPr id="1" name=""/>
@@ -4739,7 +5236,7 @@
           <p:cNvPr id="2" name="Title 1">
             <a:extLst>
               <a:ext uri="{FF2B5EF4-FFF2-40B4-BE49-F238E27FC236}">
-                <a16:creationId xmlns:a16="http://schemas.microsoft.com/office/drawing/2014/main" id="{942380C9-9B9B-4C9A-81A3-3351460A73B0}"/>
+                <a16:creationId xmlns="" xmlns:a16="http://schemas.microsoft.com/office/drawing/2014/main" id="{942380C9-9B9B-4C9A-81A3-3351460A73B0}"/>
               </a:ext>
             </a:extLst>
           </p:cNvPr>
@@ -4757,11 +5254,11 @@
           <a:p>
             <a:r>
               <a:rPr lang="pt-BR" dirty="0"/>
-              <a:t>Liskov </a:t>
+              <a:t>Open </a:t>
             </a:r>
             <a:r>
               <a:rPr lang="pt-BR" dirty="0" err="1"/>
-              <a:t>Substitution</a:t>
+              <a:t>Closed</a:t>
             </a:r>
             <a:r>
               <a:rPr lang="pt-BR" dirty="0"/>
@@ -4773,7 +5270,7 @@
             </a:r>
             <a:r>
               <a:rPr lang="pt-BR" dirty="0"/>
-              <a:t>. (LSP)</a:t>
+              <a:t>. (OCP)</a:t>
             </a:r>
             <a:endParaRPr lang="en-US" dirty="0"/>
           </a:p>
@@ -4784,7 +5281,7 @@
           <p:cNvPr id="3" name="Subtitle 2">
             <a:extLst>
               <a:ext uri="{FF2B5EF4-FFF2-40B4-BE49-F238E27FC236}">
-                <a16:creationId xmlns:a16="http://schemas.microsoft.com/office/drawing/2014/main" id="{A29C2244-9F3F-40B0-BFB2-311C22DE84BD}"/>
+                <a16:creationId xmlns="" xmlns:a16="http://schemas.microsoft.com/office/drawing/2014/main" id="{A29C2244-9F3F-40B0-BFB2-311C22DE84BD}"/>
               </a:ext>
             </a:extLst>
           </p:cNvPr>
@@ -4795,19 +5292,36 @@
             <p:ph type="subTitle" idx="1"/>
           </p:nvPr>
         </p:nvSpPr>
-        <p:spPr>
-          <a:xfrm>
-            <a:off x="1069848" y="4389120"/>
-            <a:ext cx="7782052" cy="1069848"/>
-          </a:xfrm>
-        </p:spPr>
-        <p:txBody>
-          <a:bodyPr/>
+        <p:spPr/>
+        <p:txBody>
+          <a:bodyPr>
+            <a:normAutofit fontScale="92500" lnSpcReduction="10000"/>
+          </a:bodyPr>
           <a:lstStyle/>
           <a:p>
             <a:r>
               <a:rPr lang="pt-BR" dirty="0"/>
-              <a:t>Classes derivadas devem poder ser substituídas por suas classes base</a:t>
+              <a:t>Entidades de software (classes, módulos, funções, </a:t>
+            </a:r>
+            <a:r>
+              <a:rPr lang="pt-BR" dirty="0" err="1"/>
+              <a:t>etc</a:t>
+            </a:r>
+            <a:r>
+              <a:rPr lang="pt-BR" dirty="0"/>
+              <a:t>) devem estar </a:t>
+            </a:r>
+            <a:r>
+              <a:rPr lang="pt-BR" b="1" u="sng" dirty="0"/>
+              <a:t>abertas para extensão</a:t>
+            </a:r>
+            <a:r>
+              <a:rPr lang="pt-BR" dirty="0"/>
+              <a:t>, mas </a:t>
+            </a:r>
+            <a:r>
+              <a:rPr lang="pt-BR" b="1" u="sng" dirty="0"/>
+              <a:t>fechadas para modificação.</a:t>
             </a:r>
             <a:endParaRPr lang="en-US" b="1" u="sng" dirty="0"/>
           </a:p>
@@ -4818,7 +5332,224 @@
           <p:cNvPr id="4" name="TextBox 3">
             <a:extLst>
               <a:ext uri="{FF2B5EF4-FFF2-40B4-BE49-F238E27FC236}">
-                <a16:creationId xmlns:a16="http://schemas.microsoft.com/office/drawing/2014/main" id="{703AF918-407B-49DB-A809-91C767FE3316}"/>
+                <a16:creationId xmlns="" xmlns:a16="http://schemas.microsoft.com/office/drawing/2014/main" id="{C3301217-55A3-4D04-BBFF-19FA9E6B71B7}"/>
+              </a:ext>
+            </a:extLst>
+          </p:cNvPr>
+          <p:cNvSpPr txBox="1"/>
+          <p:nvPr/>
+        </p:nvSpPr>
+        <p:spPr>
+          <a:xfrm>
+            <a:off x="8961120" y="406400"/>
+            <a:ext cx="2057400" cy="369332"/>
+          </a:xfrm>
+          <a:prstGeom prst="rect">
+            <a:avLst/>
+          </a:prstGeom>
+          <a:noFill/>
+        </p:spPr>
+        <p:txBody>
+          <a:bodyPr wrap="square" rtlCol="0">
+            <a:spAutoFit/>
+          </a:bodyPr>
+          <a:lstStyle/>
+          <a:p>
+            <a:r>
+              <a:rPr lang="pt-BR" dirty="0" err="1">
+                <a:solidFill>
+                  <a:schemeClr val="bg1">
+                    <a:lumMod val="75000"/>
+                  </a:schemeClr>
+                </a:solidFill>
+              </a:rPr>
+              <a:t>ContaService</a:t>
+            </a:r>
+            <a:endParaRPr lang="en-US" dirty="0">
+              <a:solidFill>
+                <a:schemeClr val="bg1">
+                  <a:lumMod val="75000"/>
+                </a:schemeClr>
+              </a:solidFill>
+            </a:endParaRPr>
+          </a:p>
+        </p:txBody>
+      </p:sp>
+      <p:pic>
+        <p:nvPicPr>
+          <p:cNvPr id="6" name="Picture 5"/>
+          <p:cNvPicPr>
+            <a:picLocks noChangeAspect="1"/>
+          </p:cNvPicPr>
+          <p:nvPr/>
+        </p:nvPicPr>
+        <p:blipFill>
+          <a:blip r:embed="rId2">
+            <a:extLst>
+              <a:ext uri="{28A0092B-C50C-407E-A947-70E740481C1C}">
+                <a14:useLocalDpi xmlns:a14="http://schemas.microsoft.com/office/drawing/2010/main" val="0"/>
+              </a:ext>
+            </a:extLst>
+          </a:blip>
+          <a:stretch>
+            <a:fillRect/>
+          </a:stretch>
+        </p:blipFill>
+        <p:spPr>
+          <a:xfrm>
+            <a:off x="8719457" y="5619758"/>
+            <a:ext cx="3095321" cy="1030742"/>
+          </a:xfrm>
+          <a:prstGeom prst="rect">
+            <a:avLst/>
+          </a:prstGeom>
+        </p:spPr>
+      </p:pic>
+    </p:spTree>
+    <p:extLst>
+      <p:ext uri="{BB962C8B-B14F-4D97-AF65-F5344CB8AC3E}">
+        <p14:creationId xmlns:p14="http://schemas.microsoft.com/office/powerpoint/2010/main" val="699625406"/>
+      </p:ext>
+    </p:extLst>
+  </p:cSld>
+  <p:clrMapOvr>
+    <a:masterClrMapping/>
+  </p:clrMapOvr>
+  <p:timing>
+    <p:tnLst>
+      <p:par>
+        <p:cTn id="1" dur="indefinite" restart="never" nodeType="tmRoot"/>
+      </p:par>
+    </p:tnLst>
+  </p:timing>
+</p:sld>
+</file>
+
+<file path=ppt/slides/slide7.xml><?xml version="1.0" encoding="utf-8"?>
+<p:sld xmlns:a="http://schemas.openxmlformats.org/drawingml/2006/main" xmlns:r="http://schemas.openxmlformats.org/officeDocument/2006/relationships" xmlns:p="http://schemas.openxmlformats.org/presentationml/2006/main">
+  <p:cSld>
+    <p:bg>
+      <p:bgPr>
+        <a:solidFill>
+          <a:srgbClr val="191919"/>
+        </a:solidFill>
+        <a:effectLst/>
+      </p:bgPr>
+    </p:bg>
+    <p:spTree>
+      <p:nvGrpSpPr>
+        <p:cNvPr id="1" name=""/>
+        <p:cNvGrpSpPr/>
+        <p:nvPr/>
+      </p:nvGrpSpPr>
+      <p:grpSpPr>
+        <a:xfrm>
+          <a:off x="0" y="0"/>
+          <a:ext cx="0" cy="0"/>
+          <a:chOff x="0" y="0"/>
+          <a:chExt cx="0" cy="0"/>
+        </a:xfrm>
+      </p:grpSpPr>
+      <p:sp>
+        <p:nvSpPr>
+          <p:cNvPr id="2" name="Title 1">
+            <a:extLst>
+              <a:ext uri="{FF2B5EF4-FFF2-40B4-BE49-F238E27FC236}">
+                <a16:creationId xmlns="" xmlns:a16="http://schemas.microsoft.com/office/drawing/2014/main" id="{942380C9-9B9B-4C9A-81A3-3351460A73B0}"/>
+              </a:ext>
+            </a:extLst>
+          </p:cNvPr>
+          <p:cNvSpPr>
+            <a:spLocks noGrp="1"/>
+          </p:cNvSpPr>
+          <p:nvPr>
+            <p:ph type="ctrTitle"/>
+          </p:nvPr>
+        </p:nvSpPr>
+        <p:spPr>
+          <a:xfrm>
+            <a:off x="1088912" y="1143293"/>
+            <a:ext cx="8109952" cy="4268965"/>
+          </a:xfrm>
+        </p:spPr>
+        <p:txBody>
+          <a:bodyPr>
+            <a:normAutofit/>
+          </a:bodyPr>
+          <a:lstStyle/>
+          <a:p>
+            <a:r>
+              <a:rPr lang="pt-BR" sz="6900" dirty="0"/>
+              <a:t>Liskov </a:t>
+            </a:r>
+            <a:r>
+              <a:rPr lang="pt-BR" sz="6900" dirty="0" err="1"/>
+              <a:t>Substitution</a:t>
+            </a:r>
+            <a:r>
+              <a:rPr lang="pt-BR" sz="6900" dirty="0"/>
+              <a:t> </a:t>
+            </a:r>
+            <a:r>
+              <a:rPr lang="pt-BR" sz="6900" dirty="0" err="1"/>
+              <a:t>Principle</a:t>
+            </a:r>
+            <a:r>
+              <a:rPr lang="pt-BR" sz="6900" dirty="0"/>
+              <a:t>. (LSP)</a:t>
+            </a:r>
+            <a:endParaRPr lang="en-US" sz="6900" dirty="0"/>
+          </a:p>
+        </p:txBody>
+      </p:sp>
+      <p:sp>
+        <p:nvSpPr>
+          <p:cNvPr id="3" name="Subtitle 2">
+            <a:extLst>
+              <a:ext uri="{FF2B5EF4-FFF2-40B4-BE49-F238E27FC236}">
+                <a16:creationId xmlns="" xmlns:a16="http://schemas.microsoft.com/office/drawing/2014/main" id="{A29C2244-9F3F-40B0-BFB2-311C22DE84BD}"/>
+              </a:ext>
+            </a:extLst>
+          </p:cNvPr>
+          <p:cNvSpPr>
+            <a:spLocks noGrp="1"/>
+          </p:cNvSpPr>
+          <p:nvPr>
+            <p:ph type="subTitle" idx="1"/>
+          </p:nvPr>
+        </p:nvSpPr>
+        <p:spPr>
+          <a:xfrm>
+            <a:off x="1088912" y="4251960"/>
+            <a:ext cx="7782052" cy="1069848"/>
+          </a:xfrm>
+        </p:spPr>
+        <p:txBody>
+          <a:bodyPr/>
+          <a:lstStyle/>
+          <a:p>
+            <a:r>
+              <a:rPr lang="pt-BR" dirty="0"/>
+              <a:t>Classes derivadas devem </a:t>
+            </a:r>
+            <a:r>
+              <a:rPr lang="pt-BR" dirty="0" smtClean="0"/>
+              <a:t>poder ser </a:t>
+            </a:r>
+            <a:r>
+              <a:rPr lang="pt-BR" dirty="0"/>
+              <a:t>substituídas por suas classes base</a:t>
+            </a:r>
+            <a:endParaRPr lang="en-US" b="1" u="sng" dirty="0"/>
+          </a:p>
+        </p:txBody>
+      </p:sp>
+      <p:sp>
+        <p:nvSpPr>
+          <p:cNvPr id="4" name="TextBox 3">
+            <a:extLst>
+              <a:ext uri="{FF2B5EF4-FFF2-40B4-BE49-F238E27FC236}">
+                <a16:creationId xmlns="" xmlns:a16="http://schemas.microsoft.com/office/drawing/2014/main" id="{703AF918-407B-49DB-A809-91C767FE3316}"/>
               </a:ext>
             </a:extLst>
           </p:cNvPr>
@@ -4863,28 +5594,28 @@
       </p:sp>
       <p:pic>
         <p:nvPicPr>
-          <p:cNvPr id="5" name="Picture 4">
-            <a:extLst>
-              <a:ext uri="{FF2B5EF4-FFF2-40B4-BE49-F238E27FC236}">
-                <a16:creationId xmlns:a16="http://schemas.microsoft.com/office/drawing/2014/main" id="{01E27905-3ACA-484B-B9B5-0727B547457A}"/>
-              </a:ext>
-            </a:extLst>
-          </p:cNvPr>
+          <p:cNvPr id="6" name="Picture 5"/>
           <p:cNvPicPr>
             <a:picLocks noChangeAspect="1"/>
           </p:cNvPicPr>
           <p:nvPr/>
         </p:nvPicPr>
         <p:blipFill>
-          <a:blip r:embed="rId2"/>
+          <a:blip r:embed="rId2">
+            <a:extLst>
+              <a:ext uri="{28A0092B-C50C-407E-A947-70E740481C1C}">
+                <a14:useLocalDpi xmlns:a14="http://schemas.microsoft.com/office/drawing/2010/main" val="0"/>
+              </a:ext>
+            </a:extLst>
+          </a:blip>
           <a:stretch>
             <a:fillRect/>
           </a:stretch>
         </p:blipFill>
         <p:spPr>
           <a:xfrm>
-            <a:off x="9520543" y="5534287"/>
-            <a:ext cx="1657350" cy="990600"/>
+            <a:off x="8719457" y="5619758"/>
+            <a:ext cx="3095321" cy="1030742"/>
           </a:xfrm>
           <a:prstGeom prst="rect">
             <a:avLst/>
@@ -4904,9 +5635,17 @@
 </p:sld>
 </file>
 
-<file path=ppt/slides/slide7.xml><?xml version="1.0" encoding="utf-8"?>
+<file path=ppt/slides/slide8.xml><?xml version="1.0" encoding="utf-8"?>
 <p:sld xmlns:a="http://schemas.openxmlformats.org/drawingml/2006/main" xmlns:r="http://schemas.openxmlformats.org/officeDocument/2006/relationships" xmlns:p="http://schemas.openxmlformats.org/presentationml/2006/main">
   <p:cSld>
+    <p:bg>
+      <p:bgPr>
+        <a:solidFill>
+          <a:srgbClr val="191919"/>
+        </a:solidFill>
+        <a:effectLst/>
+      </p:bgPr>
+    </p:bg>
     <p:spTree>
       <p:nvGrpSpPr>
         <p:cNvPr id="1" name=""/>
@@ -4926,7 +5665,7 @@
           <p:cNvPr id="2" name="Title 1">
             <a:extLst>
               <a:ext uri="{FF2B5EF4-FFF2-40B4-BE49-F238E27FC236}">
-                <a16:creationId xmlns:a16="http://schemas.microsoft.com/office/drawing/2014/main" id="{942380C9-9B9B-4C9A-81A3-3351460A73B0}"/>
+                <a16:creationId xmlns="" xmlns:a16="http://schemas.microsoft.com/office/drawing/2014/main" id="{942380C9-9B9B-4C9A-81A3-3351460A73B0}"/>
               </a:ext>
             </a:extLst>
           </p:cNvPr>
@@ -4937,7 +5676,12 @@
             <p:ph type="ctrTitle"/>
           </p:nvPr>
         </p:nvSpPr>
-        <p:spPr/>
+        <p:spPr>
+          <a:xfrm>
+            <a:off x="1088912" y="1143293"/>
+            <a:ext cx="8850615" cy="4268965"/>
+          </a:xfrm>
+        </p:spPr>
         <p:txBody>
           <a:bodyPr/>
           <a:lstStyle/>
@@ -4971,7 +5715,7 @@
           <p:cNvPr id="3" name="Subtitle 2">
             <a:extLst>
               <a:ext uri="{FF2B5EF4-FFF2-40B4-BE49-F238E27FC236}">
-                <a16:creationId xmlns:a16="http://schemas.microsoft.com/office/drawing/2014/main" id="{A29C2244-9F3F-40B0-BFB2-311C22DE84BD}"/>
+                <a16:creationId xmlns="" xmlns:a16="http://schemas.microsoft.com/office/drawing/2014/main" id="{A29C2244-9F3F-40B0-BFB2-311C22DE84BD}"/>
               </a:ext>
             </a:extLst>
           </p:cNvPr>
@@ -5005,7 +5749,7 @@
           <p:cNvPr id="4" name="TextBox 3">
             <a:extLst>
               <a:ext uri="{FF2B5EF4-FFF2-40B4-BE49-F238E27FC236}">
-                <a16:creationId xmlns:a16="http://schemas.microsoft.com/office/drawing/2014/main" id="{C7AA4A80-A6DD-4EA0-8D5D-AD4565BAF76C}"/>
+                <a16:creationId xmlns="" xmlns:a16="http://schemas.microsoft.com/office/drawing/2014/main" id="{C7AA4A80-A6DD-4EA0-8D5D-AD4565BAF76C}"/>
               </a:ext>
             </a:extLst>
           </p:cNvPr>
@@ -5050,28 +5794,28 @@
       </p:sp>
       <p:pic>
         <p:nvPicPr>
-          <p:cNvPr id="5" name="Picture 4">
-            <a:extLst>
-              <a:ext uri="{FF2B5EF4-FFF2-40B4-BE49-F238E27FC236}">
-                <a16:creationId xmlns:a16="http://schemas.microsoft.com/office/drawing/2014/main" id="{8C940A44-5A61-4CEA-91E4-6D627FAB5769}"/>
-              </a:ext>
-            </a:extLst>
-          </p:cNvPr>
+          <p:cNvPr id="6" name="Picture 5"/>
           <p:cNvPicPr>
             <a:picLocks noChangeAspect="1"/>
           </p:cNvPicPr>
           <p:nvPr/>
         </p:nvPicPr>
         <p:blipFill>
-          <a:blip r:embed="rId2"/>
+          <a:blip r:embed="rId2">
+            <a:extLst>
+              <a:ext uri="{28A0092B-C50C-407E-A947-70E740481C1C}">
+                <a14:useLocalDpi xmlns:a14="http://schemas.microsoft.com/office/drawing/2010/main" val="0"/>
+              </a:ext>
+            </a:extLst>
+          </a:blip>
           <a:stretch>
             <a:fillRect/>
           </a:stretch>
         </p:blipFill>
         <p:spPr>
           <a:xfrm>
-            <a:off x="9520543" y="5534287"/>
-            <a:ext cx="1657350" cy="990600"/>
+            <a:off x="8719457" y="5619758"/>
+            <a:ext cx="3095321" cy="1030742"/>
           </a:xfrm>
           <a:prstGeom prst="rect">
             <a:avLst/>
@@ -5091,9 +5835,17 @@
 </p:sld>
 </file>
 
-<file path=ppt/slides/slide8.xml><?xml version="1.0" encoding="utf-8"?>
+<file path=ppt/slides/slide9.xml><?xml version="1.0" encoding="utf-8"?>
 <p:sld xmlns:a="http://schemas.openxmlformats.org/drawingml/2006/main" xmlns:r="http://schemas.openxmlformats.org/officeDocument/2006/relationships" xmlns:p="http://schemas.openxmlformats.org/presentationml/2006/main">
   <p:cSld>
+    <p:bg>
+      <p:bgPr>
+        <a:solidFill>
+          <a:srgbClr val="191919"/>
+        </a:solidFill>
+        <a:effectLst/>
+      </p:bgPr>
+    </p:bg>
     <p:spTree>
       <p:nvGrpSpPr>
         <p:cNvPr id="1" name=""/>
@@ -5113,7 +5865,7 @@
           <p:cNvPr id="2" name="Title 1">
             <a:extLst>
               <a:ext uri="{FF2B5EF4-FFF2-40B4-BE49-F238E27FC236}">
-                <a16:creationId xmlns:a16="http://schemas.microsoft.com/office/drawing/2014/main" id="{942380C9-9B9B-4C9A-81A3-3351460A73B0}"/>
+                <a16:creationId xmlns="" xmlns:a16="http://schemas.microsoft.com/office/drawing/2014/main" id="{942380C9-9B9B-4C9A-81A3-3351460A73B0}"/>
               </a:ext>
             </a:extLst>
           </p:cNvPr>
@@ -5124,39 +5876,46 @@
             <p:ph type="ctrTitle"/>
           </p:nvPr>
         </p:nvSpPr>
-        <p:spPr/>
-        <p:txBody>
-          <a:bodyPr/>
-          <a:lstStyle/>
-          <a:p>
-            <a:r>
-              <a:rPr lang="pt-BR" dirty="0" err="1"/>
+        <p:spPr>
+          <a:xfrm>
+            <a:off x="1088912" y="1143293"/>
+            <a:ext cx="8155671" cy="4268965"/>
+          </a:xfrm>
+        </p:spPr>
+        <p:txBody>
+          <a:bodyPr>
+            <a:normAutofit/>
+          </a:bodyPr>
+          <a:lstStyle/>
+          <a:p>
+            <a:r>
+              <a:rPr lang="pt-BR" sz="6900" dirty="0" err="1"/>
               <a:t>Dependency</a:t>
             </a:r>
             <a:r>
-              <a:rPr lang="pt-BR" dirty="0"/>
+              <a:rPr lang="pt-BR" sz="6900" dirty="0"/>
               <a:t> </a:t>
             </a:r>
             <a:r>
-              <a:rPr lang="pt-BR" dirty="0" err="1"/>
+              <a:rPr lang="pt-BR" sz="6900" dirty="0" err="1"/>
               <a:t>Inversion</a:t>
             </a:r>
             <a:r>
-              <a:rPr lang="pt-BR" dirty="0"/>
+              <a:rPr lang="pt-BR" sz="6900" dirty="0"/>
               <a:t> </a:t>
             </a:r>
             <a:br>
-              <a:rPr lang="pt-BR" dirty="0"/>
+              <a:rPr lang="pt-BR" sz="6900" dirty="0"/>
             </a:br>
             <a:r>
-              <a:rPr lang="pt-BR" dirty="0" err="1"/>
+              <a:rPr lang="pt-BR" sz="6900" dirty="0" err="1"/>
               <a:t>Principle</a:t>
             </a:r>
             <a:r>
-              <a:rPr lang="pt-BR" dirty="0"/>
+              <a:rPr lang="pt-BR" sz="6900" dirty="0"/>
               <a:t>. (DIP)</a:t>
             </a:r>
-            <a:endParaRPr lang="en-US" dirty="0"/>
+            <a:endParaRPr lang="en-US" sz="6900" dirty="0"/>
           </a:p>
         </p:txBody>
       </p:sp>
@@ -5165,7 +5924,7 @@
           <p:cNvPr id="3" name="Subtitle 2">
             <a:extLst>
               <a:ext uri="{FF2B5EF4-FFF2-40B4-BE49-F238E27FC236}">
-                <a16:creationId xmlns:a16="http://schemas.microsoft.com/office/drawing/2014/main" id="{A29C2244-9F3F-40B0-BFB2-311C22DE84BD}"/>
+                <a16:creationId xmlns="" xmlns:a16="http://schemas.microsoft.com/office/drawing/2014/main" id="{A29C2244-9F3F-40B0-BFB2-311C22DE84BD}"/>
               </a:ext>
             </a:extLst>
           </p:cNvPr>
@@ -5199,7 +5958,7 @@
           <p:cNvPr id="4" name="TextBox 3">
             <a:extLst>
               <a:ext uri="{FF2B5EF4-FFF2-40B4-BE49-F238E27FC236}">
-                <a16:creationId xmlns:a16="http://schemas.microsoft.com/office/drawing/2014/main" id="{6BBE5CE1-87EA-4042-8009-BA9C54CA79C5}"/>
+                <a16:creationId xmlns="" xmlns:a16="http://schemas.microsoft.com/office/drawing/2014/main" id="{6BBE5CE1-87EA-4042-8009-BA9C54CA79C5}"/>
               </a:ext>
             </a:extLst>
           </p:cNvPr>
@@ -5244,28 +6003,28 @@
       </p:sp>
       <p:pic>
         <p:nvPicPr>
-          <p:cNvPr id="5" name="Picture 4">
-            <a:extLst>
-              <a:ext uri="{FF2B5EF4-FFF2-40B4-BE49-F238E27FC236}">
-                <a16:creationId xmlns:a16="http://schemas.microsoft.com/office/drawing/2014/main" id="{9BE215DA-642A-4078-B5FC-743CEC012B97}"/>
-              </a:ext>
-            </a:extLst>
-          </p:cNvPr>
+          <p:cNvPr id="6" name="Picture 5"/>
           <p:cNvPicPr>
             <a:picLocks noChangeAspect="1"/>
           </p:cNvPicPr>
           <p:nvPr/>
         </p:nvPicPr>
         <p:blipFill>
-          <a:blip r:embed="rId2"/>
+          <a:blip r:embed="rId2">
+            <a:extLst>
+              <a:ext uri="{28A0092B-C50C-407E-A947-70E740481C1C}">
+                <a14:useLocalDpi xmlns:a14="http://schemas.microsoft.com/office/drawing/2010/main" val="0"/>
+              </a:ext>
+            </a:extLst>
+          </a:blip>
           <a:stretch>
             <a:fillRect/>
           </a:stretch>
         </p:blipFill>
         <p:spPr>
           <a:xfrm>
-            <a:off x="9520543" y="5534287"/>
-            <a:ext cx="1657350" cy="990600"/>
+            <a:off x="8719457" y="5619758"/>
+            <a:ext cx="3095321" cy="1030742"/>
           </a:xfrm>
           <a:prstGeom prst="rect">
             <a:avLst/>
@@ -5285,139 +6044,10 @@
 </p:sld>
 </file>
 
-<file path=ppt/slides/slide9.xml><?xml version="1.0" encoding="utf-8"?>
-<p:sld xmlns:a="http://schemas.openxmlformats.org/drawingml/2006/main" xmlns:r="http://schemas.openxmlformats.org/officeDocument/2006/relationships" xmlns:p="http://schemas.openxmlformats.org/presentationml/2006/main">
-  <p:cSld>
-    <p:spTree>
-      <p:nvGrpSpPr>
-        <p:cNvPr id="1" name=""/>
-        <p:cNvGrpSpPr/>
-        <p:nvPr/>
-      </p:nvGrpSpPr>
-      <p:grpSpPr>
-        <a:xfrm>
-          <a:off x="0" y="0"/>
-          <a:ext cx="0" cy="0"/>
-          <a:chOff x="0" y="0"/>
-          <a:chExt cx="0" cy="0"/>
-        </a:xfrm>
-      </p:grpSpPr>
-      <p:sp>
-        <p:nvSpPr>
-          <p:cNvPr id="2" name="Title 1">
-            <a:extLst>
-              <a:ext uri="{FF2B5EF4-FFF2-40B4-BE49-F238E27FC236}">
-                <a16:creationId xmlns:a16="http://schemas.microsoft.com/office/drawing/2014/main" id="{942380C9-9B9B-4C9A-81A3-3351460A73B0}"/>
-              </a:ext>
-            </a:extLst>
-          </p:cNvPr>
-          <p:cNvSpPr>
-            <a:spLocks noGrp="1"/>
-          </p:cNvSpPr>
-          <p:nvPr>
-            <p:ph type="ctrTitle"/>
-          </p:nvPr>
-        </p:nvSpPr>
-        <p:spPr/>
-        <p:txBody>
-          <a:bodyPr/>
-          <a:lstStyle/>
-          <a:p>
-            <a:r>
-              <a:rPr lang="pt-BR" dirty="0"/>
-              <a:t>Duvidas?</a:t>
-            </a:r>
-            <a:endParaRPr lang="en-US" dirty="0"/>
-          </a:p>
-        </p:txBody>
-      </p:sp>
-      <p:sp>
-        <p:nvSpPr>
-          <p:cNvPr id="3" name="Subtitle 2">
-            <a:extLst>
-              <a:ext uri="{FF2B5EF4-FFF2-40B4-BE49-F238E27FC236}">
-                <a16:creationId xmlns:a16="http://schemas.microsoft.com/office/drawing/2014/main" id="{A29C2244-9F3F-40B0-BFB2-311C22DE84BD}"/>
-              </a:ext>
-            </a:extLst>
-          </p:cNvPr>
-          <p:cNvSpPr>
-            <a:spLocks noGrp="1"/>
-          </p:cNvSpPr>
-          <p:nvPr>
-            <p:ph type="subTitle" idx="1"/>
-          </p:nvPr>
-        </p:nvSpPr>
-        <p:spPr/>
-        <p:txBody>
-          <a:bodyPr/>
-          <a:lstStyle/>
-          <a:p>
-            <a:r>
-              <a:rPr lang="pt-BR" dirty="0"/>
-              <a:t>Skype : </a:t>
-            </a:r>
-            <a:r>
-              <a:rPr lang="pt-BR" dirty="0" err="1"/>
-              <a:t>wesley_oliveira</a:t>
-            </a:r>
-            <a:endParaRPr lang="pt-BR" dirty="0"/>
-          </a:p>
-          <a:p>
-            <a:r>
-              <a:rPr lang="pt-BR" dirty="0"/>
-              <a:t>GIT : https://github.com/wpoPR/Cinq-Solid</a:t>
-            </a:r>
-            <a:endParaRPr lang="en-US" dirty="0"/>
-          </a:p>
-        </p:txBody>
-      </p:sp>
-      <p:pic>
-        <p:nvPicPr>
-          <p:cNvPr id="4" name="Picture 3">
-            <a:extLst>
-              <a:ext uri="{FF2B5EF4-FFF2-40B4-BE49-F238E27FC236}">
-                <a16:creationId xmlns:a16="http://schemas.microsoft.com/office/drawing/2014/main" id="{23D21B7D-C04A-4226-BDD8-D9CB117380D1}"/>
-              </a:ext>
-            </a:extLst>
-          </p:cNvPr>
-          <p:cNvPicPr>
-            <a:picLocks noChangeAspect="1"/>
-          </p:cNvPicPr>
-          <p:nvPr/>
-        </p:nvPicPr>
-        <p:blipFill>
-          <a:blip r:embed="rId2"/>
-          <a:stretch>
-            <a:fillRect/>
-          </a:stretch>
-        </p:blipFill>
-        <p:spPr>
-          <a:xfrm>
-            <a:off x="9520543" y="5534287"/>
-            <a:ext cx="1657350" cy="990600"/>
-          </a:xfrm>
-          <a:prstGeom prst="rect">
-            <a:avLst/>
-          </a:prstGeom>
-        </p:spPr>
-      </p:pic>
-    </p:spTree>
-    <p:extLst>
-      <p:ext uri="{BB962C8B-B14F-4D97-AF65-F5344CB8AC3E}">
-        <p14:creationId xmlns:p14="http://schemas.microsoft.com/office/powerpoint/2010/main" val="2668199559"/>
-      </p:ext>
-    </p:extLst>
-  </p:cSld>
-  <p:clrMapOvr>
-    <a:masterClrMapping/>
-  </p:clrMapOvr>
-</p:sld>
-</file>
-
 <file path=ppt/theme/theme1.xml><?xml version="1.0" encoding="utf-8"?>
-<a:theme xmlns:a="http://schemas.openxmlformats.org/drawingml/2006/main" name="Wood Type">
+<a:theme xmlns:a="http://schemas.openxmlformats.org/drawingml/2006/main" name="Headlines">
   <a:themeElements>
-    <a:clrScheme name="Wood Type">
+    <a:clrScheme name="Headlines">
       <a:dk1>
         <a:sysClr val="windowText" lastClr="000000"/>
       </a:dk1>
@@ -5425,48 +6055,83 @@
         <a:sysClr val="window" lastClr="FFFFFF"/>
       </a:lt1>
       <a:dk2>
-        <a:srgbClr val="775F55"/>
+        <a:srgbClr val="1D1A1D"/>
       </a:dk2>
       <a:lt2>
-        <a:srgbClr val="EBDDC3"/>
+        <a:srgbClr val="F5F5F5"/>
       </a:lt2>
       <a:accent1>
-        <a:srgbClr val="94B6D2"/>
+        <a:srgbClr val="439EB7"/>
       </a:accent1>
       <a:accent2>
-        <a:srgbClr val="DD8047"/>
+        <a:srgbClr val="E28B55"/>
       </a:accent2>
       <a:accent3>
-        <a:srgbClr val="A5AB81"/>
+        <a:srgbClr val="DCB64D"/>
       </a:accent3>
       <a:accent4>
-        <a:srgbClr val="D8B25C"/>
+        <a:srgbClr val="4CA198"/>
       </a:accent4>
       <a:accent5>
-        <a:srgbClr val="7BA79D"/>
+        <a:srgbClr val="835B82"/>
       </a:accent5>
       <a:accent6>
-        <a:srgbClr val="968C8C"/>
+        <a:srgbClr val="645135"/>
       </a:accent6>
       <a:hlink>
-        <a:srgbClr val="F7B615"/>
+        <a:srgbClr val="439EB7"/>
       </a:hlink>
       <a:folHlink>
-        <a:srgbClr val="704404"/>
+        <a:srgbClr val="835B82"/>
       </a:folHlink>
     </a:clrScheme>
-    <a:fontScheme name="Wood Type">
+    <a:fontScheme name="Headlines">
       <a:majorFont>
-        <a:latin typeface="Georgia" panose="02040502050405020303"/>
+        <a:latin typeface="Century Schoolbook" panose="02040604050505020304"/>
         <a:ea typeface=""/>
         <a:cs typeface=""/>
-        <a:font script="Jpan" typeface="ＭＳ Ｐゴシック"/>
-        <a:font script="Hang" typeface="돋움"/>
-        <a:font script="Hans" typeface="方正舒体"/>
-        <a:font script="Hant" typeface="微軟正黑體"/>
-        <a:font script="Arab" typeface="Arial"/>
-        <a:font script="Hebr" typeface="Arial"/>
-        <a:font script="Thai" typeface="Cordia New"/>
+        <a:font script="Jpan" typeface="メイリオ"/>
+        <a:font script="Hang" typeface="맑은 고딕"/>
+        <a:font script="Hans" typeface="宋体"/>
+        <a:font script="Hant" typeface="新細明體"/>
+        <a:font script="Arab" typeface="Tahoma"/>
+        <a:font script="Hebr" typeface="Gisha"/>
+        <a:font script="Thai" typeface="DilleniaUPC"/>
+        <a:font script="Ethi" typeface="Nyala"/>
+        <a:font script="Beng" typeface="Vrinda"/>
+        <a:font script="Gujr" typeface="Shruti"/>
+        <a:font script="Khmr" typeface="DaunPenh"/>
+        <a:font script="Knda" typeface="Tunga"/>
+        <a:font script="Guru" typeface="Raavi"/>
+        <a:font script="Cans" typeface="Euphemia"/>
+        <a:font script="Cher" typeface="Plantagenet Cherokee"/>
+        <a:font script="Yiii" typeface="Microsoft Yi Baiti"/>
+        <a:font script="Tibt" typeface="Microsoft Himalaya"/>
+        <a:font script="Thaa" typeface="MV Boli"/>
+        <a:font script="Deva" typeface="Mangal"/>
+        <a:font script="Telu" typeface="Gautami"/>
+        <a:font script="Taml" typeface="Latha"/>
+        <a:font script="Syrc" typeface="Estrangelo Edessa"/>
+        <a:font script="Orya" typeface="Kalinga"/>
+        <a:font script="Mlym" typeface="Kartika"/>
+        <a:font script="Laoo" typeface="DokChampa"/>
+        <a:font script="Sinh" typeface="Iskoola Pota"/>
+        <a:font script="Mong" typeface="Mongolian Baiti"/>
+        <a:font script="Viet" typeface="Tahoma"/>
+        <a:font script="Uigh" typeface="Microsoft Uighur"/>
+        <a:font script="Geor" typeface="Sylfaen"/>
+      </a:majorFont>
+      <a:minorFont>
+        <a:latin typeface="Corbel" panose="020B0503020204020204"/>
+        <a:ea typeface=""/>
+        <a:cs typeface=""/>
+        <a:font script="Jpan" typeface="メイリオ"/>
+        <a:font script="Hang" typeface="HY엽서L"/>
+        <a:font script="Hans" typeface="华文楷体"/>
+        <a:font script="Hant" typeface="新細明體"/>
+        <a:font script="Arab" typeface="Tahoma"/>
+        <a:font script="Hebr" typeface="Miriam"/>
+        <a:font script="Thai" typeface="DilleniaUPC"/>
         <a:font script="Ethi" typeface="Nyala"/>
         <a:font script="Beng" typeface="Vrinda"/>
         <a:font script="Gujr" typeface="Shruti"/>
@@ -5489,93 +6154,67 @@
         <a:font script="Mong" typeface="Mongolian Baiti"/>
         <a:font script="Viet" typeface="Arial"/>
         <a:font script="Uigh" typeface="Microsoft Uighur"/>
-      </a:majorFont>
-      <a:minorFont>
-        <a:latin typeface="Trebuchet MS" panose="020B0603020202020204"/>
-        <a:ea typeface=""/>
-        <a:cs typeface=""/>
-        <a:font script="Jpan" typeface="HG丸ｺﾞｼｯｸM-PRO"/>
-        <a:font script="Hang" typeface="HY그래픽M"/>
-        <a:font script="Hans" typeface="华文新魏"/>
-        <a:font script="Hant" typeface="微軟正黑體"/>
-        <a:font script="Arab" typeface="Tahoma"/>
-        <a:font script="Hebr" typeface="Gisha"/>
-        <a:font script="Thai" typeface="IrisUPC"/>
-        <a:font script="Ethi" typeface="Nyala"/>
-        <a:font script="Beng" typeface="Vrinda"/>
-        <a:font script="Gujr" typeface="Shruti"/>
-        <a:font script="Khmr" typeface="DaunPenh"/>
-        <a:font script="Knda" typeface="Tunga"/>
-        <a:font script="Guru" typeface="Raavi"/>
-        <a:font script="Cans" typeface="Euphemia"/>
-        <a:font script="Cher" typeface="Plantagenet Cherokee"/>
-        <a:font script="Yiii" typeface="Microsoft Yi Baiti"/>
-        <a:font script="Tibt" typeface="Microsoft Himalaya"/>
-        <a:font script="Thaa" typeface="MV Boli"/>
-        <a:font script="Deva" typeface="Mangal"/>
-        <a:font script="Telu" typeface="Gautami"/>
-        <a:font script="Taml" typeface="Latha"/>
-        <a:font script="Syrc" typeface="Estrangelo Edessa"/>
-        <a:font script="Orya" typeface="Kalinga"/>
-        <a:font script="Mlym" typeface="Kartika"/>
-        <a:font script="Laoo" typeface="DokChampa"/>
-        <a:font script="Sinh" typeface="Iskoola Pota"/>
-        <a:font script="Mong" typeface="Mongolian Baiti"/>
-        <a:font script="Viet" typeface="Arial"/>
-        <a:font script="Uigh" typeface="Microsoft Uighur"/>
+        <a:font script="Geor" typeface="Sylfaen"/>
       </a:minorFont>
     </a:fontScheme>
-    <a:fmtScheme name="Wood Type">
+    <a:fmtScheme name="Headlines">
       <a:fillStyleLst>
         <a:solidFill>
           <a:schemeClr val="phClr"/>
         </a:solidFill>
-        <a:blipFill rotWithShape="1">
-          <a:blip xmlns:r="http://schemas.openxmlformats.org/officeDocument/2006/relationships" r:embed="rId1">
-            <a:duotone>
+        <a:solidFill>
+          <a:schemeClr val="phClr">
+            <a:tint val="67000"/>
+            <a:satMod val="105000"/>
+          </a:schemeClr>
+        </a:solidFill>
+        <a:gradFill rotWithShape="1">
+          <a:gsLst>
+            <a:gs pos="0">
               <a:schemeClr val="phClr">
-                <a:tint val="70000"/>
-                <a:shade val="63000"/>
+                <a:tint val="100000"/>
+                <a:satMod val="103000"/>
+                <a:lumMod val="102000"/>
               </a:schemeClr>
+            </a:gs>
+            <a:gs pos="50000">
               <a:schemeClr val="phClr">
-                <a:tint val="10000"/>
-                <a:satMod val="150000"/>
+                <a:shade val="100000"/>
+                <a:satMod val="110000"/>
+                <a:lumMod val="100000"/>
               </a:schemeClr>
-            </a:duotone>
-          </a:blip>
-          <a:tile tx="0" ty="0" sx="60000" sy="59000" flip="none" algn="tl"/>
-        </a:blipFill>
-        <a:blipFill rotWithShape="1">
-          <a:blip xmlns:r="http://schemas.openxmlformats.org/officeDocument/2006/relationships" r:embed="rId1">
-            <a:duotone>
+            </a:gs>
+            <a:gs pos="100000">
               <a:schemeClr val="phClr">
-                <a:shade val="36000"/>
+                <a:shade val="70000"/>
                 <a:satMod val="120000"/>
+                <a:lumMod val="99000"/>
               </a:schemeClr>
-              <a:schemeClr val="phClr">
-                <a:tint val="40000"/>
-              </a:schemeClr>
-            </a:duotone>
-          </a:blip>
-          <a:tile tx="0" ty="0" sx="60000" sy="59000" flip="none" algn="tl"/>
-        </a:blipFill>
+            </a:gs>
+          </a:gsLst>
+          <a:path path="circle">
+            <a:fillToRect l="100000" t="100000" r="100000" b="100000"/>
+          </a:path>
+        </a:gradFill>
       </a:fillStyleLst>
       <a:lnStyleLst>
-        <a:ln w="6350" cap="flat" cmpd="sng" algn="ctr">
+        <a:ln w="6350" cap="flat" cmpd="sng" algn="in">
           <a:solidFill>
             <a:schemeClr val="phClr"/>
           </a:solidFill>
           <a:prstDash val="solid"/>
         </a:ln>
-        <a:ln w="12700" cap="flat" cmpd="sng" algn="ctr">
+        <a:ln w="12700" cap="flat" cmpd="sng" algn="in">
           <a:solidFill>
             <a:schemeClr val="phClr"/>
           </a:solidFill>
           <a:prstDash val="solid"/>
         </a:ln>
-        <a:ln w="19050" cap="flat" cmpd="sng" algn="ctr">
+        <a:ln w="19050" cap="flat" cmpd="sng" algn="in">
           <a:solidFill>
-            <a:schemeClr val="phClr"/>
+            <a:schemeClr val="phClr">
+              <a:satMod val="150000"/>
+            </a:schemeClr>
           </a:solidFill>
           <a:prstDash val="solid"/>
         </a:ln>
@@ -5585,18 +6224,20 @@
           <a:effectLst/>
         </a:effectStyle>
         <a:effectStyle>
-          <a:effectLst>
-            <a:softEdge rad="12700"/>
-          </a:effectLst>
+          <a:effectLst/>
         </a:effectStyle>
         <a:effectStyle>
           <a:effectLst>
-            <a:outerShdw blurRad="50800" dist="19050" dir="5400000" algn="tl" rotWithShape="0">
+            <a:innerShdw blurRad="88900" dist="25400" dir="10800000">
               <a:srgbClr val="000000">
-                <a:alpha val="60000"/>
+                <a:alpha val="25000"/>
+              </a:srgbClr>
+            </a:innerShdw>
+            <a:outerShdw blurRad="25400" dist="25400" dir="5400000" rotWithShape="0">
+              <a:srgbClr val="FFFFFF">
+                <a:alpha val="10000"/>
               </a:srgbClr>
             </a:outerShdw>
-            <a:softEdge rad="12700"/>
           </a:effectLst>
         </a:effectStyle>
       </a:effectStyleLst>
@@ -5606,26 +6247,37 @@
         </a:solidFill>
         <a:solidFill>
           <a:schemeClr val="phClr">
-            <a:shade val="97000"/>
-            <a:satMod val="150000"/>
+            <a:tint val="95000"/>
+            <a:satMod val="170000"/>
           </a:schemeClr>
         </a:solidFill>
-        <a:blipFill rotWithShape="1">
-          <a:blip xmlns:r="http://schemas.openxmlformats.org/officeDocument/2006/relationships" r:embed="rId1">
-            <a:duotone>
+        <a:gradFill rotWithShape="1">
+          <a:gsLst>
+            <a:gs pos="0">
               <a:schemeClr val="phClr">
-                <a:tint val="75000"/>
-                <a:shade val="58000"/>
+                <a:tint val="93000"/>
+                <a:shade val="98000"/>
+                <a:satMod val="150000"/>
+                <a:lumMod val="102000"/>
+              </a:schemeClr>
+            </a:gs>
+            <a:gs pos="50000">
+              <a:schemeClr val="phClr">
+                <a:tint val="98000"/>
+                <a:shade val="90000"/>
+                <a:satMod val="130000"/>
+                <a:lumMod val="103000"/>
+              </a:schemeClr>
+            </a:gs>
+            <a:gs pos="100000">
+              <a:schemeClr val="phClr">
+                <a:shade val="63000"/>
                 <a:satMod val="120000"/>
               </a:schemeClr>
-              <a:schemeClr val="phClr">
-                <a:tint val="50000"/>
-                <a:shade val="96000"/>
-              </a:schemeClr>
-            </a:duotone>
-          </a:blip>
-          <a:tile tx="0" ty="0" sx="100000" sy="100000" flip="none" algn="tl"/>
-        </a:blipFill>
+            </a:gs>
+          </a:gsLst>
+          <a:lin ang="5400000" scaled="0"/>
+        </a:gradFill>
       </a:bgFillStyleLst>
     </a:fmtScheme>
   </a:themeElements>
@@ -5633,7 +6285,7 @@
   <a:extraClrSchemeLst/>
   <a:extLst>
     <a:ext uri="{05A4C25C-085E-4340-85A3-A5531E510DB2}">
-      <thm15:themeFamily xmlns:thm15="http://schemas.microsoft.com/office/thememl/2012/main" name="Wood Type" id="{7ACABC62-BF99-48CF-A9DC-4DB89C7B13DC}" vid="{C6AE0645-98FF-411B-B0E9-59ABD78A0CCE}"/>
+      <thm15:themeFamily xmlns:thm15="http://schemas.microsoft.com/office/thememl/2012/main" name="Headlines" id="{3841520A-25F2-4EB8-BE4C-611DB5ABEED9}" vid="{ECD25A4C-D97E-4C12-84B1-63580BFFAEEB}"/>
     </a:ext>
   </a:extLst>
 </a:theme>

--- a/apresentacao.pptx
+++ b/apresentacao.pptx
@@ -8,13 +8,14 @@
     <p:sldId id="257" r:id="rId2"/>
     <p:sldId id="258" r:id="rId3"/>
     <p:sldId id="259" r:id="rId4"/>
-    <p:sldId id="267" r:id="rId5"/>
+    <p:sldId id="268" r:id="rId5"/>
     <p:sldId id="260" r:id="rId6"/>
     <p:sldId id="263" r:id="rId7"/>
     <p:sldId id="264" r:id="rId8"/>
     <p:sldId id="265" r:id="rId9"/>
     <p:sldId id="266" r:id="rId10"/>
     <p:sldId id="262" r:id="rId11"/>
+    <p:sldId id="269" r:id="rId12"/>
   </p:sldIdLst>
   <p:sldSz cx="12192000" cy="6858000"/>
   <p:notesSz cx="6858000" cy="9144000"/>
@@ -4305,7 +4306,7 @@
           <p:cNvPr id="2" name="Title 1">
             <a:extLst>
               <a:ext uri="{FF2B5EF4-FFF2-40B4-BE49-F238E27FC236}">
-                <a16:creationId xmlns="" xmlns:a16="http://schemas.microsoft.com/office/drawing/2014/main" id="{942380C9-9B9B-4C9A-81A3-3351460A73B0}"/>
+                <a16:creationId xmlns:a16="http://schemas.microsoft.com/office/drawing/2014/main" xmlns="" id="{942380C9-9B9B-4C9A-81A3-3351460A73B0}"/>
               </a:ext>
             </a:extLst>
           </p:cNvPr>
@@ -4339,7 +4340,7 @@
           <p:cNvPr id="3" name="Subtitle 2">
             <a:extLst>
               <a:ext uri="{FF2B5EF4-FFF2-40B4-BE49-F238E27FC236}">
-                <a16:creationId xmlns="" xmlns:a16="http://schemas.microsoft.com/office/drawing/2014/main" id="{A29C2244-9F3F-40B0-BFB2-311C22DE84BD}"/>
+                <a16:creationId xmlns:a16="http://schemas.microsoft.com/office/drawing/2014/main" xmlns="" id="{A29C2244-9F3F-40B0-BFB2-311C22DE84BD}"/>
               </a:ext>
             </a:extLst>
           </p:cNvPr>
@@ -4447,7 +4448,7 @@
           <p:cNvPr id="2" name="Title 1">
             <a:extLst>
               <a:ext uri="{FF2B5EF4-FFF2-40B4-BE49-F238E27FC236}">
-                <a16:creationId xmlns="" xmlns:a16="http://schemas.microsoft.com/office/drawing/2014/main" id="{942380C9-9B9B-4C9A-81A3-3351460A73B0}"/>
+                <a16:creationId xmlns:a16="http://schemas.microsoft.com/office/drawing/2014/main" xmlns="" id="{942380C9-9B9B-4C9A-81A3-3351460A73B0}"/>
               </a:ext>
             </a:extLst>
           </p:cNvPr>
@@ -4460,14 +4461,16 @@
         </p:nvSpPr>
         <p:spPr/>
         <p:txBody>
-          <a:bodyPr/>
-          <a:lstStyle/>
-          <a:p>
-            <a:r>
-              <a:rPr lang="pt-BR" dirty="0" smtClean="0"/>
+          <a:bodyPr>
+            <a:normAutofit/>
+          </a:bodyPr>
+          <a:lstStyle/>
+          <a:p>
+            <a:r>
+              <a:rPr lang="pt-BR" sz="6900" dirty="0" smtClean="0"/>
               <a:t>May the force be with you!</a:t>
             </a:r>
-            <a:endParaRPr lang="en-US" dirty="0"/>
+            <a:endParaRPr lang="en-US" sz="6900" dirty="0"/>
           </a:p>
         </p:txBody>
       </p:sp>
@@ -4476,7 +4479,7 @@
           <p:cNvPr id="3" name="Subtitle 2">
             <a:extLst>
               <a:ext uri="{FF2B5EF4-FFF2-40B4-BE49-F238E27FC236}">
-                <a16:creationId xmlns="" xmlns:a16="http://schemas.microsoft.com/office/drawing/2014/main" id="{A29C2244-9F3F-40B0-BFB2-311C22DE84BD}"/>
+                <a16:creationId xmlns:a16="http://schemas.microsoft.com/office/drawing/2014/main" xmlns="" id="{A29C2244-9F3F-40B0-BFB2-311C22DE84BD}"/>
               </a:ext>
             </a:extLst>
           </p:cNvPr>
@@ -4553,6 +4556,250 @@
   <p:clrMapOvr>
     <a:masterClrMapping/>
   </p:clrMapOvr>
+  <p:timing>
+    <p:tnLst>
+      <p:par>
+        <p:cTn id="1" dur="indefinite" restart="never" nodeType="tmRoot"/>
+      </p:par>
+    </p:tnLst>
+  </p:timing>
+</p:sld>
+</file>
+
+<file path=ppt/slides/slide11.xml><?xml version="1.0" encoding="utf-8"?>
+<p:sld xmlns:a="http://schemas.openxmlformats.org/drawingml/2006/main" xmlns:r="http://schemas.openxmlformats.org/officeDocument/2006/relationships" xmlns:p="http://schemas.openxmlformats.org/presentationml/2006/main">
+  <p:cSld>
+    <p:spTree>
+      <p:nvGrpSpPr>
+        <p:cNvPr id="1" name=""/>
+        <p:cNvGrpSpPr/>
+        <p:nvPr/>
+      </p:nvGrpSpPr>
+      <p:grpSpPr>
+        <a:xfrm>
+          <a:off x="0" y="0"/>
+          <a:ext cx="0" cy="0"/>
+          <a:chOff x="0" y="0"/>
+          <a:chExt cx="0" cy="0"/>
+        </a:xfrm>
+      </p:grpSpPr>
+      <p:sp>
+        <p:nvSpPr>
+          <p:cNvPr id="2" name="Title 1">
+            <a:extLst>
+              <a:ext uri="{FF2B5EF4-FFF2-40B4-BE49-F238E27FC236}">
+                <a16:creationId xmlns:a16="http://schemas.microsoft.com/office/drawing/2014/main" xmlns="" id="{942380C9-9B9B-4C9A-81A3-3351460A73B0}"/>
+              </a:ext>
+            </a:extLst>
+          </p:cNvPr>
+          <p:cNvSpPr>
+            <a:spLocks noGrp="1"/>
+          </p:cNvSpPr>
+          <p:nvPr>
+            <p:ph type="ctrTitle"/>
+          </p:nvPr>
+        </p:nvSpPr>
+        <p:spPr>
+          <a:xfrm>
+            <a:off x="1088913" y="1143293"/>
+            <a:ext cx="10666876" cy="4268965"/>
+          </a:xfrm>
+        </p:spPr>
+        <p:txBody>
+          <a:bodyPr>
+            <a:normAutofit/>
+          </a:bodyPr>
+          <a:lstStyle/>
+          <a:p>
+            <a:r>
+              <a:rPr lang="pt-BR" sz="6900" dirty="0" smtClean="0"/>
+              <a:t>Please, read</a:t>
+            </a:r>
+            <a:r>
+              <a:rPr lang="pt-BR" sz="6900" dirty="0" smtClean="0"/>
+              <a:t>!</a:t>
+            </a:r>
+            <a:endParaRPr lang="en-US" sz="6900" dirty="0"/>
+          </a:p>
+        </p:txBody>
+      </p:sp>
+      <p:sp>
+        <p:nvSpPr>
+          <p:cNvPr id="3" name="Subtitle 2">
+            <a:extLst>
+              <a:ext uri="{FF2B5EF4-FFF2-40B4-BE49-F238E27FC236}">
+                <a16:creationId xmlns:a16="http://schemas.microsoft.com/office/drawing/2014/main" xmlns="" id="{A29C2244-9F3F-40B0-BFB2-311C22DE84BD}"/>
+              </a:ext>
+            </a:extLst>
+          </p:cNvPr>
+          <p:cNvSpPr>
+            <a:spLocks noGrp="1"/>
+          </p:cNvSpPr>
+          <p:nvPr>
+            <p:ph type="subTitle" idx="1"/>
+          </p:nvPr>
+        </p:nvSpPr>
+        <p:spPr/>
+        <p:txBody>
+          <a:bodyPr>
+            <a:normAutofit fontScale="70000" lnSpcReduction="20000"/>
+          </a:bodyPr>
+          <a:lstStyle/>
+          <a:p>
+            <a:r>
+              <a:rPr lang="pt-BR" dirty="0"/>
+              <a:t>Skype : </a:t>
+            </a:r>
+            <a:r>
+              <a:rPr lang="pt-BR" dirty="0" smtClean="0"/>
+              <a:t>wesley_oliveira</a:t>
+            </a:r>
+          </a:p>
+          <a:p>
+            <a:r>
+              <a:rPr lang="pt-BR" dirty="0" smtClean="0"/>
+              <a:t>wesley_oliveira@outlook.com</a:t>
+            </a:r>
+            <a:endParaRPr lang="pt-BR" dirty="0"/>
+          </a:p>
+          <a:p>
+            <a:r>
+              <a:rPr lang="pt-BR" dirty="0"/>
+              <a:t>GIT : https://github.com/wpoPR/Cinq-Solid</a:t>
+            </a:r>
+            <a:endParaRPr lang="en-US" dirty="0"/>
+          </a:p>
+        </p:txBody>
+      </p:sp>
+      <p:pic>
+        <p:nvPicPr>
+          <p:cNvPr id="5" name="Picture 4"/>
+          <p:cNvPicPr>
+            <a:picLocks noChangeAspect="1"/>
+          </p:cNvPicPr>
+          <p:nvPr/>
+        </p:nvPicPr>
+        <p:blipFill>
+          <a:blip r:embed="rId2">
+            <a:extLst>
+              <a:ext uri="{28A0092B-C50C-407E-A947-70E740481C1C}">
+                <a14:useLocalDpi xmlns:a14="http://schemas.microsoft.com/office/drawing/2010/main" val="0"/>
+              </a:ext>
+            </a:extLst>
+          </a:blip>
+          <a:stretch>
+            <a:fillRect/>
+          </a:stretch>
+        </p:blipFill>
+        <p:spPr>
+          <a:xfrm>
+            <a:off x="8719457" y="5619758"/>
+            <a:ext cx="3095321" cy="1030742"/>
+          </a:xfrm>
+          <a:prstGeom prst="rect">
+            <a:avLst/>
+          </a:prstGeom>
+        </p:spPr>
+      </p:pic>
+      <p:pic>
+        <p:nvPicPr>
+          <p:cNvPr id="1026" name="Picture 2" descr="Resultado de imagem para clean code"/>
+          <p:cNvPicPr>
+            <a:picLocks noChangeAspect="1" noChangeArrowheads="1"/>
+          </p:cNvPicPr>
+          <p:nvPr/>
+        </p:nvPicPr>
+        <p:blipFill>
+          <a:blip r:embed="rId3">
+            <a:extLst>
+              <a:ext uri="{28A0092B-C50C-407E-A947-70E740481C1C}">
+                <a14:useLocalDpi xmlns:a14="http://schemas.microsoft.com/office/drawing/2010/main" val="0"/>
+              </a:ext>
+            </a:extLst>
+          </a:blip>
+          <a:srcRect/>
+          <a:stretch>
+            <a:fillRect/>
+          </a:stretch>
+        </p:blipFill>
+        <p:spPr bwMode="auto">
+          <a:xfrm>
+            <a:off x="2047819" y="2092579"/>
+            <a:ext cx="2380489" cy="3173985"/>
+          </a:xfrm>
+          <a:prstGeom prst="rect">
+            <a:avLst/>
+          </a:prstGeom>
+          <a:noFill/>
+          <a:extLst>
+            <a:ext uri="{909E8E84-426E-40DD-AFC4-6F175D3DCCD1}">
+              <a14:hiddenFill xmlns:a14="http://schemas.microsoft.com/office/drawing/2010/main">
+                <a:solidFill>
+                  <a:srgbClr val="FFFFFF"/>
+                </a:solidFill>
+              </a14:hiddenFill>
+            </a:ext>
+          </a:extLst>
+        </p:spPr>
+      </p:pic>
+      <p:pic>
+        <p:nvPicPr>
+          <p:cNvPr id="1028" name="Picture 4" descr="Resultado de imagem para solid principles"/>
+          <p:cNvPicPr>
+            <a:picLocks noChangeAspect="1" noChangeArrowheads="1"/>
+          </p:cNvPicPr>
+          <p:nvPr/>
+        </p:nvPicPr>
+        <p:blipFill>
+          <a:blip r:embed="rId4">
+            <a:extLst>
+              <a:ext uri="{28A0092B-C50C-407E-A947-70E740481C1C}">
+                <a14:useLocalDpi xmlns:a14="http://schemas.microsoft.com/office/drawing/2010/main" val="0"/>
+              </a:ext>
+            </a:extLst>
+          </a:blip>
+          <a:srcRect/>
+          <a:stretch>
+            <a:fillRect/>
+          </a:stretch>
+        </p:blipFill>
+        <p:spPr bwMode="auto">
+          <a:xfrm>
+            <a:off x="6607160" y="2207958"/>
+            <a:ext cx="3381375" cy="2943225"/>
+          </a:xfrm>
+          <a:prstGeom prst="rect">
+            <a:avLst/>
+          </a:prstGeom>
+          <a:noFill/>
+          <a:extLst>
+            <a:ext uri="{909E8E84-426E-40DD-AFC4-6F175D3DCCD1}">
+              <a14:hiddenFill xmlns:a14="http://schemas.microsoft.com/office/drawing/2010/main">
+                <a:solidFill>
+                  <a:srgbClr val="FFFFFF"/>
+                </a:solidFill>
+              </a14:hiddenFill>
+            </a:ext>
+          </a:extLst>
+        </p:spPr>
+      </p:pic>
+    </p:spTree>
+    <p:extLst>
+      <p:ext uri="{BB962C8B-B14F-4D97-AF65-F5344CB8AC3E}">
+        <p14:creationId xmlns:p14="http://schemas.microsoft.com/office/powerpoint/2010/main" val="741852341"/>
+      </p:ext>
+    </p:extLst>
+  </p:cSld>
+  <p:clrMapOvr>
+    <a:masterClrMapping/>
+  </p:clrMapOvr>
+  <p:timing>
+    <p:tnLst>
+      <p:par>
+        <p:cTn id="1" dur="indefinite" restart="never" nodeType="tmRoot"/>
+      </p:par>
+    </p:tnLst>
+  </p:timing>
 </p:sld>
 </file>
 
@@ -4586,7 +4833,7 @@
           <p:cNvPr id="2" name="Title 1">
             <a:extLst>
               <a:ext uri="{FF2B5EF4-FFF2-40B4-BE49-F238E27FC236}">
-                <a16:creationId xmlns="" xmlns:a16="http://schemas.microsoft.com/office/drawing/2014/main" id="{942380C9-9B9B-4C9A-81A3-3351460A73B0}"/>
+                <a16:creationId xmlns:a16="http://schemas.microsoft.com/office/drawing/2014/main" xmlns="" id="{942380C9-9B9B-4C9A-81A3-3351460A73B0}"/>
               </a:ext>
             </a:extLst>
           </p:cNvPr>
@@ -4654,7 +4901,7 @@
           <p:cNvPr id="3" name="Subtitle 2">
             <a:extLst>
               <a:ext uri="{FF2B5EF4-FFF2-40B4-BE49-F238E27FC236}">
-                <a16:creationId xmlns="" xmlns:a16="http://schemas.microsoft.com/office/drawing/2014/main" id="{A29C2244-9F3F-40B0-BFB2-311C22DE84BD}"/>
+                <a16:creationId xmlns:a16="http://schemas.microsoft.com/office/drawing/2014/main" xmlns="" id="{A29C2244-9F3F-40B0-BFB2-311C22DE84BD}"/>
               </a:ext>
             </a:extLst>
           </p:cNvPr>
@@ -4773,7 +5020,7 @@
           <p:cNvPr id="2" name="Title 1">
             <a:extLst>
               <a:ext uri="{FF2B5EF4-FFF2-40B4-BE49-F238E27FC236}">
-                <a16:creationId xmlns="" xmlns:a16="http://schemas.microsoft.com/office/drawing/2014/main" id="{942380C9-9B9B-4C9A-81A3-3351460A73B0}"/>
+                <a16:creationId xmlns:a16="http://schemas.microsoft.com/office/drawing/2014/main" xmlns="" id="{942380C9-9B9B-4C9A-81A3-3351460A73B0}"/>
               </a:ext>
             </a:extLst>
           </p:cNvPr>
@@ -4802,7 +5049,7 @@
           <p:cNvPr id="3" name="Subtitle 2">
             <a:extLst>
               <a:ext uri="{FF2B5EF4-FFF2-40B4-BE49-F238E27FC236}">
-                <a16:creationId xmlns="" xmlns:a16="http://schemas.microsoft.com/office/drawing/2014/main" id="{A29C2244-9F3F-40B0-BFB2-311C22DE84BD}"/>
+                <a16:creationId xmlns:a16="http://schemas.microsoft.com/office/drawing/2014/main" xmlns="" id="{A29C2244-9F3F-40B0-BFB2-311C22DE84BD}"/>
               </a:ext>
             </a:extLst>
           </p:cNvPr>
@@ -4898,7 +5145,7 @@
           <p:cNvPr id="2" name="Title 1">
             <a:extLst>
               <a:ext uri="{FF2B5EF4-FFF2-40B4-BE49-F238E27FC236}">
-                <a16:creationId xmlns="" xmlns:a16="http://schemas.microsoft.com/office/drawing/2014/main" id="{942380C9-9B9B-4C9A-81A3-3351460A73B0}"/>
+                <a16:creationId xmlns:a16="http://schemas.microsoft.com/office/drawing/2014/main" xmlns="" id="{942380C9-9B9B-4C9A-81A3-3351460A73B0}"/>
               </a:ext>
             </a:extLst>
           </p:cNvPr>
@@ -4931,7 +5178,7 @@
           <p:cNvPr id="3" name="Subtitle 2">
             <a:extLst>
               <a:ext uri="{FF2B5EF4-FFF2-40B4-BE49-F238E27FC236}">
-                <a16:creationId xmlns="" xmlns:a16="http://schemas.microsoft.com/office/drawing/2014/main" id="{A29C2244-9F3F-40B0-BFB2-311C22DE84BD}"/>
+                <a16:creationId xmlns:a16="http://schemas.microsoft.com/office/drawing/2014/main" xmlns="" id="{A29C2244-9F3F-40B0-BFB2-311C22DE84BD}"/>
               </a:ext>
             </a:extLst>
           </p:cNvPr>
@@ -4988,7 +5235,7 @@
     </p:spTree>
     <p:extLst>
       <p:ext uri="{BB962C8B-B14F-4D97-AF65-F5344CB8AC3E}">
-        <p14:creationId xmlns:p14="http://schemas.microsoft.com/office/powerpoint/2010/main" val="1314900245"/>
+        <p14:creationId xmlns:p14="http://schemas.microsoft.com/office/powerpoint/2010/main" val="591479454"/>
       </p:ext>
     </p:extLst>
   </p:cSld>
@@ -5035,7 +5282,7 @@
           <p:cNvPr id="2" name="Title 1">
             <a:extLst>
               <a:ext uri="{FF2B5EF4-FFF2-40B4-BE49-F238E27FC236}">
-                <a16:creationId xmlns="" xmlns:a16="http://schemas.microsoft.com/office/drawing/2014/main" id="{942380C9-9B9B-4C9A-81A3-3351460A73B0}"/>
+                <a16:creationId xmlns:a16="http://schemas.microsoft.com/office/drawing/2014/main" xmlns="" id="{942380C9-9B9B-4C9A-81A3-3351460A73B0}"/>
               </a:ext>
             </a:extLst>
           </p:cNvPr>
@@ -5082,7 +5329,7 @@
           <p:cNvPr id="3" name="Subtitle 2">
             <a:extLst>
               <a:ext uri="{FF2B5EF4-FFF2-40B4-BE49-F238E27FC236}">
-                <a16:creationId xmlns="" xmlns:a16="http://schemas.microsoft.com/office/drawing/2014/main" id="{A29C2244-9F3F-40B0-BFB2-311C22DE84BD}"/>
+                <a16:creationId xmlns:a16="http://schemas.microsoft.com/office/drawing/2014/main" xmlns="" id="{A29C2244-9F3F-40B0-BFB2-311C22DE84BD}"/>
               </a:ext>
             </a:extLst>
           </p:cNvPr>
@@ -5113,7 +5360,7 @@
           <p:cNvPr id="4" name="TextBox 3">
             <a:extLst>
               <a:ext uri="{FF2B5EF4-FFF2-40B4-BE49-F238E27FC236}">
-                <a16:creationId xmlns="" xmlns:a16="http://schemas.microsoft.com/office/drawing/2014/main" id="{37FCC515-3548-4AE1-AD92-8838577BF78A}"/>
+                <a16:creationId xmlns:a16="http://schemas.microsoft.com/office/drawing/2014/main" xmlns="" id="{37FCC515-3548-4AE1-AD92-8838577BF78A}"/>
               </a:ext>
             </a:extLst>
           </p:cNvPr>
@@ -5236,7 +5483,7 @@
           <p:cNvPr id="2" name="Title 1">
             <a:extLst>
               <a:ext uri="{FF2B5EF4-FFF2-40B4-BE49-F238E27FC236}">
-                <a16:creationId xmlns="" xmlns:a16="http://schemas.microsoft.com/office/drawing/2014/main" id="{942380C9-9B9B-4C9A-81A3-3351460A73B0}"/>
+                <a16:creationId xmlns:a16="http://schemas.microsoft.com/office/drawing/2014/main" xmlns="" id="{942380C9-9B9B-4C9A-81A3-3351460A73B0}"/>
               </a:ext>
             </a:extLst>
           </p:cNvPr>
@@ -5249,30 +5496,32 @@
         </p:nvSpPr>
         <p:spPr/>
         <p:txBody>
-          <a:bodyPr/>
-          <a:lstStyle/>
-          <a:p>
-            <a:r>
-              <a:rPr lang="pt-BR" dirty="0"/>
+          <a:bodyPr>
+            <a:normAutofit/>
+          </a:bodyPr>
+          <a:lstStyle/>
+          <a:p>
+            <a:r>
+              <a:rPr lang="pt-BR" sz="6900" dirty="0"/>
               <a:t>Open </a:t>
             </a:r>
             <a:r>
-              <a:rPr lang="pt-BR" dirty="0" err="1"/>
+              <a:rPr lang="pt-BR" sz="6900" dirty="0" err="1"/>
               <a:t>Closed</a:t>
             </a:r>
             <a:r>
-              <a:rPr lang="pt-BR" dirty="0"/>
+              <a:rPr lang="pt-BR" sz="6900" dirty="0"/>
               <a:t> </a:t>
             </a:r>
             <a:r>
-              <a:rPr lang="pt-BR" dirty="0" err="1"/>
+              <a:rPr lang="pt-BR" sz="6900" dirty="0" err="1"/>
               <a:t>Principle</a:t>
             </a:r>
             <a:r>
-              <a:rPr lang="pt-BR" dirty="0"/>
+              <a:rPr lang="pt-BR" sz="6900" dirty="0"/>
               <a:t>. (OCP)</a:t>
             </a:r>
-            <a:endParaRPr lang="en-US" dirty="0"/>
+            <a:endParaRPr lang="en-US" sz="6900" dirty="0"/>
           </a:p>
         </p:txBody>
       </p:sp>
@@ -5281,7 +5530,7 @@
           <p:cNvPr id="3" name="Subtitle 2">
             <a:extLst>
               <a:ext uri="{FF2B5EF4-FFF2-40B4-BE49-F238E27FC236}">
-                <a16:creationId xmlns="" xmlns:a16="http://schemas.microsoft.com/office/drawing/2014/main" id="{A29C2244-9F3F-40B0-BFB2-311C22DE84BD}"/>
+                <a16:creationId xmlns:a16="http://schemas.microsoft.com/office/drawing/2014/main" xmlns="" id="{A29C2244-9F3F-40B0-BFB2-311C22DE84BD}"/>
               </a:ext>
             </a:extLst>
           </p:cNvPr>
@@ -5332,7 +5581,7 @@
           <p:cNvPr id="4" name="TextBox 3">
             <a:extLst>
               <a:ext uri="{FF2B5EF4-FFF2-40B4-BE49-F238E27FC236}">
-                <a16:creationId xmlns="" xmlns:a16="http://schemas.microsoft.com/office/drawing/2014/main" id="{C3301217-55A3-4D04-BBFF-19FA9E6B71B7}"/>
+                <a16:creationId xmlns:a16="http://schemas.microsoft.com/office/drawing/2014/main" xmlns="" id="{C3301217-55A3-4D04-BBFF-19FA9E6B71B7}"/>
               </a:ext>
             </a:extLst>
           </p:cNvPr>
@@ -5455,7 +5704,7 @@
           <p:cNvPr id="2" name="Title 1">
             <a:extLst>
               <a:ext uri="{FF2B5EF4-FFF2-40B4-BE49-F238E27FC236}">
-                <a16:creationId xmlns="" xmlns:a16="http://schemas.microsoft.com/office/drawing/2014/main" id="{942380C9-9B9B-4C9A-81A3-3351460A73B0}"/>
+                <a16:creationId xmlns:a16="http://schemas.microsoft.com/office/drawing/2014/main" xmlns="" id="{942380C9-9B9B-4C9A-81A3-3351460A73B0}"/>
               </a:ext>
             </a:extLst>
           </p:cNvPr>
@@ -5507,7 +5756,7 @@
           <p:cNvPr id="3" name="Subtitle 2">
             <a:extLst>
               <a:ext uri="{FF2B5EF4-FFF2-40B4-BE49-F238E27FC236}">
-                <a16:creationId xmlns="" xmlns:a16="http://schemas.microsoft.com/office/drawing/2014/main" id="{A29C2244-9F3F-40B0-BFB2-311C22DE84BD}"/>
+                <a16:creationId xmlns:a16="http://schemas.microsoft.com/office/drawing/2014/main" xmlns="" id="{A29C2244-9F3F-40B0-BFB2-311C22DE84BD}"/>
               </a:ext>
             </a:extLst>
           </p:cNvPr>
@@ -5549,7 +5798,7 @@
           <p:cNvPr id="4" name="TextBox 3">
             <a:extLst>
               <a:ext uri="{FF2B5EF4-FFF2-40B4-BE49-F238E27FC236}">
-                <a16:creationId xmlns="" xmlns:a16="http://schemas.microsoft.com/office/drawing/2014/main" id="{703AF918-407B-49DB-A809-91C767FE3316}"/>
+                <a16:creationId xmlns:a16="http://schemas.microsoft.com/office/drawing/2014/main" xmlns="" id="{703AF918-407B-49DB-A809-91C767FE3316}"/>
               </a:ext>
             </a:extLst>
           </p:cNvPr>
@@ -5632,6 +5881,13 @@
   <p:clrMapOvr>
     <a:masterClrMapping/>
   </p:clrMapOvr>
+  <p:timing>
+    <p:tnLst>
+      <p:par>
+        <p:cTn id="1" dur="indefinite" restart="never" nodeType="tmRoot"/>
+      </p:par>
+    </p:tnLst>
+  </p:timing>
 </p:sld>
 </file>
 
@@ -5665,7 +5921,7 @@
           <p:cNvPr id="2" name="Title 1">
             <a:extLst>
               <a:ext uri="{FF2B5EF4-FFF2-40B4-BE49-F238E27FC236}">
-                <a16:creationId xmlns="" xmlns:a16="http://schemas.microsoft.com/office/drawing/2014/main" id="{942380C9-9B9B-4C9A-81A3-3351460A73B0}"/>
+                <a16:creationId xmlns:a16="http://schemas.microsoft.com/office/drawing/2014/main" xmlns="" id="{942380C9-9B9B-4C9A-81A3-3351460A73B0}"/>
               </a:ext>
             </a:extLst>
           </p:cNvPr>
@@ -5683,30 +5939,32 @@
           </a:xfrm>
         </p:spPr>
         <p:txBody>
-          <a:bodyPr/>
-          <a:lstStyle/>
-          <a:p>
-            <a:r>
-              <a:rPr lang="pt-BR" dirty="0"/>
+          <a:bodyPr>
+            <a:normAutofit/>
+          </a:bodyPr>
+          <a:lstStyle/>
+          <a:p>
+            <a:r>
+              <a:rPr lang="pt-BR" sz="6900" dirty="0"/>
               <a:t>Interface </a:t>
             </a:r>
             <a:r>
-              <a:rPr lang="pt-BR" dirty="0" err="1"/>
+              <a:rPr lang="pt-BR" sz="6900" dirty="0" err="1"/>
               <a:t>Segregation</a:t>
             </a:r>
             <a:r>
-              <a:rPr lang="pt-BR" dirty="0"/>
+              <a:rPr lang="pt-BR" sz="6900" dirty="0"/>
               <a:t> </a:t>
             </a:r>
             <a:r>
-              <a:rPr lang="pt-BR" dirty="0" err="1"/>
+              <a:rPr lang="pt-BR" sz="6900" dirty="0" err="1"/>
               <a:t>Principle</a:t>
             </a:r>
             <a:r>
-              <a:rPr lang="pt-BR" dirty="0"/>
+              <a:rPr lang="pt-BR" sz="6900" dirty="0"/>
               <a:t> (ISP)</a:t>
             </a:r>
-            <a:endParaRPr lang="en-US" dirty="0"/>
+            <a:endParaRPr lang="en-US" sz="6900" dirty="0"/>
           </a:p>
         </p:txBody>
       </p:sp>
@@ -5715,7 +5973,7 @@
           <p:cNvPr id="3" name="Subtitle 2">
             <a:extLst>
               <a:ext uri="{FF2B5EF4-FFF2-40B4-BE49-F238E27FC236}">
-                <a16:creationId xmlns="" xmlns:a16="http://schemas.microsoft.com/office/drawing/2014/main" id="{A29C2244-9F3F-40B0-BFB2-311C22DE84BD}"/>
+                <a16:creationId xmlns:a16="http://schemas.microsoft.com/office/drawing/2014/main" xmlns="" id="{A29C2244-9F3F-40B0-BFB2-311C22DE84BD}"/>
               </a:ext>
             </a:extLst>
           </p:cNvPr>
@@ -5749,7 +6007,7 @@
           <p:cNvPr id="4" name="TextBox 3">
             <a:extLst>
               <a:ext uri="{FF2B5EF4-FFF2-40B4-BE49-F238E27FC236}">
-                <a16:creationId xmlns="" xmlns:a16="http://schemas.microsoft.com/office/drawing/2014/main" id="{C7AA4A80-A6DD-4EA0-8D5D-AD4565BAF76C}"/>
+                <a16:creationId xmlns:a16="http://schemas.microsoft.com/office/drawing/2014/main" xmlns="" id="{C7AA4A80-A6DD-4EA0-8D5D-AD4565BAF76C}"/>
               </a:ext>
             </a:extLst>
           </p:cNvPr>
@@ -5832,6 +6090,13 @@
   <p:clrMapOvr>
     <a:masterClrMapping/>
   </p:clrMapOvr>
+  <p:timing>
+    <p:tnLst>
+      <p:par>
+        <p:cTn id="1" dur="indefinite" restart="never" nodeType="tmRoot"/>
+      </p:par>
+    </p:tnLst>
+  </p:timing>
 </p:sld>
 </file>
 
@@ -5865,7 +6130,7 @@
           <p:cNvPr id="2" name="Title 1">
             <a:extLst>
               <a:ext uri="{FF2B5EF4-FFF2-40B4-BE49-F238E27FC236}">
-                <a16:creationId xmlns="" xmlns:a16="http://schemas.microsoft.com/office/drawing/2014/main" id="{942380C9-9B9B-4C9A-81A3-3351460A73B0}"/>
+                <a16:creationId xmlns:a16="http://schemas.microsoft.com/office/drawing/2014/main" xmlns="" id="{942380C9-9B9B-4C9A-81A3-3351460A73B0}"/>
               </a:ext>
             </a:extLst>
           </p:cNvPr>
@@ -5879,7 +6144,7 @@
         <p:spPr>
           <a:xfrm>
             <a:off x="1088912" y="1143293"/>
-            <a:ext cx="8155671" cy="4268965"/>
+            <a:ext cx="8805225" cy="4268965"/>
           </a:xfrm>
         </p:spPr>
         <p:txBody>
@@ -5924,7 +6189,7 @@
           <p:cNvPr id="3" name="Subtitle 2">
             <a:extLst>
               <a:ext uri="{FF2B5EF4-FFF2-40B4-BE49-F238E27FC236}">
-                <a16:creationId xmlns="" xmlns:a16="http://schemas.microsoft.com/office/drawing/2014/main" id="{A29C2244-9F3F-40B0-BFB2-311C22DE84BD}"/>
+                <a16:creationId xmlns:a16="http://schemas.microsoft.com/office/drawing/2014/main" xmlns="" id="{A29C2244-9F3F-40B0-BFB2-311C22DE84BD}"/>
               </a:ext>
             </a:extLst>
           </p:cNvPr>
@@ -5958,7 +6223,7 @@
           <p:cNvPr id="4" name="TextBox 3">
             <a:extLst>
               <a:ext uri="{FF2B5EF4-FFF2-40B4-BE49-F238E27FC236}">
-                <a16:creationId xmlns="" xmlns:a16="http://schemas.microsoft.com/office/drawing/2014/main" id="{6BBE5CE1-87EA-4042-8009-BA9C54CA79C5}"/>
+                <a16:creationId xmlns:a16="http://schemas.microsoft.com/office/drawing/2014/main" xmlns="" id="{6BBE5CE1-87EA-4042-8009-BA9C54CA79C5}"/>
               </a:ext>
             </a:extLst>
           </p:cNvPr>
@@ -6041,6 +6306,13 @@
   <p:clrMapOvr>
     <a:masterClrMapping/>
   </p:clrMapOvr>
+  <p:timing>
+    <p:tnLst>
+      <p:par>
+        <p:cTn id="1" dur="indefinite" restart="never" nodeType="tmRoot"/>
+      </p:par>
+    </p:tnLst>
+  </p:timing>
 </p:sld>
 </file>
 

--- a/apresentacao.pptx
+++ b/apresentacao.pptx
@@ -5293,34 +5293,39 @@
             <p:ph type="ctrTitle"/>
           </p:nvPr>
         </p:nvSpPr>
-        <p:spPr/>
+        <p:spPr>
+          <a:xfrm>
+            <a:off x="1088912" y="1143293"/>
+            <a:ext cx="9015207" cy="4268965"/>
+          </a:xfrm>
+        </p:spPr>
         <p:txBody>
           <a:bodyPr>
-            <a:normAutofit fontScale="90000"/>
+            <a:normAutofit/>
           </a:bodyPr>
           <a:lstStyle/>
           <a:p>
             <a:r>
-              <a:rPr lang="pt-BR" dirty="0"/>
+              <a:rPr lang="pt-BR" sz="6900" dirty="0"/>
               <a:t>Single </a:t>
             </a:r>
             <a:r>
-              <a:rPr lang="pt-BR" dirty="0" err="1"/>
+              <a:rPr lang="pt-BR" sz="6900" dirty="0" err="1"/>
               <a:t>Responsability</a:t>
             </a:r>
             <a:r>
-              <a:rPr lang="pt-BR" dirty="0"/>
+              <a:rPr lang="pt-BR" sz="6900" dirty="0"/>
               <a:t> </a:t>
             </a:r>
             <a:r>
-              <a:rPr lang="pt-BR" dirty="0" err="1"/>
+              <a:rPr lang="pt-BR" sz="6900" dirty="0" err="1"/>
               <a:t>Principe</a:t>
             </a:r>
             <a:r>
-              <a:rPr lang="pt-BR" dirty="0"/>
+              <a:rPr lang="pt-BR" sz="6900" dirty="0"/>
               <a:t>. (SRP)</a:t>
             </a:r>
-            <a:endParaRPr lang="en-US" dirty="0"/>
+            <a:endParaRPr lang="en-US" sz="6900" dirty="0"/>
           </a:p>
         </p:txBody>
       </p:sp>
